--- a/manuscript/PRE_AS12.pptx
+++ b/manuscript/PRE_AS12.pptx
@@ -5,7 +5,7 @@
     <p:sldMasterId id="2147483648" r:id="rId1"/>
   </p:sldMasterIdLst>
   <p:notesMasterIdLst>
-    <p:notesMasterId r:id="rId20"/>
+    <p:notesMasterId r:id="rId23"/>
   </p:notesMasterIdLst>
   <p:sldIdLst>
     <p:sldId id="256" r:id="rId2"/>
@@ -14,18 +14,21 @@
     <p:sldId id="271" r:id="rId5"/>
     <p:sldId id="272" r:id="rId6"/>
     <p:sldId id="258" r:id="rId7"/>
-    <p:sldId id="267" r:id="rId8"/>
-    <p:sldId id="268" r:id="rId9"/>
-    <p:sldId id="269" r:id="rId10"/>
-    <p:sldId id="270" r:id="rId11"/>
-    <p:sldId id="273" r:id="rId12"/>
-    <p:sldId id="259" r:id="rId13"/>
-    <p:sldId id="260" r:id="rId14"/>
-    <p:sldId id="261" r:id="rId15"/>
-    <p:sldId id="262" r:id="rId16"/>
-    <p:sldId id="263" r:id="rId17"/>
-    <p:sldId id="264" r:id="rId18"/>
-    <p:sldId id="265" r:id="rId19"/>
+    <p:sldId id="277" r:id="rId8"/>
+    <p:sldId id="267" r:id="rId9"/>
+    <p:sldId id="268" r:id="rId10"/>
+    <p:sldId id="275" r:id="rId11"/>
+    <p:sldId id="276" r:id="rId12"/>
+    <p:sldId id="269" r:id="rId13"/>
+    <p:sldId id="270" r:id="rId14"/>
+    <p:sldId id="273" r:id="rId15"/>
+    <p:sldId id="259" r:id="rId16"/>
+    <p:sldId id="260" r:id="rId17"/>
+    <p:sldId id="261" r:id="rId18"/>
+    <p:sldId id="274" r:id="rId19"/>
+    <p:sldId id="262" r:id="rId20"/>
+    <p:sldId id="264" r:id="rId21"/>
+    <p:sldId id="265" r:id="rId22"/>
   </p:sldIdLst>
   <p:sldSz cx="9144000" cy="5143500" type="screen16x9"/>
   <p:notesSz cx="5143500" cy="9144000"/>
@@ -123,7 +126,18 @@
   </p:defaultTextStyle>
   <p:extLst>
     <p:ext uri="{EFAFB233-063F-42B5-8137-9DF3F51BA10A}">
-      <p15:sldGuideLst xmlns:p15="http://schemas.microsoft.com/office/powerpoint/2012/main"/>
+      <p15:sldGuideLst xmlns:p15="http://schemas.microsoft.com/office/powerpoint/2012/main">
+        <p15:guide id="1" orient="horz" pos="667" userDrawn="1">
+          <p15:clr>
+            <a:srgbClr val="A4A3A4"/>
+          </p15:clr>
+        </p15:guide>
+        <p15:guide id="2" pos="385" userDrawn="1">
+          <p15:clr>
+            <a:srgbClr val="A4A3A4"/>
+          </p15:clr>
+        </p15:guide>
+      </p15:sldGuideLst>
     </p:ext>
   </p:extLst>
 </p:presentation>
@@ -403,7 +417,91 @@
           <a:p>
             <a:fld id="{F7021451-1387-4CA6-816F-3879F97B5CBC}" type="slidenum">
               <a:rPr lang="en-US"/>
-              <a:t>18</a:t>
+              <a:t>20</a:t>
+            </a:fld>
+            <a:endParaRPr lang="en-US"/>
+          </a:p>
+        </p:txBody>
+      </p:sp>
+    </p:spTree>
+    <p:extLst>
+      <p:ext uri="{BB962C8B-B14F-4D97-AF65-F5344CB8AC3E}">
+        <p14:creationId xmlns:p14="http://schemas.microsoft.com/office/powerpoint/2010/main" val="1024086991"/>
+      </p:ext>
+    </p:extLst>
+  </p:cSld>
+  <p:clrMapOvr>
+    <a:masterClrMapping/>
+  </p:clrMapOvr>
+</p:notes>
+</file>
+
+<file path=ppt/notesSlides/notesSlide11.xml><?xml version="1.0" encoding="utf-8"?>
+<p:notes xmlns:a="http://schemas.openxmlformats.org/drawingml/2006/main" xmlns:r="http://schemas.openxmlformats.org/officeDocument/2006/relationships" xmlns:p="http://schemas.openxmlformats.org/presentationml/2006/main">
+  <p:cSld>
+    <p:spTree>
+      <p:nvGrpSpPr>
+        <p:cNvPr id="1" name=""/>
+        <p:cNvGrpSpPr/>
+        <p:nvPr/>
+      </p:nvGrpSpPr>
+      <p:grpSpPr>
+        <a:xfrm>
+          <a:off x="0" y="0"/>
+          <a:ext cx="0" cy="0"/>
+          <a:chOff x="0" y="0"/>
+          <a:chExt cx="0" cy="0"/>
+        </a:xfrm>
+      </p:grpSpPr>
+      <p:sp>
+        <p:nvSpPr>
+          <p:cNvPr id="2" name="Slide Image Placeholder 1"/>
+          <p:cNvSpPr>
+            <a:spLocks noGrp="1" noRot="1" noChangeAspect="1"/>
+          </p:cNvSpPr>
+          <p:nvPr>
+            <p:ph type="sldImg"/>
+          </p:nvPr>
+        </p:nvSpPr>
+        <p:spPr/>
+      </p:sp>
+      <p:sp>
+        <p:nvSpPr>
+          <p:cNvPr id="3" name="Notes Placeholder 2"/>
+          <p:cNvSpPr>
+            <a:spLocks noGrp="1"/>
+          </p:cNvSpPr>
+          <p:nvPr>
+            <p:ph type="body" idx="1"/>
+          </p:nvPr>
+        </p:nvSpPr>
+        <p:spPr/>
+        <p:txBody>
+          <a:bodyPr/>
+          <a:lstStyle/>
+          <a:p>
+            <a:endParaRPr lang="en-US" dirty="0"/>
+          </a:p>
+        </p:txBody>
+      </p:sp>
+      <p:sp>
+        <p:nvSpPr>
+          <p:cNvPr id="4" name="Slide Number Placeholder 3"/>
+          <p:cNvSpPr>
+            <a:spLocks noGrp="1"/>
+          </p:cNvSpPr>
+          <p:nvPr>
+            <p:ph type="sldNum" sz="quarter" idx="10"/>
+          </p:nvPr>
+        </p:nvSpPr>
+        <p:spPr/>
+        <p:txBody>
+          <a:bodyPr/>
+          <a:lstStyle/>
+          <a:p>
+            <a:fld id="{F7021451-1387-4CA6-816F-3879F97B5CBC}" type="slidenum">
+              <a:rPr lang="en-US"/>
+              <a:t>21</a:t>
             </a:fld>
             <a:endParaRPr lang="en-US"/>
           </a:p>
@@ -595,7 +693,13 @@
   <p:cSld>
     <p:spTree>
       <p:nvGrpSpPr>
-        <p:cNvPr id="1" name=""/>
+        <p:cNvPr id="1" name="">
+          <a:extLst>
+            <a:ext uri="{FF2B5EF4-FFF2-40B4-BE49-F238E27FC236}">
+              <a16:creationId xmlns:a16="http://schemas.microsoft.com/office/drawing/2014/main" id="{770CD763-36F0-2E5E-70E4-0D79E566104E}"/>
+            </a:ext>
+          </a:extLst>
+        </p:cNvPr>
         <p:cNvGrpSpPr/>
         <p:nvPr/>
       </p:nvGrpSpPr>
@@ -609,7 +713,13 @@
       </p:grpSpPr>
       <p:sp>
         <p:nvSpPr>
-          <p:cNvPr id="2" name="Slide Image Placeholder 1"/>
+          <p:cNvPr id="2" name="Slide Image Placeholder 1">
+            <a:extLst>
+              <a:ext uri="{FF2B5EF4-FFF2-40B4-BE49-F238E27FC236}">
+                <a16:creationId xmlns:a16="http://schemas.microsoft.com/office/drawing/2014/main" id="{ADF5FE51-E178-0E70-AF98-0F4C7FD9E345}"/>
+              </a:ext>
+            </a:extLst>
+          </p:cNvPr>
           <p:cNvSpPr>
             <a:spLocks noGrp="1" noRot="1" noChangeAspect="1"/>
           </p:cNvSpPr>
@@ -621,7 +731,13 @@
       </p:sp>
       <p:sp>
         <p:nvSpPr>
-          <p:cNvPr id="3" name="Notes Placeholder 2"/>
+          <p:cNvPr id="3" name="Notes Placeholder 2">
+            <a:extLst>
+              <a:ext uri="{FF2B5EF4-FFF2-40B4-BE49-F238E27FC236}">
+                <a16:creationId xmlns:a16="http://schemas.microsoft.com/office/drawing/2014/main" id="{651E544F-3069-C258-5B15-A49E6355A980}"/>
+              </a:ext>
+            </a:extLst>
+          </p:cNvPr>
           <p:cNvSpPr>
             <a:spLocks noGrp="1"/>
           </p:cNvSpPr>
@@ -640,7 +756,13 @@
       </p:sp>
       <p:sp>
         <p:nvSpPr>
-          <p:cNvPr id="4" name="Slide Number Placeholder 3"/>
+          <p:cNvPr id="4" name="Slide Number Placeholder 3">
+            <a:extLst>
+              <a:ext uri="{FF2B5EF4-FFF2-40B4-BE49-F238E27FC236}">
+                <a16:creationId xmlns:a16="http://schemas.microsoft.com/office/drawing/2014/main" id="{3A311DFB-5530-05B0-8359-5596224BBBF5}"/>
+              </a:ext>
+            </a:extLst>
+          </p:cNvPr>
           <p:cNvSpPr>
             <a:spLocks noGrp="1"/>
           </p:cNvSpPr>
@@ -655,7 +777,7 @@
           <a:p>
             <a:fld id="{F7021451-1387-4CA6-816F-3879F97B5CBC}" type="slidenum">
               <a:rPr lang="en-US"/>
-              <a:t>12</a:t>
+              <a:t>7</a:t>
             </a:fld>
             <a:endParaRPr lang="en-US"/>
           </a:p>
@@ -664,7 +786,7 @@
     </p:spTree>
     <p:extLst>
       <p:ext uri="{BB962C8B-B14F-4D97-AF65-F5344CB8AC3E}">
-        <p14:creationId xmlns:p14="http://schemas.microsoft.com/office/powerpoint/2010/main" val="1024086991"/>
+        <p14:creationId xmlns:p14="http://schemas.microsoft.com/office/powerpoint/2010/main" val="2701902714"/>
       </p:ext>
     </p:extLst>
   </p:cSld>
@@ -739,7 +861,7 @@
           <a:p>
             <a:fld id="{F7021451-1387-4CA6-816F-3879F97B5CBC}" type="slidenum">
               <a:rPr lang="en-US"/>
-              <a:t>13</a:t>
+              <a:t>15</a:t>
             </a:fld>
             <a:endParaRPr lang="en-US"/>
           </a:p>
@@ -823,7 +945,7 @@
           <a:p>
             <a:fld id="{F7021451-1387-4CA6-816F-3879F97B5CBC}" type="slidenum">
               <a:rPr lang="en-US"/>
-              <a:t>14</a:t>
+              <a:t>16</a:t>
             </a:fld>
             <a:endParaRPr lang="en-US"/>
           </a:p>
@@ -907,7 +1029,7 @@
           <a:p>
             <a:fld id="{F7021451-1387-4CA6-816F-3879F97B5CBC}" type="slidenum">
               <a:rPr lang="en-US"/>
-              <a:t>15</a:t>
+              <a:t>17</a:t>
             </a:fld>
             <a:endParaRPr lang="en-US"/>
           </a:p>
@@ -931,7 +1053,13 @@
   <p:cSld>
     <p:spTree>
       <p:nvGrpSpPr>
-        <p:cNvPr id="1" name=""/>
+        <p:cNvPr id="1" name="">
+          <a:extLst>
+            <a:ext uri="{FF2B5EF4-FFF2-40B4-BE49-F238E27FC236}">
+              <a16:creationId xmlns:a16="http://schemas.microsoft.com/office/drawing/2014/main" id="{EFB1DE1E-D60C-47B6-CF80-81E6C4086C37}"/>
+            </a:ext>
+          </a:extLst>
+        </p:cNvPr>
         <p:cNvGrpSpPr/>
         <p:nvPr/>
       </p:nvGrpSpPr>
@@ -945,7 +1073,13 @@
       </p:grpSpPr>
       <p:sp>
         <p:nvSpPr>
-          <p:cNvPr id="2" name="Slide Image Placeholder 1"/>
+          <p:cNvPr id="2" name="Slide Image Placeholder 1">
+            <a:extLst>
+              <a:ext uri="{FF2B5EF4-FFF2-40B4-BE49-F238E27FC236}">
+                <a16:creationId xmlns:a16="http://schemas.microsoft.com/office/drawing/2014/main" id="{2CFFCF1B-9469-01B5-794E-2309EC5857B7}"/>
+              </a:ext>
+            </a:extLst>
+          </p:cNvPr>
           <p:cNvSpPr>
             <a:spLocks noGrp="1" noRot="1" noChangeAspect="1"/>
           </p:cNvSpPr>
@@ -957,7 +1091,13 @@
       </p:sp>
       <p:sp>
         <p:nvSpPr>
-          <p:cNvPr id="3" name="Notes Placeholder 2"/>
+          <p:cNvPr id="3" name="Notes Placeholder 2">
+            <a:extLst>
+              <a:ext uri="{FF2B5EF4-FFF2-40B4-BE49-F238E27FC236}">
+                <a16:creationId xmlns:a16="http://schemas.microsoft.com/office/drawing/2014/main" id="{F4266FA8-9F52-1A2C-6D1B-39D2D3A112D2}"/>
+              </a:ext>
+            </a:extLst>
+          </p:cNvPr>
           <p:cNvSpPr>
             <a:spLocks noGrp="1"/>
           </p:cNvSpPr>
@@ -976,7 +1116,13 @@
       </p:sp>
       <p:sp>
         <p:nvSpPr>
-          <p:cNvPr id="4" name="Slide Number Placeholder 3"/>
+          <p:cNvPr id="4" name="Slide Number Placeholder 3">
+            <a:extLst>
+              <a:ext uri="{FF2B5EF4-FFF2-40B4-BE49-F238E27FC236}">
+                <a16:creationId xmlns:a16="http://schemas.microsoft.com/office/drawing/2014/main" id="{3F3E7B44-8F3E-6B18-31CC-50B957364A18}"/>
+              </a:ext>
+            </a:extLst>
+          </p:cNvPr>
           <p:cNvSpPr>
             <a:spLocks noGrp="1"/>
           </p:cNvSpPr>
@@ -991,7 +1137,7 @@
           <a:p>
             <a:fld id="{F7021451-1387-4CA6-816F-3879F97B5CBC}" type="slidenum">
               <a:rPr lang="en-US"/>
-              <a:t>16</a:t>
+              <a:t>18</a:t>
             </a:fld>
             <a:endParaRPr lang="en-US"/>
           </a:p>
@@ -1000,7 +1146,7 @@
     </p:spTree>
     <p:extLst>
       <p:ext uri="{BB962C8B-B14F-4D97-AF65-F5344CB8AC3E}">
-        <p14:creationId xmlns:p14="http://schemas.microsoft.com/office/powerpoint/2010/main" val="1024086991"/>
+        <p14:creationId xmlns:p14="http://schemas.microsoft.com/office/powerpoint/2010/main" val="3607555488"/>
       </p:ext>
     </p:extLst>
   </p:cSld>
@@ -1075,7 +1221,7 @@
           <a:p>
             <a:fld id="{F7021451-1387-4CA6-816F-3879F97B5CBC}" type="slidenum">
               <a:rPr lang="en-US"/>
-              <a:t>17</a:t>
+              <a:t>19</a:t>
             </a:fld>
             <a:endParaRPr lang="en-US"/>
           </a:p>
@@ -1472,13 +1618,16 @@
                 <a:solidFill>
                   <a:srgbClr val="FFFFFF"/>
                 </a:solidFill>
-                <a:latin typeface="Arial" pitchFamily="34" charset="0"/>
+                <a:latin typeface="Calibri" panose="020F0502020204030204" pitchFamily="34" charset="0"/>
                 <a:ea typeface="Arial" pitchFamily="34" charset="-122"/>
-                <a:cs typeface="Arial" pitchFamily="34" charset="-120"/>
+                <a:cs typeface="Calibri" panose="020F0502020204030204" pitchFamily="34" charset="0"/>
               </a:rPr>
               <a:t>Inverse Probability Weighting</a:t>
             </a:r>
-            <a:endParaRPr lang="en-US" sz="3600" dirty="0"/>
+            <a:endParaRPr lang="en-US" sz="3600" dirty="0">
+              <a:latin typeface="Calibri" panose="020F0502020204030204" pitchFamily="34" charset="0"/>
+              <a:cs typeface="Calibri" panose="020F0502020204030204" pitchFamily="34" charset="0"/>
+            </a:endParaRPr>
           </a:p>
           <a:p>
             <a:pPr marL="0" indent="0" algn="ctr">
@@ -1495,13 +1644,16 @@
                 <a:solidFill>
                   <a:srgbClr val="FFFFFF"/>
                 </a:solidFill>
-                <a:latin typeface="Arial" pitchFamily="34" charset="0"/>
+                <a:latin typeface="Calibri" panose="020F0502020204030204" pitchFamily="34" charset="0"/>
                 <a:ea typeface="Arial" pitchFamily="34" charset="-122"/>
-                <a:cs typeface="Arial" pitchFamily="34" charset="-120"/>
+                <a:cs typeface="Calibri" panose="020F0502020204030204" pitchFamily="34" charset="0"/>
               </a:rPr>
-              <a:t>In Multiple Groups</a:t>
-            </a:r>
-            <a:endParaRPr lang="en-US" sz="3600" dirty="0"/>
+              <a:t>In Multiple Trials</a:t>
+            </a:r>
+            <a:endParaRPr lang="en-US" sz="3600" dirty="0">
+              <a:latin typeface="Calibri" panose="020F0502020204030204" pitchFamily="34" charset="0"/>
+              <a:cs typeface="Calibri" panose="020F0502020204030204" pitchFamily="34" charset="0"/>
+            </a:endParaRPr>
           </a:p>
         </p:txBody>
       </p:sp>
@@ -1540,13 +1692,16 @@
                 <a:solidFill>
                   <a:srgbClr val="FFFFFF"/>
                 </a:solidFill>
-                <a:latin typeface="Arial" pitchFamily="34" charset="0"/>
+                <a:latin typeface="Calibri" panose="020F0502020204030204" pitchFamily="34" charset="0"/>
                 <a:ea typeface="Arial" pitchFamily="34" charset="-122"/>
-                <a:cs typeface="Arial" pitchFamily="34" charset="-120"/>
+                <a:cs typeface="Calibri" panose="020F0502020204030204" pitchFamily="34" charset="0"/>
               </a:rPr>
               <a:t>Balancing Baseline Characteristics and Improving Precision</a:t>
             </a:r>
-            <a:endParaRPr lang="en-US" sz="1950" dirty="0"/>
+            <a:endParaRPr lang="en-US" sz="1950" dirty="0">
+              <a:latin typeface="Calibri" panose="020F0502020204030204" pitchFamily="34" charset="0"/>
+              <a:cs typeface="Calibri" panose="020F0502020204030204" pitchFamily="34" charset="0"/>
+            </a:endParaRPr>
           </a:p>
           <a:p>
             <a:pPr marL="0" indent="0" algn="ctr">
@@ -1563,13 +1718,16 @@
                 <a:solidFill>
                   <a:srgbClr val="FFFFFF"/>
                 </a:solidFill>
-                <a:latin typeface="Arial" pitchFamily="34" charset="0"/>
+                <a:latin typeface="Calibri" panose="020F0502020204030204" pitchFamily="34" charset="0"/>
                 <a:ea typeface="Arial" pitchFamily="34" charset="-122"/>
-                <a:cs typeface="Arial" pitchFamily="34" charset="-120"/>
+                <a:cs typeface="Calibri" panose="020F0502020204030204" pitchFamily="34" charset="0"/>
               </a:rPr>
               <a:t>of Average Treatment Effect Estimation</a:t>
             </a:r>
-            <a:endParaRPr lang="en-US" sz="1950" dirty="0"/>
+            <a:endParaRPr lang="en-US" sz="1950" dirty="0">
+              <a:latin typeface="Calibri" panose="020F0502020204030204" pitchFamily="34" charset="0"/>
+              <a:cs typeface="Calibri" panose="020F0502020204030204" pitchFamily="34" charset="0"/>
+            </a:endParaRPr>
           </a:p>
         </p:txBody>
       </p:sp>
@@ -1581,8 +1739,8 @@
         </p:nvSpPr>
         <p:spPr>
           <a:xfrm>
-            <a:off x="1237308" y="3778220"/>
-            <a:ext cx="6669235" cy="533400"/>
+            <a:off x="947058" y="3778220"/>
+            <a:ext cx="6959486" cy="533400"/>
           </a:xfrm>
           <a:prstGeom prst="rect">
             <a:avLst/>
@@ -1607,13 +1765,13 @@
               <a:buNone/>
             </a:pPr>
             <a:r>
-              <a:rPr lang="en-US" sz="1500" b="1" dirty="0">
+              <a:rPr lang="en-US" b="1" dirty="0">
                 <a:solidFill>
                   <a:srgbClr val="FFFFFF"/>
                 </a:solidFill>
-                <a:latin typeface="Arial" pitchFamily="34" charset="0"/>
+                <a:latin typeface="Calibri" panose="020F0502020204030204" pitchFamily="34" charset="0"/>
                 <a:ea typeface="Arial" pitchFamily="34" charset="-122"/>
-                <a:cs typeface="Arial" pitchFamily="34" charset="-120"/>
+                <a:cs typeface="Calibri" panose="020F0502020204030204" pitchFamily="34" charset="0"/>
               </a:rPr>
               <a:t>Dimitris Karletsos                                                                     November 2025</a:t>
             </a:r>
@@ -1632,20 +1790,53 @@
               <a:buNone/>
             </a:pPr>
             <a:r>
-              <a:rPr lang="en-US" sz="1500" b="1" dirty="0">
+              <a:rPr lang="en-US" b="1" dirty="0">
                 <a:solidFill>
                   <a:srgbClr val="FFFFFF"/>
                 </a:solidFill>
-                <a:latin typeface="Arial" pitchFamily="34" charset="0"/>
+                <a:latin typeface="Calibri" panose="020F0502020204030204" pitchFamily="34" charset="0"/>
                 <a:ea typeface="Arial" pitchFamily="34" charset="-122"/>
-                <a:cs typeface="Arial" pitchFamily="34" charset="-120"/>
+                <a:cs typeface="Calibri" panose="020F0502020204030204" pitchFamily="34" charset="0"/>
               </a:rPr>
               <a:t>PHUSE 2025</a:t>
             </a:r>
-            <a:endParaRPr lang="en-US" sz="1500" b="1" dirty="0"/>
-          </a:p>
-        </p:txBody>
-      </p:sp>
+            <a:endParaRPr lang="en-US" b="1" dirty="0">
+              <a:latin typeface="Calibri" panose="020F0502020204030204" pitchFamily="34" charset="0"/>
+              <a:cs typeface="Calibri" panose="020F0502020204030204" pitchFamily="34" charset="0"/>
+            </a:endParaRPr>
+          </a:p>
+        </p:txBody>
+      </p:sp>
+      <p:pic>
+        <p:nvPicPr>
+          <p:cNvPr id="6" name="Picture 5" descr="A blue and white logo&#10;&#10;AI-generated content may be incorrect.">
+            <a:extLst>
+              <a:ext uri="{FF2B5EF4-FFF2-40B4-BE49-F238E27FC236}">
+                <a16:creationId xmlns:a16="http://schemas.microsoft.com/office/drawing/2014/main" id="{B6BEB981-E6CA-8471-1DE8-560D64361424}"/>
+              </a:ext>
+            </a:extLst>
+          </p:cNvPr>
+          <p:cNvPicPr>
+            <a:picLocks noChangeAspect="1"/>
+          </p:cNvPicPr>
+          <p:nvPr/>
+        </p:nvPicPr>
+        <p:blipFill>
+          <a:blip r:embed="rId4"/>
+          <a:stretch>
+            <a:fillRect/>
+          </a:stretch>
+        </p:blipFill>
+        <p:spPr>
+          <a:xfrm>
+            <a:off x="477598" y="4422592"/>
+            <a:ext cx="2395074" cy="535607"/>
+          </a:xfrm>
+          <a:prstGeom prst="rect">
+            <a:avLst/>
+          </a:prstGeom>
+        </p:spPr>
+      </p:pic>
     </p:spTree>
   </p:cSld>
   <p:clrMapOvr>
@@ -1655,6 +1846,371 @@
 </file>
 
 <file path=ppt/slides/slide10.xml><?xml version="1.0" encoding="utf-8"?>
+<p:sld xmlns:a="http://schemas.openxmlformats.org/drawingml/2006/main" xmlns:r="http://schemas.openxmlformats.org/officeDocument/2006/relationships" xmlns:p="http://schemas.openxmlformats.org/presentationml/2006/main">
+  <p:cSld>
+    <p:spTree>
+      <p:nvGrpSpPr>
+        <p:cNvPr id="1" name="">
+          <a:extLst>
+            <a:ext uri="{FF2B5EF4-FFF2-40B4-BE49-F238E27FC236}">
+              <a16:creationId xmlns:a16="http://schemas.microsoft.com/office/drawing/2014/main" id="{15D6BA66-35A5-98F1-2E87-6F8586E77643}"/>
+            </a:ext>
+          </a:extLst>
+        </p:cNvPr>
+        <p:cNvGrpSpPr/>
+        <p:nvPr/>
+      </p:nvGrpSpPr>
+      <p:grpSpPr>
+        <a:xfrm>
+          <a:off x="0" y="0"/>
+          <a:ext cx="0" cy="0"/>
+          <a:chOff x="0" y="0"/>
+          <a:chExt cx="0" cy="0"/>
+        </a:xfrm>
+      </p:grpSpPr>
+      <p:pic>
+        <p:nvPicPr>
+          <p:cNvPr id="5" name="Picture 4" descr="A blue and white logo&#10;&#10;AI-generated content may be incorrect.">
+            <a:extLst>
+              <a:ext uri="{FF2B5EF4-FFF2-40B4-BE49-F238E27FC236}">
+                <a16:creationId xmlns:a16="http://schemas.microsoft.com/office/drawing/2014/main" id="{EFC31FD0-B52F-3AFD-49AB-EA30AF4E0BA5}"/>
+              </a:ext>
+            </a:extLst>
+          </p:cNvPr>
+          <p:cNvPicPr>
+            <a:picLocks noChangeAspect="1"/>
+          </p:cNvPicPr>
+          <p:nvPr/>
+        </p:nvPicPr>
+        <p:blipFill>
+          <a:blip r:embed="rId2"/>
+          <a:stretch>
+            <a:fillRect/>
+          </a:stretch>
+        </p:blipFill>
+        <p:spPr>
+          <a:xfrm>
+            <a:off x="7218094" y="145993"/>
+            <a:ext cx="1812615" cy="405353"/>
+          </a:xfrm>
+          <a:prstGeom prst="rect">
+            <a:avLst/>
+          </a:prstGeom>
+        </p:spPr>
+      </p:pic>
+      <p:pic>
+        <p:nvPicPr>
+          <p:cNvPr id="7" name="Picture 6" descr="A graph of a graph showing a number of different colored lines&#10;&#10;AI-generated content may be incorrect.">
+            <a:extLst>
+              <a:ext uri="{FF2B5EF4-FFF2-40B4-BE49-F238E27FC236}">
+                <a16:creationId xmlns:a16="http://schemas.microsoft.com/office/drawing/2014/main" id="{69BCFB8E-9C00-F6D5-DDA7-AB8F6155A159}"/>
+              </a:ext>
+            </a:extLst>
+          </p:cNvPr>
+          <p:cNvPicPr>
+            <a:picLocks noChangeAspect="1"/>
+          </p:cNvPicPr>
+          <p:nvPr/>
+        </p:nvPicPr>
+        <p:blipFill>
+          <a:blip r:embed="rId3"/>
+          <a:stretch>
+            <a:fillRect/>
+          </a:stretch>
+        </p:blipFill>
+        <p:spPr>
+          <a:xfrm>
+            <a:off x="460323" y="571183"/>
+            <a:ext cx="7377207" cy="4426324"/>
+          </a:xfrm>
+          <a:prstGeom prst="rect">
+            <a:avLst/>
+          </a:prstGeom>
+        </p:spPr>
+      </p:pic>
+    </p:spTree>
+    <p:extLst>
+      <p:ext uri="{BB962C8B-B14F-4D97-AF65-F5344CB8AC3E}">
+        <p14:creationId xmlns:p14="http://schemas.microsoft.com/office/powerpoint/2010/main" val="890674134"/>
+      </p:ext>
+    </p:extLst>
+  </p:cSld>
+  <p:clrMapOvr>
+    <a:masterClrMapping/>
+  </p:clrMapOvr>
+</p:sld>
+</file>
+
+<file path=ppt/slides/slide11.xml><?xml version="1.0" encoding="utf-8"?>
+<p:sld xmlns:a="http://schemas.openxmlformats.org/drawingml/2006/main" xmlns:r="http://schemas.openxmlformats.org/officeDocument/2006/relationships" xmlns:p="http://schemas.openxmlformats.org/presentationml/2006/main">
+  <p:cSld>
+    <p:spTree>
+      <p:nvGrpSpPr>
+        <p:cNvPr id="1" name="">
+          <a:extLst>
+            <a:ext uri="{FF2B5EF4-FFF2-40B4-BE49-F238E27FC236}">
+              <a16:creationId xmlns:a16="http://schemas.microsoft.com/office/drawing/2014/main" id="{26EAAD3A-B775-753D-D3E4-D216B5D731A5}"/>
+            </a:ext>
+          </a:extLst>
+        </p:cNvPr>
+        <p:cNvGrpSpPr/>
+        <p:nvPr/>
+      </p:nvGrpSpPr>
+      <p:grpSpPr>
+        <a:xfrm>
+          <a:off x="0" y="0"/>
+          <a:ext cx="0" cy="0"/>
+          <a:chOff x="0" y="0"/>
+          <a:chExt cx="0" cy="0"/>
+        </a:xfrm>
+      </p:grpSpPr>
+      <p:sp>
+        <p:nvSpPr>
+          <p:cNvPr id="2" name="TextBox 1">
+            <a:extLst>
+              <a:ext uri="{FF2B5EF4-FFF2-40B4-BE49-F238E27FC236}">
+                <a16:creationId xmlns:a16="http://schemas.microsoft.com/office/drawing/2014/main" id="{E7E34886-8C95-9AF2-9436-48489D1291BE}"/>
+              </a:ext>
+            </a:extLst>
+          </p:cNvPr>
+          <p:cNvSpPr txBox="1"/>
+          <p:nvPr/>
+        </p:nvSpPr>
+        <p:spPr>
+          <a:xfrm>
+            <a:off x="640080" y="594360"/>
+            <a:ext cx="7589520" cy="731520"/>
+          </a:xfrm>
+          <a:prstGeom prst="rect">
+            <a:avLst/>
+          </a:prstGeom>
+          <a:noFill/>
+        </p:spPr>
+        <p:txBody>
+          <a:bodyPr wrap="none">
+            <a:spAutoFit/>
+          </a:bodyPr>
+          <a:lstStyle/>
+          <a:p>
+            <a:pPr>
+              <a:defRPr sz="3600" b="1">
+                <a:solidFill>
+                  <a:srgbClr val="000000"/>
+                </a:solidFill>
+              </a:defRPr>
+            </a:pPr>
+            <a:r>
+              <a:t>Step 2: Calculate Propensity Scores</a:t>
+            </a:r>
+          </a:p>
+        </p:txBody>
+      </p:sp>
+      <p:sp>
+        <p:nvSpPr>
+          <p:cNvPr id="4" name="TextBox 3">
+            <a:extLst>
+              <a:ext uri="{FF2B5EF4-FFF2-40B4-BE49-F238E27FC236}">
+                <a16:creationId xmlns:a16="http://schemas.microsoft.com/office/drawing/2014/main" id="{7C830109-09DD-07C0-8CE9-E2CA90CF024F}"/>
+              </a:ext>
+            </a:extLst>
+          </p:cNvPr>
+          <p:cNvSpPr txBox="1"/>
+          <p:nvPr/>
+        </p:nvSpPr>
+        <p:spPr>
+          <a:xfrm>
+            <a:off x="640081" y="1546315"/>
+            <a:ext cx="7524206" cy="3231654"/>
+          </a:xfrm>
+          <a:prstGeom prst="rect">
+            <a:avLst/>
+          </a:prstGeom>
+          <a:noFill/>
+        </p:spPr>
+        <p:txBody>
+          <a:bodyPr wrap="square">
+            <a:spAutoFit/>
+          </a:bodyPr>
+          <a:lstStyle/>
+          <a:p>
+            <a:pPr algn="just">
+              <a:spcBef>
+                <a:spcPts val="600"/>
+              </a:spcBef>
+              <a:spcAft>
+                <a:spcPts val="1200"/>
+              </a:spcAft>
+              <a:defRPr sz="1800"/>
+            </a:pPr>
+            <a:r>
+              <a:rPr lang="en-GB" dirty="0"/>
+              <a:t>Propensity score range in our simulation: 0.05 to 0.85 </a:t>
+            </a:r>
+          </a:p>
+          <a:p>
+            <a:pPr algn="just">
+              <a:spcBef>
+                <a:spcPts val="600"/>
+              </a:spcBef>
+              <a:spcAft>
+                <a:spcPts val="1200"/>
+              </a:spcAft>
+              <a:defRPr sz="1800"/>
+            </a:pPr>
+            <a:r>
+              <a:rPr lang="en-GB" dirty="0"/>
+              <a:t>• Median: 0.23                					                  (~ 1/5 = 0.20, indicating common typical participant across trials) </a:t>
+            </a:r>
+          </a:p>
+          <a:p>
+            <a:pPr algn="just">
+              <a:spcBef>
+                <a:spcPts val="600"/>
+              </a:spcBef>
+              <a:spcAft>
+                <a:spcPts val="1200"/>
+              </a:spcAft>
+              <a:defRPr sz="1800"/>
+            </a:pPr>
+            <a:r>
+              <a:rPr lang="en-GB" dirty="0"/>
+              <a:t>• Trial 3 shows narrow distribution </a:t>
+            </a:r>
+            <a:r>
+              <a:rPr lang="en-GB" dirty="0" err="1"/>
+              <a:t>centered</a:t>
+            </a:r>
+            <a:r>
+              <a:rPr lang="en-GB" dirty="0"/>
+              <a:t> at 0.25 (most typical patient characteristics) </a:t>
+            </a:r>
+          </a:p>
+          <a:p>
+            <a:pPr algn="just">
+              <a:spcBef>
+                <a:spcPts val="600"/>
+              </a:spcBef>
+              <a:spcAft>
+                <a:spcPts val="1200"/>
+              </a:spcAft>
+              <a:defRPr sz="1800"/>
+            </a:pPr>
+            <a:r>
+              <a:rPr lang="en-GB" dirty="0"/>
+              <a:t>• Trials 1, 2, 4, 5 show broader distributions with right tails extending to 0.85</a:t>
+            </a:r>
+          </a:p>
+          <a:p>
+            <a:pPr algn="just">
+              <a:spcBef>
+                <a:spcPts val="600"/>
+              </a:spcBef>
+              <a:spcAft>
+                <a:spcPts val="1200"/>
+              </a:spcAft>
+              <a:defRPr sz="1800"/>
+            </a:pPr>
+            <a:r>
+              <a:rPr lang="en-GB" dirty="0"/>
+              <a:t>• Reasonable common support in central range (0.10-0.50), limited overlap at extremes (&gt;0.60)</a:t>
+            </a:r>
+            <a:endParaRPr dirty="0"/>
+          </a:p>
+        </p:txBody>
+      </p:sp>
+      <p:pic>
+        <p:nvPicPr>
+          <p:cNvPr id="5" name="Picture 4" descr="A blue and white logo&#10;&#10;AI-generated content may be incorrect.">
+            <a:extLst>
+              <a:ext uri="{FF2B5EF4-FFF2-40B4-BE49-F238E27FC236}">
+                <a16:creationId xmlns:a16="http://schemas.microsoft.com/office/drawing/2014/main" id="{83598306-5973-AC8C-3C6B-C96BDB3E9742}"/>
+              </a:ext>
+            </a:extLst>
+          </p:cNvPr>
+          <p:cNvPicPr>
+            <a:picLocks noChangeAspect="1"/>
+          </p:cNvPicPr>
+          <p:nvPr/>
+        </p:nvPicPr>
+        <p:blipFill>
+          <a:blip r:embed="rId2"/>
+          <a:stretch>
+            <a:fillRect/>
+          </a:stretch>
+        </p:blipFill>
+        <p:spPr>
+          <a:xfrm>
+            <a:off x="7218094" y="145993"/>
+            <a:ext cx="1812615" cy="405353"/>
+          </a:xfrm>
+          <a:prstGeom prst="rect">
+            <a:avLst/>
+          </a:prstGeom>
+        </p:spPr>
+      </p:pic>
+      <p:sp>
+        <p:nvSpPr>
+          <p:cNvPr id="6" name="Rectangle 5">
+            <a:extLst>
+              <a:ext uri="{FF2B5EF4-FFF2-40B4-BE49-F238E27FC236}">
+                <a16:creationId xmlns:a16="http://schemas.microsoft.com/office/drawing/2014/main" id="{E3CBC93A-7DEB-6158-FCDA-B4298086BE4E}"/>
+              </a:ext>
+            </a:extLst>
+          </p:cNvPr>
+          <p:cNvSpPr/>
+          <p:nvPr/>
+        </p:nvSpPr>
+        <p:spPr>
+          <a:xfrm>
+            <a:off x="640080" y="685802"/>
+            <a:ext cx="0" cy="457200"/>
+          </a:xfrm>
+          <a:prstGeom prst="rect">
+            <a:avLst/>
+          </a:prstGeom>
+          <a:ln w="50800">
+            <a:solidFill>
+              <a:srgbClr val="E74C3C"/>
+            </a:solidFill>
+          </a:ln>
+        </p:spPr>
+        <p:style>
+          <a:lnRef idx="1">
+            <a:schemeClr val="accent1"/>
+          </a:lnRef>
+          <a:fillRef idx="3">
+            <a:schemeClr val="accent1"/>
+          </a:fillRef>
+          <a:effectRef idx="2">
+            <a:schemeClr val="accent1"/>
+          </a:effectRef>
+          <a:fontRef idx="minor">
+            <a:schemeClr val="lt1"/>
+          </a:fontRef>
+        </p:style>
+        <p:txBody>
+          <a:bodyPr rtlCol="0" anchor="ctr"/>
+          <a:lstStyle/>
+          <a:p>
+            <a:pPr algn="ctr"/>
+            <a:endParaRPr/>
+          </a:p>
+        </p:txBody>
+      </p:sp>
+    </p:spTree>
+    <p:extLst>
+      <p:ext uri="{BB962C8B-B14F-4D97-AF65-F5344CB8AC3E}">
+        <p14:creationId xmlns:p14="http://schemas.microsoft.com/office/powerpoint/2010/main" val="241484429"/>
+      </p:ext>
+    </p:extLst>
+  </p:cSld>
+  <p:clrMapOvr>
+    <a:masterClrMapping/>
+  </p:clrMapOvr>
+</p:sld>
+</file>
+
+<file path=ppt/slides/slide12.xml><?xml version="1.0" encoding="utf-8"?>
 <p:sld xmlns:a="http://schemas.openxmlformats.org/drawingml/2006/main" xmlns:r="http://schemas.openxmlformats.org/officeDocument/2006/relationships" xmlns:p="http://schemas.openxmlformats.org/presentationml/2006/main">
   <p:cSld>
     <p:spTree>
@@ -1701,20 +2257,234 @@
               </a:defRPr>
             </a:pPr>
             <a:r>
-              <a:t>Step 4: Assess Balance Using SMD</a:t>
-            </a:r>
-          </a:p>
-        </p:txBody>
-      </p:sp>
-      <p:sp>
-        <p:nvSpPr>
-          <p:cNvPr id="3" name="Rectangle 2"/>
+              <a:t>Step 3: Compute Stabilized IPTW Weights</a:t>
+            </a:r>
+          </a:p>
+        </p:txBody>
+      </p:sp>
+      <p:sp>
+        <p:nvSpPr>
+          <p:cNvPr id="4" name="TextBox 3"/>
+          <p:cNvSpPr txBox="1"/>
+          <p:nvPr/>
+        </p:nvSpPr>
+        <p:spPr>
+          <a:xfrm>
+            <a:off x="594360" y="1754839"/>
+            <a:ext cx="3840480" cy="3088025"/>
+          </a:xfrm>
+          <a:prstGeom prst="rect">
+            <a:avLst/>
+          </a:prstGeom>
+          <a:noFill/>
+        </p:spPr>
+        <p:txBody>
+          <a:bodyPr wrap="square">
+            <a:spAutoFit/>
+          </a:bodyPr>
+          <a:lstStyle/>
+          <a:p>
+            <a:pPr>
+              <a:spcBef>
+                <a:spcPts val="1000"/>
+              </a:spcBef>
+              <a:spcAft>
+                <a:spcPts val="1000"/>
+              </a:spcAft>
+              <a:defRPr sz="1600"/>
+            </a:pPr>
+            <a:r>
+              <a:rPr dirty="0"/>
+              <a:t>Calculate stabilized weights for each participant:</a:t>
+            </a:r>
+          </a:p>
+          <a:p>
+            <a:pPr>
+              <a:spcBef>
+                <a:spcPts val="1000"/>
+              </a:spcBef>
+              <a:spcAft>
+                <a:spcPts val="1000"/>
+              </a:spcAft>
+              <a:defRPr sz="1600"/>
+            </a:pPr>
+            <a:r>
+              <a:rPr dirty="0"/>
+              <a:t>  </a:t>
+            </a:r>
+            <a:r>
+              <a:rPr dirty="0" err="1"/>
+              <a:t>SW_i</a:t>
+            </a:r>
+            <a:r>
+              <a:rPr dirty="0"/>
+              <a:t> = P(Trial = j) / P̂(Trial = j | </a:t>
+            </a:r>
+            <a:r>
+              <a:rPr dirty="0" err="1"/>
+              <a:t>X_i</a:t>
+            </a:r>
+            <a:r>
+              <a:rPr dirty="0"/>
+              <a:t>)</a:t>
+            </a:r>
+          </a:p>
+          <a:p>
+            <a:pPr>
+              <a:spcBef>
+                <a:spcPts val="1000"/>
+              </a:spcBef>
+              <a:spcAft>
+                <a:spcPts val="1000"/>
+              </a:spcAft>
+              <a:defRPr sz="1600"/>
+            </a:pPr>
+            <a:r>
+              <a:rPr lang="en-GB" dirty="0"/>
+              <a:t>w</a:t>
+            </a:r>
+            <a:r>
+              <a:rPr dirty="0"/>
+              <a:t>here</a:t>
+            </a:r>
+            <a:r>
+              <a:rPr lang="en-GB" dirty="0"/>
+              <a:t>:</a:t>
+            </a:r>
+            <a:r>
+              <a:rPr dirty="0"/>
+              <a:t> </a:t>
+            </a:r>
+            <a:endParaRPr lang="en-GB" dirty="0"/>
+          </a:p>
+          <a:p>
+            <a:pPr>
+              <a:spcBef>
+                <a:spcPts val="1000"/>
+              </a:spcBef>
+              <a:spcAft>
+                <a:spcPts val="1000"/>
+              </a:spcAft>
+              <a:defRPr sz="1600"/>
+            </a:pPr>
+            <a:r>
+              <a:rPr dirty="0"/>
+              <a:t>P(Trial = j) is the marginal probability (proportion in trial j)</a:t>
+            </a:r>
+            <a:r>
+              <a:rPr lang="en-GB" dirty="0"/>
+              <a:t> </a:t>
+            </a:r>
+          </a:p>
+          <a:p>
+            <a:pPr>
+              <a:spcBef>
+                <a:spcPts val="1000"/>
+              </a:spcBef>
+              <a:spcAft>
+                <a:spcPts val="1000"/>
+              </a:spcAft>
+              <a:defRPr sz="1600"/>
+            </a:pPr>
+            <a:r>
+              <a:rPr lang="en-GB" dirty="0"/>
+              <a:t>P̂(Trial = j | </a:t>
+            </a:r>
+            <a:r>
+              <a:rPr lang="en-GB" dirty="0" err="1"/>
+              <a:t>X_i</a:t>
+            </a:r>
+            <a:r>
+              <a:rPr lang="en-GB" dirty="0"/>
+              <a:t>) is the propensity score for participant </a:t>
+            </a:r>
+            <a:r>
+              <a:rPr lang="en-GB" dirty="0" err="1"/>
+              <a:t>i</a:t>
+            </a:r>
+            <a:r>
+              <a:rPr lang="en-GB" dirty="0"/>
+              <a:t> being in trial j</a:t>
+            </a:r>
+            <a:endParaRPr dirty="0"/>
+          </a:p>
+        </p:txBody>
+      </p:sp>
+      <p:pic>
+        <p:nvPicPr>
+          <p:cNvPr id="6" name="Picture 5" descr="A blue and white logo&#10;&#10;AI-generated content may be incorrect.">
+            <a:extLst>
+              <a:ext uri="{FF2B5EF4-FFF2-40B4-BE49-F238E27FC236}">
+                <a16:creationId xmlns:a16="http://schemas.microsoft.com/office/drawing/2014/main" id="{9F0FFDF8-219A-77DC-A9A1-FC96598E33F0}"/>
+              </a:ext>
+            </a:extLst>
+          </p:cNvPr>
+          <p:cNvPicPr>
+            <a:picLocks noChangeAspect="1"/>
+          </p:cNvPicPr>
+          <p:nvPr/>
+        </p:nvPicPr>
+        <p:blipFill>
+          <a:blip r:embed="rId2"/>
+          <a:stretch>
+            <a:fillRect/>
+          </a:stretch>
+        </p:blipFill>
+        <p:spPr>
+          <a:xfrm>
+            <a:off x="7218094" y="145993"/>
+            <a:ext cx="1812615" cy="405353"/>
+          </a:xfrm>
+          <a:prstGeom prst="rect">
+            <a:avLst/>
+          </a:prstGeom>
+        </p:spPr>
+      </p:pic>
+      <p:pic>
+        <p:nvPicPr>
+          <p:cNvPr id="8" name="Picture 7" descr="A graph of a distribution of weight&#10;&#10;AI-generated content may be incorrect.">
+            <a:extLst>
+              <a:ext uri="{FF2B5EF4-FFF2-40B4-BE49-F238E27FC236}">
+                <a16:creationId xmlns:a16="http://schemas.microsoft.com/office/drawing/2014/main" id="{6F135691-F6FC-68BB-C65E-3E6A979D7BBE}"/>
+              </a:ext>
+            </a:extLst>
+          </p:cNvPr>
+          <p:cNvPicPr>
+            <a:picLocks noChangeAspect="1"/>
+          </p:cNvPicPr>
+          <p:nvPr/>
+        </p:nvPicPr>
+        <p:blipFill>
+          <a:blip r:embed="rId3"/>
+          <a:stretch>
+            <a:fillRect/>
+          </a:stretch>
+        </p:blipFill>
+        <p:spPr>
+          <a:xfrm>
+            <a:off x="4480559" y="1600199"/>
+            <a:ext cx="4529743" cy="3397307"/>
+          </a:xfrm>
+          <a:prstGeom prst="rect">
+            <a:avLst/>
+          </a:prstGeom>
+        </p:spPr>
+      </p:pic>
+      <p:sp>
+        <p:nvSpPr>
+          <p:cNvPr id="9" name="Rectangle 8">
+            <a:extLst>
+              <a:ext uri="{FF2B5EF4-FFF2-40B4-BE49-F238E27FC236}">
+                <a16:creationId xmlns:a16="http://schemas.microsoft.com/office/drawing/2014/main" id="{4103B741-C07E-BAF4-228C-D0B29F70E230}"/>
+              </a:ext>
+            </a:extLst>
+          </p:cNvPr>
           <p:cNvSpPr/>
           <p:nvPr/>
         </p:nvSpPr>
         <p:spPr>
           <a:xfrm>
-            <a:off x="640080" y="1371600"/>
+            <a:off x="640080" y="685802"/>
             <a:ext cx="0" cy="457200"/>
           </a:xfrm>
           <a:prstGeom prst="rect">
@@ -1749,125 +2519,6 @@
           </a:p>
         </p:txBody>
       </p:sp>
-      <p:sp>
-        <p:nvSpPr>
-          <p:cNvPr id="4" name="TextBox 3"/>
-          <p:cNvSpPr txBox="1"/>
-          <p:nvPr/>
-        </p:nvSpPr>
-        <p:spPr>
-          <a:xfrm>
-            <a:off x="640080" y="2011680"/>
-            <a:ext cx="7589520" cy="2708434"/>
-          </a:xfrm>
-          <a:prstGeom prst="rect">
-            <a:avLst/>
-          </a:prstGeom>
-          <a:noFill/>
-        </p:spPr>
-        <p:txBody>
-          <a:bodyPr wrap="square">
-            <a:spAutoFit/>
-          </a:bodyPr>
-          <a:lstStyle/>
-          <a:p>
-            <a:pPr>
-              <a:spcBef>
-                <a:spcPts val="1200"/>
-              </a:spcBef>
-              <a:spcAft>
-                <a:spcPts val="1200"/>
-              </a:spcAft>
-              <a:defRPr sz="1800"/>
-            </a:pPr>
-            <a:r>
-              <a:rPr dirty="0"/>
-              <a:t>Calculate Standardized Mean Differences (SMDs) for each covariate:</a:t>
-            </a:r>
-          </a:p>
-          <a:p>
-            <a:pPr>
-              <a:spcBef>
-                <a:spcPts val="1200"/>
-              </a:spcBef>
-              <a:spcAft>
-                <a:spcPts val="1200"/>
-              </a:spcAft>
-              <a:defRPr sz="1800"/>
-            </a:pPr>
-            <a:r>
-              <a:rPr dirty="0"/>
-              <a:t>  SMD = (</a:t>
-            </a:r>
-            <a:r>
-              <a:rPr dirty="0" err="1"/>
-              <a:t>X̄_trial</a:t>
-            </a:r>
-            <a:r>
-              <a:rPr dirty="0"/>
-              <a:t> - </a:t>
-            </a:r>
-            <a:r>
-              <a:rPr dirty="0" err="1"/>
-              <a:t>X̄_pooled</a:t>
-            </a:r>
-            <a:r>
-              <a:rPr dirty="0"/>
-              <a:t>) / </a:t>
-            </a:r>
-            <a:r>
-              <a:rPr dirty="0" err="1"/>
-              <a:t>SD_pooled</a:t>
-            </a:r>
-            <a:endParaRPr dirty="0"/>
-          </a:p>
-          <a:p>
-            <a:pPr>
-              <a:spcBef>
-                <a:spcPts val="1200"/>
-              </a:spcBef>
-              <a:spcAft>
-                <a:spcPts val="1200"/>
-              </a:spcAft>
-              <a:defRPr sz="1800"/>
-            </a:pPr>
-            <a:r>
-              <a:rPr dirty="0"/>
-              <a:t>Assess balance before and after weighting:</a:t>
-            </a:r>
-          </a:p>
-          <a:p>
-            <a:pPr>
-              <a:spcBef>
-                <a:spcPts val="1200"/>
-              </a:spcBef>
-              <a:spcAft>
-                <a:spcPts val="1200"/>
-              </a:spcAft>
-              <a:defRPr sz="1800"/>
-            </a:pPr>
-            <a:r>
-              <a:rPr dirty="0"/>
-              <a:t>  • |SMD| &lt; 0.1 indicates adequate balance</a:t>
-            </a:r>
-          </a:p>
-          <a:p>
-            <a:pPr>
-              <a:spcBef>
-                <a:spcPts val="1200"/>
-              </a:spcBef>
-              <a:spcAft>
-                <a:spcPts val="1200"/>
-              </a:spcAft>
-              <a:defRPr sz="1800"/>
-            </a:pPr>
-            <a:r>
-              <a:rPr dirty="0"/>
-              <a:t>  • Compare pre-weight vs. post-weight SMDs</a:t>
-            </a:r>
-          </a:p>
-        </p:txBody>
-      </p:sp>
     </p:spTree>
   </p:cSld>
   <p:clrMapOvr>
@@ -1876,7 +2527,276 @@
 </p:sld>
 </file>
 
-<file path=ppt/slides/slide11.xml><?xml version="1.0" encoding="utf-8"?>
+<file path=ppt/slides/slide13.xml><?xml version="1.0" encoding="utf-8"?>
+<p:sld xmlns:a="http://schemas.openxmlformats.org/drawingml/2006/main" xmlns:r="http://schemas.openxmlformats.org/officeDocument/2006/relationships" xmlns:p="http://schemas.openxmlformats.org/presentationml/2006/main">
+  <p:cSld>
+    <p:spTree>
+      <p:nvGrpSpPr>
+        <p:cNvPr id="1" name=""/>
+        <p:cNvGrpSpPr/>
+        <p:nvPr/>
+      </p:nvGrpSpPr>
+      <p:grpSpPr>
+        <a:xfrm>
+          <a:off x="0" y="0"/>
+          <a:ext cx="0" cy="0"/>
+          <a:chOff x="0" y="0"/>
+          <a:chExt cx="0" cy="0"/>
+        </a:xfrm>
+      </p:grpSpPr>
+      <p:sp>
+        <p:nvSpPr>
+          <p:cNvPr id="2" name="TextBox 1"/>
+          <p:cNvSpPr txBox="1"/>
+          <p:nvPr/>
+        </p:nvSpPr>
+        <p:spPr>
+          <a:xfrm>
+            <a:off x="640080" y="594360"/>
+            <a:ext cx="7589520" cy="731520"/>
+          </a:xfrm>
+          <a:prstGeom prst="rect">
+            <a:avLst/>
+          </a:prstGeom>
+          <a:noFill/>
+        </p:spPr>
+        <p:txBody>
+          <a:bodyPr wrap="none">
+            <a:spAutoFit/>
+          </a:bodyPr>
+          <a:lstStyle/>
+          <a:p>
+            <a:pPr>
+              <a:defRPr sz="3600" b="1">
+                <a:solidFill>
+                  <a:srgbClr val="000000"/>
+                </a:solidFill>
+              </a:defRPr>
+            </a:pPr>
+            <a:r>
+              <a:t>Step 4: Assess Balance Using SMD</a:t>
+            </a:r>
+          </a:p>
+        </p:txBody>
+      </p:sp>
+      <p:sp>
+        <p:nvSpPr>
+          <p:cNvPr id="4" name="TextBox 3"/>
+          <p:cNvSpPr txBox="1"/>
+          <p:nvPr/>
+        </p:nvSpPr>
+        <p:spPr>
+          <a:xfrm>
+            <a:off x="640080" y="2011680"/>
+            <a:ext cx="7589520" cy="2708434"/>
+          </a:xfrm>
+          <a:prstGeom prst="rect">
+            <a:avLst/>
+          </a:prstGeom>
+          <a:noFill/>
+        </p:spPr>
+        <p:txBody>
+          <a:bodyPr wrap="square">
+            <a:spAutoFit/>
+          </a:bodyPr>
+          <a:lstStyle/>
+          <a:p>
+            <a:pPr>
+              <a:spcBef>
+                <a:spcPts val="1200"/>
+              </a:spcBef>
+              <a:spcAft>
+                <a:spcPts val="1200"/>
+              </a:spcAft>
+              <a:defRPr sz="1800"/>
+            </a:pPr>
+            <a:r>
+              <a:rPr lang="en-GB" dirty="0"/>
+              <a:t>Calculate pairwise Standardized Mean Differences (SMDs) for each covariate: </a:t>
+            </a:r>
+          </a:p>
+          <a:p>
+            <a:pPr>
+              <a:spcBef>
+                <a:spcPts val="1200"/>
+              </a:spcBef>
+              <a:spcAft>
+                <a:spcPts val="1200"/>
+              </a:spcAft>
+              <a:defRPr sz="1800"/>
+            </a:pPr>
+            <a:r>
+              <a:rPr lang="en-GB" dirty="0" err="1"/>
+              <a:t>SMD_ij</a:t>
+            </a:r>
+            <a:r>
+              <a:rPr lang="en-GB" dirty="0"/>
+              <a:t> = (X̄_</a:t>
+            </a:r>
+            <a:r>
+              <a:rPr lang="en-GB" dirty="0" err="1"/>
+              <a:t>trial_i</a:t>
+            </a:r>
+            <a:r>
+              <a:rPr lang="en-GB" dirty="0"/>
+              <a:t> - X̄_</a:t>
+            </a:r>
+            <a:r>
+              <a:rPr lang="en-GB" dirty="0" err="1"/>
+              <a:t>trial_j</a:t>
+            </a:r>
+            <a:r>
+              <a:rPr lang="en-GB" dirty="0"/>
+              <a:t>) / </a:t>
+            </a:r>
+            <a:r>
+              <a:rPr lang="en-GB" dirty="0" err="1"/>
+              <a:t>SD_pooled_ij</a:t>
+            </a:r>
+            <a:r>
+              <a:rPr lang="en-GB" dirty="0"/>
+              <a:t> </a:t>
+            </a:r>
+          </a:p>
+          <a:p>
+            <a:pPr>
+              <a:spcBef>
+                <a:spcPts val="1200"/>
+              </a:spcBef>
+              <a:spcAft>
+                <a:spcPts val="1200"/>
+              </a:spcAft>
+              <a:defRPr sz="1800"/>
+            </a:pPr>
+            <a:r>
+              <a:rPr lang="en-GB" dirty="0"/>
+              <a:t>where: </a:t>
+            </a:r>
+          </a:p>
+          <a:p>
+            <a:pPr>
+              <a:spcBef>
+                <a:spcPts val="1200"/>
+              </a:spcBef>
+              <a:spcAft>
+                <a:spcPts val="1200"/>
+              </a:spcAft>
+              <a:defRPr sz="1800"/>
+            </a:pPr>
+            <a:r>
+              <a:rPr lang="en-GB" dirty="0" err="1"/>
+              <a:t>SD_pooled_ij</a:t>
+            </a:r>
+            <a:r>
+              <a:rPr lang="en-GB" dirty="0"/>
+              <a:t> = √[(SD_i² + SD_j²) / 2]</a:t>
+            </a:r>
+          </a:p>
+          <a:p>
+            <a:pPr>
+              <a:spcBef>
+                <a:spcPts val="1200"/>
+              </a:spcBef>
+              <a:spcAft>
+                <a:spcPts val="1200"/>
+              </a:spcAft>
+              <a:defRPr sz="1800"/>
+            </a:pPr>
+            <a:r>
+              <a:rPr lang="en-GB" dirty="0"/>
+              <a:t>Computed for all unique trial pairs (10 comparisons for 5 trials).</a:t>
+            </a:r>
+          </a:p>
+        </p:txBody>
+      </p:sp>
+      <p:pic>
+        <p:nvPicPr>
+          <p:cNvPr id="5" name="Picture 4" descr="A blue and white logo&#10;&#10;AI-generated content may be incorrect.">
+            <a:extLst>
+              <a:ext uri="{FF2B5EF4-FFF2-40B4-BE49-F238E27FC236}">
+                <a16:creationId xmlns:a16="http://schemas.microsoft.com/office/drawing/2014/main" id="{CDF43AB9-01ED-ACE6-BCDA-3C84D0F8CB56}"/>
+              </a:ext>
+            </a:extLst>
+          </p:cNvPr>
+          <p:cNvPicPr>
+            <a:picLocks noChangeAspect="1"/>
+          </p:cNvPicPr>
+          <p:nvPr/>
+        </p:nvPicPr>
+        <p:blipFill>
+          <a:blip r:embed="rId2"/>
+          <a:stretch>
+            <a:fillRect/>
+          </a:stretch>
+        </p:blipFill>
+        <p:spPr>
+          <a:xfrm>
+            <a:off x="7218094" y="145993"/>
+            <a:ext cx="1812615" cy="405353"/>
+          </a:xfrm>
+          <a:prstGeom prst="rect">
+            <a:avLst/>
+          </a:prstGeom>
+        </p:spPr>
+      </p:pic>
+      <p:sp>
+        <p:nvSpPr>
+          <p:cNvPr id="6" name="Rectangle 5">
+            <a:extLst>
+              <a:ext uri="{FF2B5EF4-FFF2-40B4-BE49-F238E27FC236}">
+                <a16:creationId xmlns:a16="http://schemas.microsoft.com/office/drawing/2014/main" id="{1BFDC720-2018-53EC-D9B6-B8240E932F7B}"/>
+              </a:ext>
+            </a:extLst>
+          </p:cNvPr>
+          <p:cNvSpPr/>
+          <p:nvPr/>
+        </p:nvSpPr>
+        <p:spPr>
+          <a:xfrm>
+            <a:off x="640080" y="685802"/>
+            <a:ext cx="0" cy="457200"/>
+          </a:xfrm>
+          <a:prstGeom prst="rect">
+            <a:avLst/>
+          </a:prstGeom>
+          <a:ln w="50800">
+            <a:solidFill>
+              <a:srgbClr val="E74C3C"/>
+            </a:solidFill>
+          </a:ln>
+        </p:spPr>
+        <p:style>
+          <a:lnRef idx="1">
+            <a:schemeClr val="accent1"/>
+          </a:lnRef>
+          <a:fillRef idx="3">
+            <a:schemeClr val="accent1"/>
+          </a:fillRef>
+          <a:effectRef idx="2">
+            <a:schemeClr val="accent1"/>
+          </a:effectRef>
+          <a:fontRef idx="minor">
+            <a:schemeClr val="lt1"/>
+          </a:fontRef>
+        </p:style>
+        <p:txBody>
+          <a:bodyPr rtlCol="0" anchor="ctr"/>
+          <a:lstStyle/>
+          <a:p>
+            <a:pPr algn="ctr"/>
+            <a:endParaRPr/>
+          </a:p>
+        </p:txBody>
+      </p:sp>
+    </p:spTree>
+  </p:cSld>
+  <p:clrMapOvr>
+    <a:masterClrMapping/>
+  </p:clrMapOvr>
+</p:sld>
+</file>
+
+<file path=ppt/slides/slide14.xml><?xml version="1.0" encoding="utf-8"?>
 <p:sld xmlns:a="http://schemas.openxmlformats.org/drawingml/2006/main" xmlns:r="http://schemas.openxmlformats.org/officeDocument/2006/relationships" xmlns:p="http://schemas.openxmlformats.org/presentationml/2006/main">
   <p:cSld>
     <p:spTree>
@@ -1954,7 +2874,7 @@
         </p:nvSpPr>
         <p:spPr>
           <a:xfrm>
-            <a:off x="640080" y="1371600"/>
+            <a:off x="640080" y="685802"/>
             <a:ext cx="0" cy="457200"/>
           </a:xfrm>
           <a:prstGeom prst="rect">
@@ -2004,7 +2924,7 @@
         <p:spPr>
           <a:xfrm>
             <a:off x="640080" y="2011680"/>
-            <a:ext cx="7589520" cy="2708434"/>
+            <a:ext cx="7589520" cy="2523768"/>
           </a:xfrm>
           <a:prstGeom prst="rect">
             <a:avLst/>
@@ -2019,61 +2939,55 @@
           <a:p>
             <a:pPr>
               <a:spcBef>
-                <a:spcPts val="1200"/>
+                <a:spcPts val="600"/>
               </a:spcBef>
               <a:spcAft>
-                <a:spcPts val="1200"/>
+                <a:spcPts val="600"/>
               </a:spcAft>
               <a:defRPr sz="1800"/>
             </a:pPr>
             <a:r>
-              <a:rPr dirty="0"/>
-              <a:t>Calculate Standardized Mean Differences (SMDs) for each covariate:</a:t>
+              <a:rPr lang="en-GB" dirty="0"/>
+              <a:t>Assess balance before and after weighting:</a:t>
             </a:r>
           </a:p>
           <a:p>
             <a:pPr>
               <a:spcBef>
-                <a:spcPts val="1200"/>
+                <a:spcPts val="600"/>
               </a:spcBef>
               <a:spcAft>
-                <a:spcPts val="1200"/>
+                <a:spcPts val="600"/>
               </a:spcAft>
               <a:defRPr sz="1800"/>
             </a:pPr>
             <a:r>
-              <a:rPr dirty="0"/>
-              <a:t>  SMD = (</a:t>
-            </a:r>
-            <a:r>
-              <a:rPr dirty="0" err="1"/>
-              <a:t>X̄_trial</a:t>
-            </a:r>
-            <a:r>
-              <a:rPr dirty="0"/>
-              <a:t> - </a:t>
-            </a:r>
-            <a:r>
-              <a:rPr dirty="0" err="1"/>
-              <a:t>X̄_pooled</a:t>
-            </a:r>
-            <a:r>
-              <a:rPr dirty="0"/>
-              <a:t>) / </a:t>
-            </a:r>
-            <a:r>
-              <a:rPr dirty="0" err="1"/>
-              <a:t>SD_pooled</a:t>
-            </a:r>
-            <a:endParaRPr dirty="0"/>
+              <a:rPr lang="en-GB" dirty="0"/>
+              <a:t>  • |SMD| &lt; 0.1 indicates adequate balance</a:t>
+            </a:r>
           </a:p>
           <a:p>
             <a:pPr>
               <a:spcBef>
-                <a:spcPts val="1200"/>
+                <a:spcPts val="600"/>
               </a:spcBef>
               <a:spcAft>
-                <a:spcPts val="1200"/>
+                <a:spcPts val="600"/>
+              </a:spcAft>
+              <a:defRPr sz="1800"/>
+            </a:pPr>
+            <a:r>
+              <a:rPr lang="en-GB" dirty="0"/>
+              <a:t>  • Compare pre-weight vs. post-weight SMDs</a:t>
+            </a:r>
+          </a:p>
+          <a:p>
+            <a:pPr>
+              <a:spcBef>
+                <a:spcPts val="600"/>
+              </a:spcBef>
+              <a:spcAft>
+                <a:spcPts val="600"/>
               </a:spcAft>
               <a:defRPr sz="1800"/>
             </a:pPr>
@@ -2085,10 +2999,10 @@
           <a:p>
             <a:pPr>
               <a:spcBef>
-                <a:spcPts val="1200"/>
+                <a:spcPts val="600"/>
               </a:spcBef>
               <a:spcAft>
-                <a:spcPts val="1200"/>
+                <a:spcPts val="600"/>
               </a:spcAft>
               <a:defRPr sz="1800"/>
             </a:pPr>
@@ -2116,20 +3030,58 @@
           <a:p>
             <a:pPr>
               <a:spcBef>
-                <a:spcPts val="1200"/>
+                <a:spcPts val="600"/>
               </a:spcBef>
               <a:spcAft>
-                <a:spcPts val="1200"/>
+                <a:spcPts val="600"/>
               </a:spcAft>
               <a:defRPr sz="1800"/>
             </a:pPr>
             <a:r>
               <a:rPr dirty="0"/>
-              <a:t>  • ESS &lt; 50% suggests extreme heterogeneity</a:t>
-            </a:r>
-          </a:p>
-        </p:txBody>
-      </p:sp>
+              <a:t>  • ESS &lt; 50% suggests </a:t>
+            </a:r>
+            <a:r>
+              <a:rPr lang="en-GB" dirty="0"/>
+              <a:t>high</a:t>
+            </a:r>
+            <a:r>
+              <a:rPr dirty="0"/>
+              <a:t> heterogeneity</a:t>
+            </a:r>
+          </a:p>
+        </p:txBody>
+      </p:sp>
+      <p:pic>
+        <p:nvPicPr>
+          <p:cNvPr id="5" name="Picture 4" descr="A blue and white logo&#10;&#10;AI-generated content may be incorrect.">
+            <a:extLst>
+              <a:ext uri="{FF2B5EF4-FFF2-40B4-BE49-F238E27FC236}">
+                <a16:creationId xmlns:a16="http://schemas.microsoft.com/office/drawing/2014/main" id="{3CC987C9-9BA5-9EEB-069A-FBFB127FE01D}"/>
+              </a:ext>
+            </a:extLst>
+          </p:cNvPr>
+          <p:cNvPicPr>
+            <a:picLocks noChangeAspect="1"/>
+          </p:cNvPicPr>
+          <p:nvPr/>
+        </p:nvPicPr>
+        <p:blipFill>
+          <a:blip r:embed="rId2"/>
+          <a:stretch>
+            <a:fillRect/>
+          </a:stretch>
+        </p:blipFill>
+        <p:spPr>
+          <a:xfrm>
+            <a:off x="7218094" y="145993"/>
+            <a:ext cx="1812615" cy="405353"/>
+          </a:xfrm>
+          <a:prstGeom prst="rect">
+            <a:avLst/>
+          </a:prstGeom>
+        </p:spPr>
+      </p:pic>
     </p:spTree>
     <p:extLst>
       <p:ext uri="{BB962C8B-B14F-4D97-AF65-F5344CB8AC3E}">
@@ -2143,7 +3095,7 @@
 </p:sld>
 </file>
 
-<file path=ppt/slides/slide12.xml><?xml version="1.0" encoding="utf-8"?>
+<file path=ppt/slides/slide15.xml><?xml version="1.0" encoding="utf-8"?>
 <p:sld xmlns:a="http://schemas.openxmlformats.org/drawingml/2006/main" xmlns:r="http://schemas.openxmlformats.org/officeDocument/2006/relationships" xmlns:p="http://schemas.openxmlformats.org/presentationml/2006/main">
   <p:cSld name="Slide 4">
     <p:bg>
@@ -2176,7 +3128,7 @@
         </p:nvSpPr>
         <p:spPr>
           <a:xfrm>
-            <a:off x="504825" y="428625"/>
+            <a:off x="626972" y="724125"/>
             <a:ext cx="0" cy="400050"/>
           </a:xfrm>
           <a:prstGeom prst="line">
@@ -2206,7 +3158,7 @@
         </p:nvSpPr>
         <p:spPr>
           <a:xfrm>
-            <a:off x="723900" y="428625"/>
+            <a:off x="715709" y="752317"/>
             <a:ext cx="4061079" cy="400050"/>
           </a:xfrm>
           <a:prstGeom prst="rect">
@@ -2248,7 +3200,7 @@
         </p:nvSpPr>
         <p:spPr>
           <a:xfrm>
-            <a:off x="476250" y="1114425"/>
+            <a:off x="476250" y="1196066"/>
             <a:ext cx="8191500" cy="864840"/>
           </a:xfrm>
           <a:prstGeom prst="roundRect">
@@ -2280,7 +3232,7 @@
         </p:nvSpPr>
         <p:spPr>
           <a:xfrm>
-            <a:off x="588645" y="1400175"/>
+            <a:off x="588645" y="1481816"/>
             <a:ext cx="7966710" cy="293340"/>
           </a:xfrm>
           <a:prstGeom prst="rect">
@@ -2328,7 +3280,7 @@
         </p:nvSpPr>
         <p:spPr>
           <a:xfrm>
-            <a:off x="476250" y="2169765"/>
+            <a:off x="476250" y="2251406"/>
             <a:ext cx="4024313" cy="1245691"/>
           </a:xfrm>
           <a:prstGeom prst="roundRect">
@@ -2364,7 +3316,7 @@
         </p:nvSpPr>
         <p:spPr>
           <a:xfrm>
-            <a:off x="609600" y="2341215"/>
+            <a:off x="609600" y="2422856"/>
             <a:ext cx="3832765" cy="373261"/>
           </a:xfrm>
           <a:prstGeom prst="rect">
@@ -2412,7 +3364,7 @@
         </p:nvSpPr>
         <p:spPr>
           <a:xfrm>
-            <a:off x="609600" y="2790676"/>
+            <a:off x="609600" y="2872317"/>
             <a:ext cx="3832765" cy="453330"/>
           </a:xfrm>
           <a:prstGeom prst="rect">
@@ -2425,7 +3377,7 @@
           <a:bodyPr wrap="square" lIns="0" tIns="0" rIns="0" bIns="0" rtlCol="0" anchor="t"/>
           <a:lstStyle/>
           <a:p>
-            <a:pPr marL="0" indent="0" algn="l">
+            <a:pPr marL="0" indent="0" algn="ctr">
               <a:lnSpc>
                 <a:spcPts val="1785"/>
               </a:lnSpc>
@@ -2438,17 +3390,20 @@
               <a:buNone/>
             </a:pPr>
             <a:r>
-              <a:rPr lang="en-US" sz="1275" dirty="0">
+              <a:rPr lang="en-US" dirty="0">
                 <a:solidFill>
                   <a:srgbClr val="2C3E50"/>
                 </a:solidFill>
-                <a:latin typeface="Arial" pitchFamily="34" charset="0"/>
+                <a:latin typeface="Calibri" panose="020F0502020204030204" pitchFamily="34" charset="0"/>
                 <a:ea typeface="Arial" pitchFamily="34" charset="-122"/>
-                <a:cs typeface="Arial" pitchFamily="34" charset="-120"/>
+                <a:cs typeface="Calibri" panose="020F0502020204030204" pitchFamily="34" charset="0"/>
               </a:rPr>
               <a:t>Fit multinomial logistic regression for trial membership</a:t>
             </a:r>
-            <a:endParaRPr lang="en-US" sz="1275" dirty="0"/>
+            <a:endParaRPr lang="en-US" dirty="0">
+              <a:latin typeface="Calibri" panose="020F0502020204030204" pitchFamily="34" charset="0"/>
+              <a:cs typeface="Calibri" panose="020F0502020204030204" pitchFamily="34" charset="0"/>
+            </a:endParaRPr>
           </a:p>
         </p:txBody>
       </p:sp>
@@ -2460,7 +3415,7 @@
         </p:nvSpPr>
         <p:spPr>
           <a:xfrm>
-            <a:off x="4643438" y="2169765"/>
+            <a:off x="4643438" y="2251406"/>
             <a:ext cx="4024313" cy="1245691"/>
           </a:xfrm>
           <a:prstGeom prst="roundRect">
@@ -2496,7 +3451,7 @@
         </p:nvSpPr>
         <p:spPr>
           <a:xfrm>
-            <a:off x="4776788" y="2341215"/>
+            <a:off x="4776788" y="2422856"/>
             <a:ext cx="3832765" cy="373261"/>
           </a:xfrm>
           <a:prstGeom prst="rect">
@@ -2544,7 +3499,7 @@
         </p:nvSpPr>
         <p:spPr>
           <a:xfrm>
-            <a:off x="4776788" y="2790676"/>
+            <a:off x="4776788" y="2872317"/>
             <a:ext cx="3832765" cy="226665"/>
           </a:xfrm>
           <a:prstGeom prst="rect">
@@ -2557,7 +3512,7 @@
           <a:bodyPr wrap="square" lIns="0" tIns="0" rIns="0" bIns="0" rtlCol="0" anchor="t"/>
           <a:lstStyle/>
           <a:p>
-            <a:pPr marL="0" indent="0" algn="l">
+            <a:pPr marL="0" indent="0" algn="ctr">
               <a:lnSpc>
                 <a:spcPts val="1785"/>
               </a:lnSpc>
@@ -2570,17 +3525,20 @@
               <a:buNone/>
             </a:pPr>
             <a:r>
-              <a:rPr lang="en-US" sz="1275" dirty="0">
+              <a:rPr lang="en-US" dirty="0">
                 <a:solidFill>
                   <a:srgbClr val="2C3E50"/>
                 </a:solidFill>
-                <a:latin typeface="Arial" pitchFamily="34" charset="0"/>
+                <a:latin typeface="Calibri" panose="020F0502020204030204" pitchFamily="34" charset="0"/>
                 <a:ea typeface="Arial" pitchFamily="34" charset="-122"/>
-                <a:cs typeface="Arial" pitchFamily="34" charset="-120"/>
+                <a:cs typeface="Calibri" panose="020F0502020204030204" pitchFamily="34" charset="0"/>
               </a:rPr>
               <a:t>Calculate propensity scores for each participant</a:t>
             </a:r>
-            <a:endParaRPr lang="en-US" sz="1275" dirty="0"/>
+            <a:endParaRPr lang="en-US" dirty="0">
+              <a:latin typeface="Calibri" panose="020F0502020204030204" pitchFamily="34" charset="0"/>
+              <a:cs typeface="Calibri" panose="020F0502020204030204" pitchFamily="34" charset="0"/>
+            </a:endParaRPr>
           </a:p>
         </p:txBody>
       </p:sp>
@@ -2592,7 +3550,7 @@
         </p:nvSpPr>
         <p:spPr>
           <a:xfrm>
-            <a:off x="476250" y="3558332"/>
+            <a:off x="476250" y="3639973"/>
             <a:ext cx="4024313" cy="1245691"/>
           </a:xfrm>
           <a:prstGeom prst="roundRect">
@@ -2628,7 +3586,7 @@
         </p:nvSpPr>
         <p:spPr>
           <a:xfrm>
-            <a:off x="609600" y="3729782"/>
+            <a:off x="609600" y="3811423"/>
             <a:ext cx="3832765" cy="373261"/>
           </a:xfrm>
           <a:prstGeom prst="rect">
@@ -2676,7 +3634,7 @@
         </p:nvSpPr>
         <p:spPr>
           <a:xfrm>
-            <a:off x="609600" y="4179243"/>
+            <a:off x="609600" y="4260884"/>
             <a:ext cx="3832765" cy="226665"/>
           </a:xfrm>
           <a:prstGeom prst="rect">
@@ -2689,7 +3647,7 @@
           <a:bodyPr wrap="square" lIns="0" tIns="0" rIns="0" bIns="0" rtlCol="0" anchor="t"/>
           <a:lstStyle/>
           <a:p>
-            <a:pPr marL="0" indent="0" algn="l">
+            <a:pPr marL="0" indent="0" algn="ctr">
               <a:lnSpc>
                 <a:spcPts val="1785"/>
               </a:lnSpc>
@@ -2702,17 +3660,20 @@
               <a:buNone/>
             </a:pPr>
             <a:r>
-              <a:rPr lang="en-US" sz="1275" dirty="0">
+              <a:rPr lang="en-US" dirty="0">
                 <a:solidFill>
                   <a:srgbClr val="2C3E50"/>
                 </a:solidFill>
-                <a:latin typeface="Arial" pitchFamily="34" charset="0"/>
+                <a:latin typeface="Calibri" panose="020F0502020204030204" pitchFamily="34" charset="0"/>
                 <a:ea typeface="Arial" pitchFamily="34" charset="-122"/>
-                <a:cs typeface="Arial" pitchFamily="34" charset="-120"/>
+                <a:cs typeface="Calibri" panose="020F0502020204030204" pitchFamily="34" charset="0"/>
               </a:rPr>
               <a:t>Compute stabilized IPTW weights</a:t>
             </a:r>
-            <a:endParaRPr lang="en-US" sz="1275" dirty="0"/>
+            <a:endParaRPr lang="en-US" dirty="0">
+              <a:latin typeface="Calibri" panose="020F0502020204030204" pitchFamily="34" charset="0"/>
+              <a:cs typeface="Calibri" panose="020F0502020204030204" pitchFamily="34" charset="0"/>
+            </a:endParaRPr>
           </a:p>
         </p:txBody>
       </p:sp>
@@ -2724,7 +3685,7 @@
         </p:nvSpPr>
         <p:spPr>
           <a:xfrm>
-            <a:off x="4643438" y="3558332"/>
+            <a:off x="4643438" y="3639973"/>
             <a:ext cx="4024313" cy="1245691"/>
           </a:xfrm>
           <a:prstGeom prst="roundRect">
@@ -2760,7 +3721,7 @@
         </p:nvSpPr>
         <p:spPr>
           <a:xfrm>
-            <a:off x="4776788" y="3729782"/>
+            <a:off x="4776788" y="3811423"/>
             <a:ext cx="3832765" cy="373261"/>
           </a:xfrm>
           <a:prstGeom prst="rect">
@@ -2808,7 +3769,7 @@
         </p:nvSpPr>
         <p:spPr>
           <a:xfrm>
-            <a:off x="4776788" y="4179243"/>
+            <a:off x="4776788" y="4260884"/>
             <a:ext cx="3832765" cy="453330"/>
           </a:xfrm>
           <a:prstGeom prst="rect">
@@ -2821,7 +3782,7 @@
           <a:bodyPr wrap="square" lIns="0" tIns="0" rIns="0" bIns="0" rtlCol="0" anchor="t"/>
           <a:lstStyle/>
           <a:p>
-            <a:pPr marL="0" indent="0" algn="l">
+            <a:pPr marL="0" indent="0" algn="ctr">
               <a:lnSpc>
                 <a:spcPts val="1785"/>
               </a:lnSpc>
@@ -2834,20 +3795,53 @@
               <a:buNone/>
             </a:pPr>
             <a:r>
-              <a:rPr lang="en-US" sz="1275" dirty="0">
+              <a:rPr lang="en-US" dirty="0">
                 <a:solidFill>
                   <a:srgbClr val="2C3E50"/>
                 </a:solidFill>
-                <a:latin typeface="Arial" pitchFamily="34" charset="0"/>
+                <a:latin typeface="Calibri" panose="020F0502020204030204" pitchFamily="34" charset="0"/>
                 <a:ea typeface="Arial" pitchFamily="34" charset="-122"/>
-                <a:cs typeface="Arial" pitchFamily="34" charset="-120"/>
+                <a:cs typeface="Calibri" panose="020F0502020204030204" pitchFamily="34" charset="0"/>
               </a:rPr>
               <a:t>Assess balance using standardized mean differences</a:t>
             </a:r>
-            <a:endParaRPr lang="en-US" sz="1275" dirty="0"/>
-          </a:p>
-        </p:txBody>
-      </p:sp>
+            <a:endParaRPr lang="en-US" dirty="0">
+              <a:latin typeface="Calibri" panose="020F0502020204030204" pitchFamily="34" charset="0"/>
+              <a:cs typeface="Calibri" panose="020F0502020204030204" pitchFamily="34" charset="0"/>
+            </a:endParaRPr>
+          </a:p>
+        </p:txBody>
+      </p:sp>
+      <p:pic>
+        <p:nvPicPr>
+          <p:cNvPr id="18" name="Picture 17" descr="A blue and white logo&#10;&#10;AI-generated content may be incorrect.">
+            <a:extLst>
+              <a:ext uri="{FF2B5EF4-FFF2-40B4-BE49-F238E27FC236}">
+                <a16:creationId xmlns:a16="http://schemas.microsoft.com/office/drawing/2014/main" id="{E45B37A3-9874-4F77-A628-61939A9C2388}"/>
+              </a:ext>
+            </a:extLst>
+          </p:cNvPr>
+          <p:cNvPicPr>
+            <a:picLocks noChangeAspect="1"/>
+          </p:cNvPicPr>
+          <p:nvPr/>
+        </p:nvPicPr>
+        <p:blipFill>
+          <a:blip r:embed="rId3"/>
+          <a:stretch>
+            <a:fillRect/>
+          </a:stretch>
+        </p:blipFill>
+        <p:spPr>
+          <a:xfrm>
+            <a:off x="7218094" y="145993"/>
+            <a:ext cx="1812615" cy="405353"/>
+          </a:xfrm>
+          <a:prstGeom prst="rect">
+            <a:avLst/>
+          </a:prstGeom>
+        </p:spPr>
+      </p:pic>
     </p:spTree>
   </p:cSld>
   <p:clrMapOvr>
@@ -2856,7 +3850,7 @@
 </p:sld>
 </file>
 
-<file path=ppt/slides/slide13.xml><?xml version="1.0" encoding="utf-8"?>
+<file path=ppt/slides/slide16.xml><?xml version="1.0" encoding="utf-8"?>
 <p:sld xmlns:a="http://schemas.openxmlformats.org/drawingml/2006/main" xmlns:r="http://schemas.openxmlformats.org/officeDocument/2006/relationships" xmlns:p="http://schemas.openxmlformats.org/presentationml/2006/main">
   <p:cSld name="Slide 5">
     <p:bg>
@@ -2889,7 +3883,7 @@
         </p:nvSpPr>
         <p:spPr>
           <a:xfrm>
-            <a:off x="504825" y="428625"/>
+            <a:off x="650648" y="730704"/>
             <a:ext cx="0" cy="400050"/>
           </a:xfrm>
           <a:prstGeom prst="line">
@@ -2919,7 +3913,7 @@
         </p:nvSpPr>
         <p:spPr>
           <a:xfrm>
-            <a:off x="723900" y="428625"/>
+            <a:off x="756557" y="747032"/>
             <a:ext cx="4061079" cy="400050"/>
           </a:xfrm>
           <a:prstGeom prst="rect">
@@ -2938,6 +3932,17 @@
               </a:lnSpc>
               <a:buNone/>
             </a:pPr>
+            <a:r>
+              <a:rPr lang="en-US" sz="3600" b="1" dirty="0">
+                <a:solidFill>
+                  <a:srgbClr val="1C3F6F"/>
+                </a:solidFill>
+                <a:latin typeface="Calibri" panose="020F0502020204030204" pitchFamily="34" charset="0"/>
+                <a:ea typeface="Arial" pitchFamily="34" charset="-122"/>
+                <a:cs typeface="Calibri" panose="020F0502020204030204" pitchFamily="34" charset="0"/>
+              </a:rPr>
+              <a:t>Simulation</a:t>
+            </a:r>
             <a:r>
               <a:rPr lang="en-US" sz="3150" b="1" dirty="0">
                 <a:solidFill>
@@ -2947,101 +3952,9 @@
                 <a:ea typeface="Arial" pitchFamily="34" charset="-122"/>
                 <a:cs typeface="Arial" pitchFamily="34" charset="-120"/>
               </a:rPr>
-              <a:t>Simulation Design</a:t>
+              <a:t> Design</a:t>
             </a:r>
             <a:endParaRPr lang="en-US" sz="3150" dirty="0"/>
-          </a:p>
-        </p:txBody>
-      </p:sp>
-      <p:sp>
-        <p:nvSpPr>
-          <p:cNvPr id="4" name="Text 2"/>
-          <p:cNvSpPr/>
-          <p:nvPr/>
-        </p:nvSpPr>
-        <p:spPr>
-          <a:xfrm>
-            <a:off x="476250" y="1066800"/>
-            <a:ext cx="8191500" cy="1514475"/>
-          </a:xfrm>
-          <a:prstGeom prst="roundRect">
-            <a:avLst>
-              <a:gd name="adj" fmla="val 5031"/>
-            </a:avLst>
-          </a:prstGeom>
-          <a:solidFill>
-            <a:srgbClr val="F0F4F8"/>
-          </a:solidFill>
-          <a:ln/>
-        </p:spPr>
-        <p:txBody>
-          <a:bodyPr wrap="square" rtlCol="0" anchor="ctr"/>
-          <a:lstStyle/>
-          <a:p>
-            <a:pPr marL="0" indent="0">
-              <a:buNone/>
-            </a:pPr>
-            <a:endParaRPr lang="en-US" dirty="0"/>
-          </a:p>
-        </p:txBody>
-      </p:sp>
-      <p:sp>
-        <p:nvSpPr>
-          <p:cNvPr id="5" name="Shape 3"/>
-          <p:cNvSpPr/>
-          <p:nvPr/>
-        </p:nvSpPr>
-        <p:spPr>
-          <a:xfrm>
-            <a:off x="666750" y="1633538"/>
-            <a:ext cx="7810500" cy="0"/>
-          </a:xfrm>
-          <a:prstGeom prst="line">
-            <a:avLst/>
-          </a:prstGeom>
-          <a:noFill/>
-          <a:ln w="9525">
-            <a:solidFill>
-              <a:srgbClr val="D0D7DE"/>
-            </a:solidFill>
-            <a:prstDash val="solid"/>
-          </a:ln>
-        </p:spPr>
-        <p:txBody>
-          <a:bodyPr/>
-          <a:lstStyle/>
-          <a:p>
-            <a:endParaRPr lang="en-US"/>
-          </a:p>
-        </p:txBody>
-      </p:sp>
-      <p:sp>
-        <p:nvSpPr>
-          <p:cNvPr id="6" name="Shape 4"/>
-          <p:cNvSpPr/>
-          <p:nvPr/>
-        </p:nvSpPr>
-        <p:spPr>
-          <a:xfrm>
-            <a:off x="666750" y="2014538"/>
-            <a:ext cx="7810500" cy="0"/>
-          </a:xfrm>
-          <a:prstGeom prst="line">
-            <a:avLst/>
-          </a:prstGeom>
-          <a:noFill/>
-          <a:ln w="9525">
-            <a:solidFill>
-              <a:srgbClr val="D0D7DE"/>
-            </a:solidFill>
-            <a:prstDash val="solid"/>
-          </a:ln>
-        </p:spPr>
-        <p:txBody>
-          <a:bodyPr/>
-          <a:lstStyle/>
-          <a:p>
-            <a:endParaRPr lang="en-US"/>
           </a:p>
         </p:txBody>
       </p:sp>
@@ -3053,7 +3966,7 @@
         </p:nvSpPr>
         <p:spPr>
           <a:xfrm>
-            <a:off x="476250" y="2819400"/>
+            <a:off x="476250" y="1568674"/>
             <a:ext cx="4187381" cy="253901"/>
           </a:xfrm>
           <a:prstGeom prst="rect">
@@ -3079,17 +3992,20 @@
               <a:buNone/>
             </a:pPr>
             <a:r>
-              <a:rPr lang="en-US" sz="1800" b="1" dirty="0">
+              <a:rPr lang="en-US" sz="2700" b="1" dirty="0">
                 <a:solidFill>
                   <a:srgbClr val="1C3F6F"/>
                 </a:solidFill>
-                <a:latin typeface="Arial" pitchFamily="34" charset="0"/>
+                <a:latin typeface="Calibri" panose="020F0502020204030204" pitchFamily="34" charset="0"/>
                 <a:ea typeface="Arial" pitchFamily="34" charset="-122"/>
-                <a:cs typeface="Arial" pitchFamily="34" charset="-120"/>
+                <a:cs typeface="Calibri" panose="020F0502020204030204" pitchFamily="34" charset="0"/>
               </a:rPr>
               <a:t>Baseline Covariates</a:t>
             </a:r>
-            <a:endParaRPr lang="en-US" sz="1800" dirty="0"/>
+            <a:endParaRPr lang="en-US" sz="2700" dirty="0">
+              <a:latin typeface="Calibri" panose="020F0502020204030204" pitchFamily="34" charset="0"/>
+              <a:cs typeface="Calibri" panose="020F0502020204030204" pitchFamily="34" charset="0"/>
+            </a:endParaRPr>
           </a:p>
         </p:txBody>
       </p:sp>
@@ -3101,7 +4017,7 @@
         </p:nvSpPr>
         <p:spPr>
           <a:xfrm>
-            <a:off x="476250" y="3187601"/>
+            <a:off x="476250" y="1936875"/>
             <a:ext cx="8191500" cy="1485900"/>
           </a:xfrm>
           <a:prstGeom prst="rect">
@@ -3125,17 +4041,20 @@
               <a:buChar char="•"/>
             </a:pPr>
             <a:r>
-              <a:rPr lang="en-US" sz="1350" dirty="0">
+              <a:rPr lang="en-US" dirty="0">
                 <a:solidFill>
                   <a:srgbClr val="2C3E50"/>
                 </a:solidFill>
-                <a:latin typeface="Arial" pitchFamily="34" charset="0"/>
+                <a:latin typeface="Calibri" panose="020F0502020204030204" pitchFamily="34" charset="0"/>
                 <a:ea typeface="Arial" pitchFamily="34" charset="-122"/>
-                <a:cs typeface="Arial" pitchFamily="34" charset="-120"/>
+                <a:cs typeface="Calibri" panose="020F0502020204030204" pitchFamily="34" charset="0"/>
               </a:rPr>
               <a:t>Age (continuous, trial means: 55-70 years)</a:t>
             </a:r>
-            <a:endParaRPr lang="en-US" sz="1350" dirty="0"/>
+            <a:endParaRPr lang="en-US" dirty="0">
+              <a:latin typeface="Calibri" panose="020F0502020204030204" pitchFamily="34" charset="0"/>
+              <a:cs typeface="Calibri" panose="020F0502020204030204" pitchFamily="34" charset="0"/>
+            </a:endParaRPr>
           </a:p>
           <a:p>
             <a:pPr marL="119063" indent="-119063" algn="l">
@@ -3149,17 +4068,20 @@
               <a:buChar char="•"/>
             </a:pPr>
             <a:r>
-              <a:rPr lang="en-US" sz="1350" dirty="0">
+              <a:rPr lang="en-US" dirty="0">
                 <a:solidFill>
                   <a:srgbClr val="2C3E50"/>
                 </a:solidFill>
-                <a:latin typeface="Arial" pitchFamily="34" charset="0"/>
+                <a:latin typeface="Calibri" panose="020F0502020204030204" pitchFamily="34" charset="0"/>
                 <a:ea typeface="Arial" pitchFamily="34" charset="-122"/>
-                <a:cs typeface="Arial" pitchFamily="34" charset="-120"/>
+                <a:cs typeface="Calibri" panose="020F0502020204030204" pitchFamily="34" charset="0"/>
               </a:rPr>
               <a:t>Sex (binary)</a:t>
             </a:r>
-            <a:endParaRPr lang="en-US" sz="1350" dirty="0"/>
+            <a:endParaRPr lang="en-US" dirty="0">
+              <a:latin typeface="Calibri" panose="020F0502020204030204" pitchFamily="34" charset="0"/>
+              <a:cs typeface="Calibri" panose="020F0502020204030204" pitchFamily="34" charset="0"/>
+            </a:endParaRPr>
           </a:p>
           <a:p>
             <a:pPr marL="119063" indent="-119063" algn="l">
@@ -3173,17 +4095,20 @@
               <a:buChar char="•"/>
             </a:pPr>
             <a:r>
-              <a:rPr lang="en-US" sz="1350" dirty="0">
+              <a:rPr lang="en-US" dirty="0">
                 <a:solidFill>
                   <a:srgbClr val="2C3E50"/>
                 </a:solidFill>
-                <a:latin typeface="Arial" pitchFamily="34" charset="0"/>
+                <a:latin typeface="Calibri" panose="020F0502020204030204" pitchFamily="34" charset="0"/>
                 <a:ea typeface="Arial" pitchFamily="34" charset="-122"/>
-                <a:cs typeface="Arial" pitchFamily="34" charset="-120"/>
+                <a:cs typeface="Calibri" panose="020F0502020204030204" pitchFamily="34" charset="0"/>
               </a:rPr>
               <a:t>Disease severity (continuous, 0-100)</a:t>
             </a:r>
-            <a:endParaRPr lang="en-US" sz="1350" dirty="0"/>
+            <a:endParaRPr lang="en-US" dirty="0">
+              <a:latin typeface="Calibri" panose="020F0502020204030204" pitchFamily="34" charset="0"/>
+              <a:cs typeface="Calibri" panose="020F0502020204030204" pitchFamily="34" charset="0"/>
+            </a:endParaRPr>
           </a:p>
           <a:p>
             <a:pPr marL="119063" indent="-119063" algn="l">
@@ -3197,20 +4122,53 @@
               <a:buChar char="•"/>
             </a:pPr>
             <a:r>
-              <a:rPr lang="en-US" sz="1350" dirty="0">
+              <a:rPr lang="en-US" dirty="0">
                 <a:solidFill>
                   <a:srgbClr val="2C3E50"/>
                 </a:solidFill>
-                <a:latin typeface="Arial" pitchFamily="34" charset="0"/>
+                <a:latin typeface="Calibri" panose="020F0502020204030204" pitchFamily="34" charset="0"/>
                 <a:ea typeface="Arial" pitchFamily="34" charset="-122"/>
-                <a:cs typeface="Arial" pitchFamily="34" charset="-120"/>
+                <a:cs typeface="Calibri" panose="020F0502020204030204" pitchFamily="34" charset="0"/>
               </a:rPr>
               <a:t>Comorbidity count (0-5)</a:t>
             </a:r>
-            <a:endParaRPr lang="en-US" sz="1350" dirty="0"/>
-          </a:p>
-        </p:txBody>
-      </p:sp>
+            <a:endParaRPr lang="en-US" dirty="0">
+              <a:latin typeface="Calibri" panose="020F0502020204030204" pitchFamily="34" charset="0"/>
+              <a:cs typeface="Calibri" panose="020F0502020204030204" pitchFamily="34" charset="0"/>
+            </a:endParaRPr>
+          </a:p>
+        </p:txBody>
+      </p:sp>
+      <p:pic>
+        <p:nvPicPr>
+          <p:cNvPr id="9" name="Picture 8" descr="A blue and white logo&#10;&#10;AI-generated content may be incorrect.">
+            <a:extLst>
+              <a:ext uri="{FF2B5EF4-FFF2-40B4-BE49-F238E27FC236}">
+                <a16:creationId xmlns:a16="http://schemas.microsoft.com/office/drawing/2014/main" id="{3F118EAC-59DB-EF1C-1EDF-ADC2874D0E6E}"/>
+              </a:ext>
+            </a:extLst>
+          </p:cNvPr>
+          <p:cNvPicPr>
+            <a:picLocks noChangeAspect="1"/>
+          </p:cNvPicPr>
+          <p:nvPr/>
+        </p:nvPicPr>
+        <p:blipFill>
+          <a:blip r:embed="rId3"/>
+          <a:stretch>
+            <a:fillRect/>
+          </a:stretch>
+        </p:blipFill>
+        <p:spPr>
+          <a:xfrm>
+            <a:off x="7218094" y="145993"/>
+            <a:ext cx="1812615" cy="405353"/>
+          </a:xfrm>
+          <a:prstGeom prst="rect">
+            <a:avLst/>
+          </a:prstGeom>
+        </p:spPr>
+      </p:pic>
     </p:spTree>
   </p:cSld>
   <p:clrMapOvr>
@@ -3219,7 +4177,7 @@
 </p:sld>
 </file>
 
-<file path=ppt/slides/slide14.xml><?xml version="1.0" encoding="utf-8"?>
+<file path=ppt/slides/slide17.xml><?xml version="1.0" encoding="utf-8"?>
 <p:sld xmlns:a="http://schemas.openxmlformats.org/drawingml/2006/main" xmlns:r="http://schemas.openxmlformats.org/officeDocument/2006/relationships" xmlns:p="http://schemas.openxmlformats.org/presentationml/2006/main">
   <p:cSld name="Slide 6">
     <p:bg>
@@ -3252,7 +4210,7 @@
         </p:nvSpPr>
         <p:spPr>
           <a:xfrm>
-            <a:off x="504825" y="428625"/>
+            <a:off x="650874" y="412297"/>
             <a:ext cx="0" cy="400050"/>
           </a:xfrm>
           <a:prstGeom prst="line">
@@ -3442,7 +4400,7 @@
                 <a:ea typeface="Arial" pitchFamily="34" charset="-122"/>
                 <a:cs typeface="Arial" pitchFamily="34" charset="-120"/>
               </a:rPr>
-              <a:t>0.70</a:t>
+              <a:t>1.53</a:t>
             </a:r>
             <a:endParaRPr lang="en-US" sz="1950" dirty="0"/>
           </a:p>
@@ -3574,7 +4532,7 @@
                 <a:ea typeface="Arial" pitchFamily="34" charset="-122"/>
                 <a:cs typeface="Arial" pitchFamily="34" charset="-120"/>
               </a:rPr>
-              <a:t>0.23</a:t>
+              <a:t>0.49</a:t>
             </a:r>
             <a:endParaRPr lang="en-US" sz="1950" dirty="0"/>
           </a:p>
@@ -3754,7 +4712,7 @@
                 <a:ea typeface="Arial" pitchFamily="34" charset="-122"/>
                 <a:cs typeface="Arial" pitchFamily="34" charset="-120"/>
               </a:rPr>
-              <a:t>24%</a:t>
+              <a:t>47.5%</a:t>
             </a:r>
             <a:endParaRPr lang="en-US" sz="1950" dirty="0"/>
           </a:p>
@@ -3810,7 +4768,13 @@
       </p:sp>
       <p:pic>
         <p:nvPicPr>
-          <p:cNvPr id="15" name="Image 0" descr="/mnt/user-data/outputs/love_plot.png"/>
+          <p:cNvPr id="16" name="Picture 15" descr="A blue and white logo&#10;&#10;AI-generated content may be incorrect.">
+            <a:extLst>
+              <a:ext uri="{FF2B5EF4-FFF2-40B4-BE49-F238E27FC236}">
+                <a16:creationId xmlns:a16="http://schemas.microsoft.com/office/drawing/2014/main" id="{2D981E6E-83B8-DC9A-7B44-F0B917F06EBE}"/>
+              </a:ext>
+            </a:extLst>
+          </p:cNvPr>
           <p:cNvPicPr>
             <a:picLocks noChangeAspect="1"/>
           </p:cNvPicPr>
@@ -3824,8 +4788,38 @@
         </p:blipFill>
         <p:spPr>
           <a:xfrm>
-            <a:off x="476250" y="1019175"/>
-            <a:ext cx="4858494" cy="3643908"/>
+            <a:off x="7218094" y="145993"/>
+            <a:ext cx="1812615" cy="405353"/>
+          </a:xfrm>
+          <a:prstGeom prst="rect">
+            <a:avLst/>
+          </a:prstGeom>
+        </p:spPr>
+      </p:pic>
+      <p:pic>
+        <p:nvPicPr>
+          <p:cNvPr id="18" name="Picture 17">
+            <a:extLst>
+              <a:ext uri="{FF2B5EF4-FFF2-40B4-BE49-F238E27FC236}">
+                <a16:creationId xmlns:a16="http://schemas.microsoft.com/office/drawing/2014/main" id="{EDF0EAEC-2FC6-FF41-3922-C6F3A8838703}"/>
+              </a:ext>
+            </a:extLst>
+          </p:cNvPr>
+          <p:cNvPicPr>
+            <a:picLocks noChangeAspect="1"/>
+          </p:cNvPicPr>
+          <p:nvPr/>
+        </p:nvPicPr>
+        <p:blipFill>
+          <a:blip r:embed="rId4"/>
+          <a:stretch>
+            <a:fillRect/>
+          </a:stretch>
+        </p:blipFill>
+        <p:spPr>
+          <a:xfrm>
+            <a:off x="809080" y="955265"/>
+            <a:ext cx="4051671" cy="4051671"/>
           </a:xfrm>
           <a:prstGeom prst="rect">
             <a:avLst/>
@@ -3840,7 +4834,347 @@
 </p:sld>
 </file>
 
-<file path=ppt/slides/slide15.xml><?xml version="1.0" encoding="utf-8"?>
+<file path=ppt/slides/slide18.xml><?xml version="1.0" encoding="utf-8"?>
+<p:sld xmlns:a="http://schemas.openxmlformats.org/drawingml/2006/main" xmlns:r="http://schemas.openxmlformats.org/officeDocument/2006/relationships" xmlns:p="http://schemas.openxmlformats.org/presentationml/2006/main">
+  <p:cSld>
+    <p:spTree>
+      <p:nvGrpSpPr>
+        <p:cNvPr id="1" name="">
+          <a:extLst>
+            <a:ext uri="{FF2B5EF4-FFF2-40B4-BE49-F238E27FC236}">
+              <a16:creationId xmlns:a16="http://schemas.microsoft.com/office/drawing/2014/main" id="{2AFD1FE3-8D6C-25A9-0D5A-4805F0ACDDA9}"/>
+            </a:ext>
+          </a:extLst>
+        </p:cNvPr>
+        <p:cNvGrpSpPr/>
+        <p:nvPr/>
+      </p:nvGrpSpPr>
+      <p:grpSpPr>
+        <a:xfrm>
+          <a:off x="0" y="0"/>
+          <a:ext cx="0" cy="0"/>
+          <a:chOff x="0" y="0"/>
+          <a:chExt cx="0" cy="0"/>
+        </a:xfrm>
+      </p:grpSpPr>
+      <p:sp>
+        <p:nvSpPr>
+          <p:cNvPr id="3" name="Text 1">
+            <a:extLst>
+              <a:ext uri="{FF2B5EF4-FFF2-40B4-BE49-F238E27FC236}">
+                <a16:creationId xmlns:a16="http://schemas.microsoft.com/office/drawing/2014/main" id="{1CC06E0C-FD7D-D15E-89E0-60240DB14B09}"/>
+              </a:ext>
+            </a:extLst>
+          </p:cNvPr>
+          <p:cNvSpPr/>
+          <p:nvPr/>
+        </p:nvSpPr>
+        <p:spPr>
+          <a:xfrm>
+            <a:off x="723900" y="428625"/>
+            <a:ext cx="5965317" cy="400050"/>
+          </a:xfrm>
+          <a:prstGeom prst="rect">
+            <a:avLst/>
+          </a:prstGeom>
+          <a:noFill/>
+          <a:ln/>
+        </p:spPr>
+        <p:txBody>
+          <a:bodyPr wrap="square" lIns="0" tIns="0" rIns="0" bIns="0" rtlCol="0" anchor="t"/>
+          <a:lstStyle/>
+          <a:p>
+            <a:pPr marL="0" indent="0" algn="l">
+              <a:lnSpc>
+                <a:spcPts val="3150"/>
+              </a:lnSpc>
+              <a:buNone/>
+            </a:pPr>
+            <a:r>
+              <a:rPr lang="en-US" sz="3150" b="1" dirty="0">
+                <a:solidFill>
+                  <a:srgbClr val="2ECC71"/>
+                </a:solidFill>
+                <a:latin typeface="Arial" pitchFamily="34" charset="0"/>
+                <a:ea typeface="Arial" pitchFamily="34" charset="-122"/>
+                <a:cs typeface="Arial" pitchFamily="34" charset="-120"/>
+              </a:rPr>
+              <a:t>Results: Balance Improvement</a:t>
+            </a:r>
+            <a:endParaRPr lang="en-US" sz="3150" dirty="0"/>
+          </a:p>
+        </p:txBody>
+      </p:sp>
+      <p:pic>
+        <p:nvPicPr>
+          <p:cNvPr id="16" name="Picture 15" descr="A blue and white logo&#10;&#10;AI-generated content may be incorrect.">
+            <a:extLst>
+              <a:ext uri="{FF2B5EF4-FFF2-40B4-BE49-F238E27FC236}">
+                <a16:creationId xmlns:a16="http://schemas.microsoft.com/office/drawing/2014/main" id="{E859D64A-2437-633B-C5FA-A5C8A196210A}"/>
+              </a:ext>
+            </a:extLst>
+          </p:cNvPr>
+          <p:cNvPicPr>
+            <a:picLocks noChangeAspect="1"/>
+          </p:cNvPicPr>
+          <p:nvPr/>
+        </p:nvPicPr>
+        <p:blipFill>
+          <a:blip r:embed="rId3"/>
+          <a:stretch>
+            <a:fillRect/>
+          </a:stretch>
+        </p:blipFill>
+        <p:spPr>
+          <a:xfrm>
+            <a:off x="7218094" y="145993"/>
+            <a:ext cx="1812615" cy="405353"/>
+          </a:xfrm>
+          <a:prstGeom prst="rect">
+            <a:avLst/>
+          </a:prstGeom>
+        </p:spPr>
+      </p:pic>
+      <p:pic>
+        <p:nvPicPr>
+          <p:cNvPr id="18" name="Picture 17">
+            <a:extLst>
+              <a:ext uri="{FF2B5EF4-FFF2-40B4-BE49-F238E27FC236}">
+                <a16:creationId xmlns:a16="http://schemas.microsoft.com/office/drawing/2014/main" id="{8D83D70D-5D8A-5379-9041-06C38D307825}"/>
+              </a:ext>
+            </a:extLst>
+          </p:cNvPr>
+          <p:cNvPicPr>
+            <a:picLocks noChangeAspect="1"/>
+          </p:cNvPicPr>
+          <p:nvPr/>
+        </p:nvPicPr>
+        <p:blipFill>
+          <a:blip r:embed="rId4"/>
+          <a:srcRect l="35349" t="10" r="23926" b="95409"/>
+          <a:stretch>
+            <a:fillRect/>
+          </a:stretch>
+        </p:blipFill>
+        <p:spPr>
+          <a:xfrm>
+            <a:off x="2711015" y="908329"/>
+            <a:ext cx="2566739" cy="288758"/>
+          </a:xfrm>
+          <a:prstGeom prst="rect">
+            <a:avLst/>
+          </a:prstGeom>
+        </p:spPr>
+      </p:pic>
+      <p:pic>
+        <p:nvPicPr>
+          <p:cNvPr id="15" name="Picture 14">
+            <a:extLst>
+              <a:ext uri="{FF2B5EF4-FFF2-40B4-BE49-F238E27FC236}">
+                <a16:creationId xmlns:a16="http://schemas.microsoft.com/office/drawing/2014/main" id="{55C033D8-A5AB-CE7F-BFA8-B4EAC7A60C98}"/>
+              </a:ext>
+            </a:extLst>
+          </p:cNvPr>
+          <p:cNvPicPr>
+            <a:picLocks noChangeAspect="1"/>
+          </p:cNvPicPr>
+          <p:nvPr/>
+        </p:nvPicPr>
+        <p:blipFill>
+          <a:blip r:embed="rId4"/>
+          <a:srcRect l="40610" t="92171" r="27828" b="5561"/>
+          <a:stretch>
+            <a:fillRect/>
+          </a:stretch>
+        </p:blipFill>
+        <p:spPr>
+          <a:xfrm>
+            <a:off x="2686361" y="4604136"/>
+            <a:ext cx="2414557" cy="173494"/>
+          </a:xfrm>
+          <a:prstGeom prst="rect">
+            <a:avLst/>
+          </a:prstGeom>
+        </p:spPr>
+      </p:pic>
+      <p:pic>
+        <p:nvPicPr>
+          <p:cNvPr id="17" name="Picture 16">
+            <a:extLst>
+              <a:ext uri="{FF2B5EF4-FFF2-40B4-BE49-F238E27FC236}">
+                <a16:creationId xmlns:a16="http://schemas.microsoft.com/office/drawing/2014/main" id="{AA3EC2DE-C218-EF06-3A6F-DB0AD1478F94}"/>
+              </a:ext>
+            </a:extLst>
+          </p:cNvPr>
+          <p:cNvPicPr>
+            <a:picLocks noChangeAspect="1"/>
+          </p:cNvPicPr>
+          <p:nvPr/>
+        </p:nvPicPr>
+        <p:blipFill>
+          <a:blip r:embed="rId4"/>
+          <a:srcRect t="5559" b="52019"/>
+          <a:stretch>
+            <a:fillRect/>
+          </a:stretch>
+        </p:blipFill>
+        <p:spPr>
+          <a:xfrm>
+            <a:off x="216374" y="1276742"/>
+            <a:ext cx="7556023" cy="3205410"/>
+          </a:xfrm>
+          <a:prstGeom prst="rect">
+            <a:avLst/>
+          </a:prstGeom>
+        </p:spPr>
+      </p:pic>
+      <p:sp>
+        <p:nvSpPr>
+          <p:cNvPr id="19" name="TextBox 18">
+            <a:extLst>
+              <a:ext uri="{FF2B5EF4-FFF2-40B4-BE49-F238E27FC236}">
+                <a16:creationId xmlns:a16="http://schemas.microsoft.com/office/drawing/2014/main" id="{1AB4A119-ADE9-065A-5ED5-FCDCA77F7B49}"/>
+              </a:ext>
+            </a:extLst>
+          </p:cNvPr>
+          <p:cNvSpPr txBox="1"/>
+          <p:nvPr/>
+        </p:nvSpPr>
+        <p:spPr>
+          <a:xfrm>
+            <a:off x="1764833" y="4537306"/>
+            <a:ext cx="348172" cy="246221"/>
+          </a:xfrm>
+          <a:prstGeom prst="rect">
+            <a:avLst/>
+          </a:prstGeom>
+          <a:noFill/>
+        </p:spPr>
+        <p:txBody>
+          <a:bodyPr wrap="none" rtlCol="0">
+            <a:spAutoFit/>
+          </a:bodyPr>
+          <a:lstStyle/>
+          <a:p>
+            <a:r>
+              <a:rPr lang="en-US" sz="1000" dirty="0"/>
+              <a:t>0.1</a:t>
+            </a:r>
+          </a:p>
+        </p:txBody>
+      </p:sp>
+      <p:pic>
+        <p:nvPicPr>
+          <p:cNvPr id="20" name="Picture 19">
+            <a:extLst>
+              <a:ext uri="{FF2B5EF4-FFF2-40B4-BE49-F238E27FC236}">
+                <a16:creationId xmlns:a16="http://schemas.microsoft.com/office/drawing/2014/main" id="{F2D96714-D22B-F11E-BEE6-C395375880CB}"/>
+              </a:ext>
+            </a:extLst>
+          </p:cNvPr>
+          <p:cNvPicPr>
+            <a:picLocks noChangeAspect="1"/>
+          </p:cNvPicPr>
+          <p:nvPr/>
+        </p:nvPicPr>
+        <p:blipFill>
+          <a:blip r:embed="rId4"/>
+          <a:srcRect t="68383" b="9186"/>
+          <a:stretch>
+            <a:fillRect/>
+          </a:stretch>
+        </p:blipFill>
+        <p:spPr>
+          <a:xfrm>
+            <a:off x="216373" y="2879446"/>
+            <a:ext cx="7556023" cy="1694911"/>
+          </a:xfrm>
+          <a:prstGeom prst="rect">
+            <a:avLst/>
+          </a:prstGeom>
+        </p:spPr>
+      </p:pic>
+      <p:pic>
+        <p:nvPicPr>
+          <p:cNvPr id="21" name="Picture 20">
+            <a:extLst>
+              <a:ext uri="{FF2B5EF4-FFF2-40B4-BE49-F238E27FC236}">
+                <a16:creationId xmlns:a16="http://schemas.microsoft.com/office/drawing/2014/main" id="{545CB346-7175-1C83-766B-C3339149EB1B}"/>
+              </a:ext>
+            </a:extLst>
+          </p:cNvPr>
+          <p:cNvPicPr>
+            <a:picLocks noChangeAspect="1"/>
+          </p:cNvPicPr>
+          <p:nvPr/>
+        </p:nvPicPr>
+        <p:blipFill>
+          <a:blip r:embed="rId4"/>
+          <a:srcRect l="45798" t="95390" r="31921" b="1391"/>
+          <a:stretch>
+            <a:fillRect/>
+          </a:stretch>
+        </p:blipFill>
+        <p:spPr>
+          <a:xfrm>
+            <a:off x="2803757" y="4777630"/>
+            <a:ext cx="2179763" cy="314873"/>
+          </a:xfrm>
+          <a:prstGeom prst="rect">
+            <a:avLst/>
+          </a:prstGeom>
+        </p:spPr>
+      </p:pic>
+      <p:sp>
+        <p:nvSpPr>
+          <p:cNvPr id="22" name="Shape 0">
+            <a:extLst>
+              <a:ext uri="{FF2B5EF4-FFF2-40B4-BE49-F238E27FC236}">
+                <a16:creationId xmlns:a16="http://schemas.microsoft.com/office/drawing/2014/main" id="{26B07BDC-F74D-1FE7-53B9-009CB395E9ED}"/>
+              </a:ext>
+            </a:extLst>
+          </p:cNvPr>
+          <p:cNvSpPr/>
+          <p:nvPr/>
+        </p:nvSpPr>
+        <p:spPr>
+          <a:xfrm>
+            <a:off x="650874" y="412297"/>
+            <a:ext cx="0" cy="400050"/>
+          </a:xfrm>
+          <a:prstGeom prst="line">
+            <a:avLst/>
+          </a:prstGeom>
+          <a:noFill/>
+          <a:ln w="57150">
+            <a:solidFill>
+              <a:srgbClr val="2ECC71"/>
+            </a:solidFill>
+            <a:prstDash val="solid"/>
+          </a:ln>
+        </p:spPr>
+        <p:txBody>
+          <a:bodyPr/>
+          <a:lstStyle/>
+          <a:p>
+            <a:endParaRPr lang="en-US"/>
+          </a:p>
+        </p:txBody>
+      </p:sp>
+    </p:spTree>
+    <p:extLst>
+      <p:ext uri="{BB962C8B-B14F-4D97-AF65-F5344CB8AC3E}">
+        <p14:creationId xmlns:p14="http://schemas.microsoft.com/office/powerpoint/2010/main" val="4169429354"/>
+      </p:ext>
+    </p:extLst>
+  </p:cSld>
+  <p:clrMapOvr>
+    <a:masterClrMapping/>
+  </p:clrMapOvr>
+</p:sld>
+</file>
+
+<file path=ppt/slides/slide19.xml><?xml version="1.0" encoding="utf-8"?>
 <p:sld xmlns:a="http://schemas.openxmlformats.org/drawingml/2006/main" xmlns:r="http://schemas.openxmlformats.org/officeDocument/2006/relationships" xmlns:p="http://schemas.openxmlformats.org/presentationml/2006/main">
   <p:cSld name="Slide 7">
     <p:bg>
@@ -3873,7 +5207,7 @@
         </p:nvSpPr>
         <p:spPr>
           <a:xfrm>
-            <a:off x="504825" y="476250"/>
+            <a:off x="654504" y="683305"/>
             <a:ext cx="0" cy="400050"/>
           </a:xfrm>
           <a:prstGeom prst="line">
@@ -3903,7 +5237,7 @@
         </p:nvSpPr>
         <p:spPr>
           <a:xfrm>
-            <a:off x="723900" y="476250"/>
+            <a:off x="745670" y="741589"/>
             <a:ext cx="4061079" cy="400050"/>
           </a:xfrm>
           <a:prstGeom prst="rect">
@@ -3945,7 +5279,7 @@
         </p:nvSpPr>
         <p:spPr>
           <a:xfrm>
-            <a:off x="476250" y="1162050"/>
+            <a:off x="631373" y="1455964"/>
             <a:ext cx="4000500" cy="1407765"/>
           </a:xfrm>
           <a:prstGeom prst="roundRect">
@@ -3977,7 +5311,7 @@
         </p:nvSpPr>
         <p:spPr>
           <a:xfrm>
-            <a:off x="495300" y="1162050"/>
+            <a:off x="650423" y="1455964"/>
             <a:ext cx="0" cy="1407765"/>
           </a:xfrm>
           <a:prstGeom prst="line">
@@ -4007,7 +5341,7 @@
         </p:nvSpPr>
         <p:spPr>
           <a:xfrm>
-            <a:off x="704850" y="1390650"/>
+            <a:off x="859973" y="1684564"/>
             <a:ext cx="3653028" cy="293340"/>
           </a:xfrm>
           <a:prstGeom prst="rect">
@@ -4055,7 +5389,7 @@
         </p:nvSpPr>
         <p:spPr>
           <a:xfrm>
-            <a:off x="704850" y="1798290"/>
+            <a:off x="859973" y="2092204"/>
             <a:ext cx="3653028" cy="542925"/>
           </a:xfrm>
           <a:prstGeom prst="rect">
@@ -4089,7 +5423,7 @@
                 <a:ea typeface="Arial" pitchFamily="34" charset="-122"/>
                 <a:cs typeface="Arial" pitchFamily="34" charset="-120"/>
               </a:rPr>
-              <a:t>All SMDs reduced below 0.25, with most variables achieving excellent balance</a:t>
+              <a:t>All SMDs reduced below 0.49, with most variables achieving excellent balance</a:t>
             </a:r>
             <a:endParaRPr lang="en-US" sz="1425" dirty="0"/>
           </a:p>
@@ -4103,7 +5437,7 @@
         </p:nvSpPr>
         <p:spPr>
           <a:xfrm>
-            <a:off x="4667250" y="1162050"/>
+            <a:off x="4822373" y="1455964"/>
             <a:ext cx="4000500" cy="1407765"/>
           </a:xfrm>
           <a:prstGeom prst="roundRect">
@@ -4135,7 +5469,7 @@
         </p:nvSpPr>
         <p:spPr>
           <a:xfrm>
-            <a:off x="4686300" y="1162050"/>
+            <a:off x="4841423" y="1455964"/>
             <a:ext cx="0" cy="1407765"/>
           </a:xfrm>
           <a:prstGeom prst="line">
@@ -4165,7 +5499,7 @@
         </p:nvSpPr>
         <p:spPr>
           <a:xfrm>
-            <a:off x="4895850" y="1390650"/>
+            <a:off x="5050973" y="1684564"/>
             <a:ext cx="3653028" cy="293340"/>
           </a:xfrm>
           <a:prstGeom prst="rect">
@@ -4213,7 +5547,7 @@
         </p:nvSpPr>
         <p:spPr>
           <a:xfrm>
-            <a:off x="4895850" y="1798290"/>
+            <a:off x="5050973" y="2092204"/>
             <a:ext cx="3653028" cy="542925"/>
           </a:xfrm>
           <a:prstGeom prst="rect">
@@ -4247,7 +5581,7 @@
                 <a:ea typeface="Arial" pitchFamily="34" charset="-122"/>
                 <a:cs typeface="Arial" pitchFamily="34" charset="-120"/>
               </a:rPr>
-              <a:t>Effective sample size reduced to 24%, indicating heterogeneous trial populations</a:t>
+              <a:t>Effective sample size reduced to 47.5%, indicating heterogeneous trial populations</a:t>
             </a:r>
             <a:endParaRPr lang="en-US" sz="1425" dirty="0"/>
           </a:p>
@@ -4261,7 +5595,7 @@
         </p:nvSpPr>
         <p:spPr>
           <a:xfrm>
-            <a:off x="476250" y="2760315"/>
+            <a:off x="631373" y="3054229"/>
             <a:ext cx="4000500" cy="1407765"/>
           </a:xfrm>
           <a:prstGeom prst="roundRect">
@@ -4293,7 +5627,7 @@
         </p:nvSpPr>
         <p:spPr>
           <a:xfrm>
-            <a:off x="495300" y="2760315"/>
+            <a:off x="650423" y="3054229"/>
             <a:ext cx="0" cy="1407765"/>
           </a:xfrm>
           <a:prstGeom prst="line">
@@ -4323,7 +5657,7 @@
         </p:nvSpPr>
         <p:spPr>
           <a:xfrm>
-            <a:off x="704850" y="2988915"/>
+            <a:off x="859973" y="3282829"/>
             <a:ext cx="3653028" cy="293340"/>
           </a:xfrm>
           <a:prstGeom prst="rect">
@@ -4371,7 +5705,7 @@
         </p:nvSpPr>
         <p:spPr>
           <a:xfrm>
-            <a:off x="704850" y="3396555"/>
+            <a:off x="859973" y="3690469"/>
             <a:ext cx="3653028" cy="542925"/>
           </a:xfrm>
           <a:prstGeom prst="rect">
@@ -4405,7 +5739,31 @@
                 <a:ea typeface="Arial" pitchFamily="34" charset="-122"/>
                 <a:cs typeface="Arial" pitchFamily="34" charset="-120"/>
               </a:rPr>
-              <a:t>Weighted HR: 0.73 (95% CI: 0.64-0.83), properly adjusted for baseline differences</a:t>
+              <a:t>Weighted HR: 0.85 (95% CI: 0.74-0.97)</a:t>
+            </a:r>
+          </a:p>
+          <a:p>
+            <a:pPr>
+              <a:lnSpc>
+                <a:spcPts val="2138"/>
+              </a:lnSpc>
+              <a:spcBef>
+                <a:spcPts val="300"/>
+              </a:spcBef>
+              <a:spcAft>
+                <a:spcPts val="300"/>
+              </a:spcAft>
+            </a:pPr>
+            <a:r>
+              <a:rPr lang="en-US" sz="1425" dirty="0">
+                <a:solidFill>
+                  <a:srgbClr val="2C3E50"/>
+                </a:solidFill>
+                <a:latin typeface="Arial" pitchFamily="34" charset="0"/>
+                <a:ea typeface="Arial" pitchFamily="34" charset="-122"/>
+                <a:cs typeface="Arial" pitchFamily="34" charset="-120"/>
+              </a:rPr>
+              <a:t>Unweighted HR: 0.68 (95% CI: 0.61-0.77), </a:t>
             </a:r>
             <a:endParaRPr lang="en-US" sz="1425" dirty="0"/>
           </a:p>
@@ -4419,7 +5777,7 @@
         </p:nvSpPr>
         <p:spPr>
           <a:xfrm>
-            <a:off x="4667250" y="2760315"/>
+            <a:off x="4822373" y="3054229"/>
             <a:ext cx="4000500" cy="1407765"/>
           </a:xfrm>
           <a:prstGeom prst="roundRect">
@@ -4451,7 +5809,7 @@
         </p:nvSpPr>
         <p:spPr>
           <a:xfrm>
-            <a:off x="4686300" y="2760315"/>
+            <a:off x="4841423" y="3054229"/>
             <a:ext cx="0" cy="1407765"/>
           </a:xfrm>
           <a:prstGeom prst="line">
@@ -4481,7 +5839,7 @@
         </p:nvSpPr>
         <p:spPr>
           <a:xfrm>
-            <a:off x="4895850" y="2988915"/>
+            <a:off x="5050973" y="3282829"/>
             <a:ext cx="3653028" cy="293340"/>
           </a:xfrm>
           <a:prstGeom prst="rect">
@@ -4529,7 +5887,7 @@
         </p:nvSpPr>
         <p:spPr>
           <a:xfrm>
-            <a:off x="4895850" y="3396555"/>
+            <a:off x="5050973" y="3690469"/>
             <a:ext cx="3653028" cy="542925"/>
           </a:xfrm>
           <a:prstGeom prst="rect">
@@ -4563,783 +5921,21 @@
                 <a:ea typeface="Arial" pitchFamily="34" charset="-122"/>
                 <a:cs typeface="Arial" pitchFamily="34" charset="-120"/>
               </a:rPr>
-              <a:t>Method successfully implemented with standard statistical software (R/Python)</a:t>
+              <a:t>Method successfully implemented with open-source statistical software (R)</a:t>
             </a:r>
             <a:endParaRPr lang="en-US" sz="1425" dirty="0"/>
-          </a:p>
-        </p:txBody>
-      </p:sp>
-    </p:spTree>
-  </p:cSld>
-  <p:clrMapOvr>
-    <a:masterClrMapping/>
-  </p:clrMapOvr>
-</p:sld>
-</file>
-
-<file path=ppt/slides/slide16.xml><?xml version="1.0" encoding="utf-8"?>
-<p:sld xmlns:a="http://schemas.openxmlformats.org/drawingml/2006/main" xmlns:r="http://schemas.openxmlformats.org/officeDocument/2006/relationships" xmlns:p="http://schemas.openxmlformats.org/presentationml/2006/main">
-  <p:cSld name="Slide 8">
-    <p:bg>
-      <p:bgPr>
-        <a:solidFill>
-          <a:srgbClr val="FFFFFF"/>
-        </a:solidFill>
-        <a:effectLst/>
-      </p:bgPr>
-    </p:bg>
-    <p:spTree>
-      <p:nvGrpSpPr>
-        <p:cNvPr id="1" name=""/>
-        <p:cNvGrpSpPr/>
-        <p:nvPr/>
-      </p:nvGrpSpPr>
-      <p:grpSpPr>
-        <a:xfrm>
-          <a:off x="0" y="0"/>
-          <a:ext cx="0" cy="0"/>
-          <a:chOff x="0" y="0"/>
-          <a:chExt cx="0" cy="0"/>
-        </a:xfrm>
-      </p:grpSpPr>
-      <p:sp>
-        <p:nvSpPr>
-          <p:cNvPr id="2" name="Shape 0"/>
-          <p:cNvSpPr/>
-          <p:nvPr/>
-        </p:nvSpPr>
-        <p:spPr>
-          <a:xfrm>
-            <a:off x="504825" y="476250"/>
-            <a:ext cx="0" cy="400050"/>
-          </a:xfrm>
-          <a:prstGeom prst="line">
-            <a:avLst/>
-          </a:prstGeom>
-          <a:noFill/>
-          <a:ln w="57150">
-            <a:solidFill>
-              <a:srgbClr val="1C3F6F"/>
-            </a:solidFill>
-            <a:prstDash val="solid"/>
-          </a:ln>
-        </p:spPr>
-        <p:txBody>
-          <a:bodyPr/>
-          <a:lstStyle/>
-          <a:p>
-            <a:endParaRPr lang="en-US"/>
-          </a:p>
-        </p:txBody>
-      </p:sp>
-      <p:sp>
-        <p:nvSpPr>
-          <p:cNvPr id="3" name="Text 1"/>
-          <p:cNvSpPr/>
-          <p:nvPr/>
-        </p:nvSpPr>
-        <p:spPr>
-          <a:xfrm>
-            <a:off x="723900" y="476250"/>
-            <a:ext cx="6101334" cy="400050"/>
-          </a:xfrm>
-          <a:prstGeom prst="rect">
-            <a:avLst/>
-          </a:prstGeom>
-          <a:noFill/>
-          <a:ln/>
-        </p:spPr>
-        <p:txBody>
-          <a:bodyPr wrap="square" lIns="0" tIns="0" rIns="0" bIns="0" rtlCol="0" anchor="t"/>
-          <a:lstStyle/>
-          <a:p>
-            <a:pPr marL="0" indent="0" algn="l">
-              <a:lnSpc>
-                <a:spcPts val="3150"/>
-              </a:lnSpc>
-              <a:buNone/>
-            </a:pPr>
-            <a:r>
-              <a:rPr lang="en-US" sz="3150" b="1" dirty="0">
-                <a:solidFill>
-                  <a:srgbClr val="1C3F6F"/>
-                </a:solidFill>
-                <a:latin typeface="Arial" pitchFamily="34" charset="0"/>
-                <a:ea typeface="Arial" pitchFamily="34" charset="-122"/>
-                <a:cs typeface="Arial" pitchFamily="34" charset="-120"/>
-              </a:rPr>
-              <a:t>Implementation Considerations</a:t>
-            </a:r>
-            <a:endParaRPr lang="en-US" sz="3150" dirty="0"/>
-          </a:p>
-        </p:txBody>
-      </p:sp>
-      <p:sp>
-        <p:nvSpPr>
-          <p:cNvPr id="4" name="Text 2"/>
-          <p:cNvSpPr/>
-          <p:nvPr/>
-        </p:nvSpPr>
-        <p:spPr>
-          <a:xfrm>
-            <a:off x="476250" y="1114425"/>
-            <a:ext cx="3976687" cy="2377976"/>
-          </a:xfrm>
-          <a:prstGeom prst="roundRect">
-            <a:avLst>
-              <a:gd name="adj" fmla="val 3204"/>
-            </a:avLst>
-          </a:prstGeom>
-          <a:solidFill>
-            <a:srgbClr val="F8F9FA"/>
-          </a:solidFill>
-          <a:ln/>
-        </p:spPr>
-        <p:txBody>
-          <a:bodyPr wrap="square" rtlCol="0" anchor="ctr"/>
-          <a:lstStyle/>
-          <a:p>
-            <a:pPr marL="0" indent="0">
-              <a:buNone/>
-            </a:pPr>
-            <a:endParaRPr lang="en-US" dirty="0"/>
-          </a:p>
-        </p:txBody>
-      </p:sp>
-      <p:sp>
-        <p:nvSpPr>
-          <p:cNvPr id="5" name="Shape 3"/>
-          <p:cNvSpPr/>
-          <p:nvPr/>
-        </p:nvSpPr>
-        <p:spPr>
-          <a:xfrm>
-            <a:off x="476250" y="1133475"/>
-            <a:ext cx="3976687" cy="0"/>
-          </a:xfrm>
-          <a:prstGeom prst="line">
-            <a:avLst/>
-          </a:prstGeom>
-          <a:noFill/>
-          <a:ln w="38100">
-            <a:solidFill>
-              <a:srgbClr val="1C3F6F"/>
-            </a:solidFill>
-            <a:prstDash val="solid"/>
-          </a:ln>
-        </p:spPr>
-        <p:txBody>
-          <a:bodyPr/>
-          <a:lstStyle/>
-          <a:p>
-            <a:endParaRPr lang="en-US"/>
-          </a:p>
-        </p:txBody>
-      </p:sp>
-      <p:sp>
-        <p:nvSpPr>
-          <p:cNvPr id="6" name="Text 4"/>
-          <p:cNvSpPr/>
-          <p:nvPr/>
-        </p:nvSpPr>
-        <p:spPr>
-          <a:xfrm>
-            <a:off x="666750" y="1343025"/>
-            <a:ext cx="1845945" cy="253901"/>
-          </a:xfrm>
-          <a:prstGeom prst="rect">
-            <a:avLst/>
-          </a:prstGeom>
-          <a:noFill/>
-          <a:ln/>
-        </p:spPr>
-        <p:txBody>
-          <a:bodyPr wrap="square" lIns="0" tIns="0" rIns="0" bIns="0" rtlCol="0" anchor="t"/>
-          <a:lstStyle/>
-          <a:p>
-            <a:pPr marL="0" indent="0" algn="l">
-              <a:lnSpc>
-                <a:spcPts val="2000"/>
-              </a:lnSpc>
-              <a:spcAft>
-                <a:spcPts val="1125"/>
-              </a:spcAft>
-              <a:buNone/>
-            </a:pPr>
-            <a:r>
-              <a:rPr lang="en-US" sz="1800" b="1" dirty="0">
-                <a:solidFill>
-                  <a:srgbClr val="1C3F6F"/>
-                </a:solidFill>
-                <a:latin typeface="Arial" pitchFamily="34" charset="0"/>
-                <a:ea typeface="Arial" pitchFamily="34" charset="-122"/>
-                <a:cs typeface="Arial" pitchFamily="34" charset="-120"/>
-              </a:rPr>
-              <a:t>Best Practices</a:t>
-            </a:r>
-            <a:endParaRPr lang="en-US" sz="1800" dirty="0"/>
-          </a:p>
-        </p:txBody>
-      </p:sp>
-      <p:sp>
-        <p:nvSpPr>
-          <p:cNvPr id="7" name="Text 5"/>
-          <p:cNvSpPr/>
-          <p:nvPr/>
-        </p:nvSpPr>
-        <p:spPr>
-          <a:xfrm>
-            <a:off x="666750" y="1739801"/>
-            <a:ext cx="3595688" cy="1562100"/>
-          </a:xfrm>
-          <a:prstGeom prst="rect">
-            <a:avLst/>
-          </a:prstGeom>
-          <a:noFill/>
-          <a:ln/>
-        </p:spPr>
-        <p:txBody>
-          <a:bodyPr wrap="square" lIns="95250" tIns="0" rIns="0" bIns="0" rtlCol="0" anchor="t"/>
-          <a:lstStyle/>
-          <a:p>
-            <a:pPr marL="95250" indent="-95250" algn="l">
-              <a:lnSpc>
-                <a:spcPts val="2100"/>
-              </a:lnSpc>
-              <a:spcAft>
-                <a:spcPts val="750"/>
-              </a:spcAft>
-              <a:buSzPct val="100000"/>
-              <a:buChar char="•"/>
-            </a:pPr>
-            <a:r>
-              <a:rPr lang="en-US" sz="1350" dirty="0">
-                <a:solidFill>
-                  <a:srgbClr val="2C3E50"/>
-                </a:solidFill>
-                <a:latin typeface="Arial" pitchFamily="34" charset="0"/>
-                <a:ea typeface="Arial" pitchFamily="34" charset="-122"/>
-                <a:cs typeface="Arial" pitchFamily="34" charset="-120"/>
-              </a:rPr>
-              <a:t>Include all relevant confounders</a:t>
-            </a:r>
-            <a:endParaRPr lang="en-US" sz="1350" dirty="0"/>
-          </a:p>
-          <a:p>
-            <a:pPr marL="95250" indent="-95250" algn="l">
-              <a:lnSpc>
-                <a:spcPts val="2100"/>
-              </a:lnSpc>
-              <a:spcAft>
-                <a:spcPts val="750"/>
-              </a:spcAft>
-              <a:buSzPct val="100000"/>
-              <a:buChar char="•"/>
-            </a:pPr>
-            <a:r>
-              <a:rPr lang="en-US" sz="1350" dirty="0">
-                <a:solidFill>
-                  <a:srgbClr val="2C3E50"/>
-                </a:solidFill>
-                <a:latin typeface="Arial" pitchFamily="34" charset="0"/>
-                <a:ea typeface="Arial" pitchFamily="34" charset="-122"/>
-                <a:cs typeface="Arial" pitchFamily="34" charset="-120"/>
-              </a:rPr>
-              <a:t>Check propensity score overlap</a:t>
-            </a:r>
-            <a:endParaRPr lang="en-US" sz="1350" dirty="0"/>
-          </a:p>
-          <a:p>
-            <a:pPr marL="95250" indent="-95250" algn="l">
-              <a:lnSpc>
-                <a:spcPts val="2100"/>
-              </a:lnSpc>
-              <a:spcAft>
-                <a:spcPts val="750"/>
-              </a:spcAft>
-              <a:buSzPct val="100000"/>
-              <a:buChar char="•"/>
-            </a:pPr>
-            <a:r>
-              <a:rPr lang="en-US" sz="1350" dirty="0">
-                <a:solidFill>
-                  <a:srgbClr val="2C3E50"/>
-                </a:solidFill>
-                <a:latin typeface="Arial" pitchFamily="34" charset="0"/>
-                <a:ea typeface="Arial" pitchFamily="34" charset="-122"/>
-                <a:cs typeface="Arial" pitchFamily="34" charset="-120"/>
-              </a:rPr>
-              <a:t>Monitor weight distribution</a:t>
-            </a:r>
-            <a:endParaRPr lang="en-US" sz="1350" dirty="0"/>
-          </a:p>
-          <a:p>
-            <a:pPr marL="95250" indent="-95250" algn="l">
-              <a:lnSpc>
-                <a:spcPts val="2100"/>
-              </a:lnSpc>
-              <a:spcAft>
-                <a:spcPts val="750"/>
-              </a:spcAft>
-              <a:buSzPct val="100000"/>
-              <a:buChar char="•"/>
-            </a:pPr>
-            <a:r>
-              <a:rPr lang="en-US" sz="1350" dirty="0">
-                <a:solidFill>
-                  <a:srgbClr val="2C3E50"/>
-                </a:solidFill>
-                <a:latin typeface="Arial" pitchFamily="34" charset="0"/>
-                <a:ea typeface="Arial" pitchFamily="34" charset="-122"/>
-                <a:cs typeface="Arial" pitchFamily="34" charset="-120"/>
-              </a:rPr>
-              <a:t>Calculate effective sample size</a:t>
-            </a:r>
-            <a:endParaRPr lang="en-US" sz="1350" dirty="0"/>
-          </a:p>
-        </p:txBody>
-      </p:sp>
-      <p:sp>
-        <p:nvSpPr>
-          <p:cNvPr id="8" name="Text 6"/>
-          <p:cNvSpPr/>
-          <p:nvPr/>
-        </p:nvSpPr>
-        <p:spPr>
-          <a:xfrm>
-            <a:off x="4691063" y="1114425"/>
-            <a:ext cx="3976687" cy="2377976"/>
-          </a:xfrm>
-          <a:prstGeom prst="roundRect">
-            <a:avLst>
-              <a:gd name="adj" fmla="val 3204"/>
-            </a:avLst>
-          </a:prstGeom>
-          <a:solidFill>
-            <a:srgbClr val="F8F9FA"/>
-          </a:solidFill>
-          <a:ln/>
-        </p:spPr>
-        <p:txBody>
-          <a:bodyPr wrap="square" rtlCol="0" anchor="ctr"/>
-          <a:lstStyle/>
-          <a:p>
-            <a:pPr marL="0" indent="0">
-              <a:buNone/>
-            </a:pPr>
-            <a:endParaRPr lang="en-US" dirty="0"/>
-          </a:p>
-        </p:txBody>
-      </p:sp>
-      <p:sp>
-        <p:nvSpPr>
-          <p:cNvPr id="9" name="Shape 7"/>
-          <p:cNvSpPr/>
-          <p:nvPr/>
-        </p:nvSpPr>
-        <p:spPr>
-          <a:xfrm>
-            <a:off x="4691063" y="1133475"/>
-            <a:ext cx="3976687" cy="0"/>
-          </a:xfrm>
-          <a:prstGeom prst="line">
-            <a:avLst/>
-          </a:prstGeom>
-          <a:noFill/>
-          <a:ln w="38100">
-            <a:solidFill>
-              <a:srgbClr val="1C3F6F"/>
-            </a:solidFill>
-            <a:prstDash val="solid"/>
-          </a:ln>
-        </p:spPr>
-        <p:txBody>
-          <a:bodyPr/>
-          <a:lstStyle/>
-          <a:p>
-            <a:endParaRPr lang="en-US"/>
-          </a:p>
-        </p:txBody>
-      </p:sp>
-      <p:sp>
-        <p:nvSpPr>
-          <p:cNvPr id="10" name="Text 8"/>
-          <p:cNvSpPr/>
-          <p:nvPr/>
-        </p:nvSpPr>
-        <p:spPr>
-          <a:xfrm>
-            <a:off x="4881563" y="1343025"/>
-            <a:ext cx="1845945" cy="253901"/>
-          </a:xfrm>
-          <a:prstGeom prst="rect">
-            <a:avLst/>
-          </a:prstGeom>
-          <a:noFill/>
-          <a:ln/>
-        </p:spPr>
-        <p:txBody>
-          <a:bodyPr wrap="square" lIns="0" tIns="0" rIns="0" bIns="0" rtlCol="0" anchor="t"/>
-          <a:lstStyle/>
-          <a:p>
-            <a:pPr marL="0" indent="0" algn="l">
-              <a:lnSpc>
-                <a:spcPts val="2000"/>
-              </a:lnSpc>
-              <a:spcAft>
-                <a:spcPts val="1125"/>
-              </a:spcAft>
-              <a:buNone/>
-            </a:pPr>
-            <a:r>
-              <a:rPr lang="en-US" sz="1800" b="1" dirty="0">
-                <a:solidFill>
-                  <a:srgbClr val="1C3F6F"/>
-                </a:solidFill>
-                <a:latin typeface="Arial" pitchFamily="34" charset="0"/>
-                <a:ea typeface="Arial" pitchFamily="34" charset="-122"/>
-                <a:cs typeface="Arial" pitchFamily="34" charset="-120"/>
-              </a:rPr>
-              <a:t>Potential Issues</a:t>
-            </a:r>
-            <a:endParaRPr lang="en-US" sz="1800" dirty="0"/>
-          </a:p>
-        </p:txBody>
-      </p:sp>
-      <p:sp>
-        <p:nvSpPr>
-          <p:cNvPr id="11" name="Text 9"/>
-          <p:cNvSpPr/>
-          <p:nvPr/>
-        </p:nvSpPr>
-        <p:spPr>
-          <a:xfrm>
-            <a:off x="4881563" y="1739801"/>
-            <a:ext cx="3595688" cy="1562100"/>
-          </a:xfrm>
-          <a:prstGeom prst="rect">
-            <a:avLst/>
-          </a:prstGeom>
-          <a:noFill/>
-          <a:ln/>
-        </p:spPr>
-        <p:txBody>
-          <a:bodyPr wrap="square" lIns="95250" tIns="0" rIns="0" bIns="0" rtlCol="0" anchor="t"/>
-          <a:lstStyle/>
-          <a:p>
-            <a:pPr marL="95250" indent="-95250" algn="l">
-              <a:lnSpc>
-                <a:spcPts val="2100"/>
-              </a:lnSpc>
-              <a:spcAft>
-                <a:spcPts val="750"/>
-              </a:spcAft>
-              <a:buSzPct val="100000"/>
-              <a:buChar char="•"/>
-            </a:pPr>
-            <a:r>
-              <a:rPr lang="en-US" sz="1350" dirty="0">
-                <a:solidFill>
-                  <a:srgbClr val="2C3E50"/>
-                </a:solidFill>
-                <a:latin typeface="Arial" pitchFamily="34" charset="0"/>
-                <a:ea typeface="Arial" pitchFamily="34" charset="-122"/>
-                <a:cs typeface="Arial" pitchFamily="34" charset="-120"/>
-              </a:rPr>
-              <a:t>Extreme weights (consider truncation)</a:t>
-            </a:r>
-            <a:endParaRPr lang="en-US" sz="1350" dirty="0"/>
-          </a:p>
-          <a:p>
-            <a:pPr marL="95250" indent="-95250" algn="l">
-              <a:lnSpc>
-                <a:spcPts val="2100"/>
-              </a:lnSpc>
-              <a:spcAft>
-                <a:spcPts val="750"/>
-              </a:spcAft>
-              <a:buSzPct val="100000"/>
-              <a:buChar char="•"/>
-            </a:pPr>
-            <a:r>
-              <a:rPr lang="en-US" sz="1350" dirty="0">
-                <a:solidFill>
-                  <a:srgbClr val="2C3E50"/>
-                </a:solidFill>
-                <a:latin typeface="Arial" pitchFamily="34" charset="0"/>
-                <a:ea typeface="Arial" pitchFamily="34" charset="-122"/>
-                <a:cs typeface="Arial" pitchFamily="34" charset="-120"/>
-              </a:rPr>
-              <a:t>Poor covariate overlap</a:t>
-            </a:r>
-            <a:endParaRPr lang="en-US" sz="1350" dirty="0"/>
-          </a:p>
-          <a:p>
-            <a:pPr marL="95250" indent="-95250" algn="l">
-              <a:lnSpc>
-                <a:spcPts val="2100"/>
-              </a:lnSpc>
-              <a:spcAft>
-                <a:spcPts val="750"/>
-              </a:spcAft>
-              <a:buSzPct val="100000"/>
-              <a:buChar char="•"/>
-            </a:pPr>
-            <a:r>
-              <a:rPr lang="en-US" sz="1350" dirty="0">
-                <a:solidFill>
-                  <a:srgbClr val="2C3E50"/>
-                </a:solidFill>
-                <a:latin typeface="Arial" pitchFamily="34" charset="0"/>
-                <a:ea typeface="Arial" pitchFamily="34" charset="-122"/>
-                <a:cs typeface="Arial" pitchFamily="34" charset="-120"/>
-              </a:rPr>
-              <a:t>Model misspecification</a:t>
-            </a:r>
-            <a:endParaRPr lang="en-US" sz="1350" dirty="0"/>
-          </a:p>
-          <a:p>
-            <a:pPr marL="95250" indent="-95250" algn="l">
-              <a:lnSpc>
-                <a:spcPts val="2100"/>
-              </a:lnSpc>
-              <a:spcAft>
-                <a:spcPts val="750"/>
-              </a:spcAft>
-              <a:buSzPct val="100000"/>
-              <a:buChar char="•"/>
-            </a:pPr>
-            <a:r>
-              <a:rPr lang="en-US" sz="1350" dirty="0">
-                <a:solidFill>
-                  <a:srgbClr val="2C3E50"/>
-                </a:solidFill>
-                <a:latin typeface="Arial" pitchFamily="34" charset="0"/>
-                <a:ea typeface="Arial" pitchFamily="34" charset="-122"/>
-                <a:cs typeface="Arial" pitchFamily="34" charset="-120"/>
-              </a:rPr>
-              <a:t>Limited trial number</a:t>
-            </a:r>
-            <a:endParaRPr lang="en-US" sz="1350" dirty="0"/>
-          </a:p>
-        </p:txBody>
-      </p:sp>
-      <p:sp>
-        <p:nvSpPr>
-          <p:cNvPr id="12" name="Text 10"/>
-          <p:cNvSpPr/>
-          <p:nvPr/>
-        </p:nvSpPr>
-        <p:spPr>
-          <a:xfrm>
-            <a:off x="476250" y="3682901"/>
-            <a:ext cx="8191500" cy="628650"/>
-          </a:xfrm>
-          <a:prstGeom prst="rect">
-            <a:avLst/>
-          </a:prstGeom>
-          <a:solidFill>
-            <a:srgbClr val="FFFFFF"/>
-          </a:solidFill>
-          <a:ln/>
-        </p:spPr>
-        <p:txBody>
-          <a:bodyPr wrap="square" rtlCol="0" anchor="ctr"/>
-          <a:lstStyle/>
-          <a:p>
-            <a:pPr marL="0" indent="0">
-              <a:buNone/>
-            </a:pPr>
-            <a:endParaRPr lang="en-US" dirty="0"/>
-          </a:p>
-        </p:txBody>
-      </p:sp>
-      <p:sp>
-        <p:nvSpPr>
-          <p:cNvPr id="13" name="Shape 11"/>
-          <p:cNvSpPr/>
-          <p:nvPr/>
-        </p:nvSpPr>
-        <p:spPr>
-          <a:xfrm>
-            <a:off x="495300" y="3682901"/>
-            <a:ext cx="0" cy="628650"/>
-          </a:xfrm>
-          <a:prstGeom prst="line">
-            <a:avLst/>
-          </a:prstGeom>
-          <a:noFill/>
-          <a:ln w="38100">
-            <a:solidFill>
-              <a:srgbClr val="E74C3C"/>
-            </a:solidFill>
-            <a:prstDash val="solid"/>
-          </a:ln>
-        </p:spPr>
-        <p:txBody>
-          <a:bodyPr/>
-          <a:lstStyle/>
-          <a:p>
-            <a:endParaRPr lang="en-US"/>
-          </a:p>
-        </p:txBody>
-      </p:sp>
-      <p:sp>
-        <p:nvSpPr>
-          <p:cNvPr id="14" name="Text 12"/>
-          <p:cNvSpPr/>
-          <p:nvPr/>
-        </p:nvSpPr>
-        <p:spPr>
-          <a:xfrm>
-            <a:off x="657225" y="3863876"/>
-            <a:ext cx="8025003" cy="266700"/>
-          </a:xfrm>
-          <a:prstGeom prst="rect">
-            <a:avLst/>
-          </a:prstGeom>
-          <a:noFill/>
-          <a:ln/>
-        </p:spPr>
-        <p:txBody>
-          <a:bodyPr wrap="square" lIns="0" tIns="0" rIns="0" bIns="0" rtlCol="0" anchor="t"/>
-          <a:lstStyle/>
-          <a:p>
-            <a:pPr marL="0" indent="0" algn="l">
-              <a:lnSpc>
-                <a:spcPts val="2100"/>
-              </a:lnSpc>
-              <a:spcBef>
-                <a:spcPts val="300"/>
-              </a:spcBef>
-              <a:spcAft>
-                <a:spcPts val="300"/>
-              </a:spcAft>
-              <a:buNone/>
-            </a:pPr>
-            <a:r>
-              <a:rPr lang="en-US" sz="1500" dirty="0">
-                <a:solidFill>
-                  <a:srgbClr val="E74C3C"/>
-                </a:solidFill>
-                <a:latin typeface="Arial" pitchFamily="34" charset="0"/>
-                <a:ea typeface="Arial" pitchFamily="34" charset="-122"/>
-                <a:cs typeface="Arial" pitchFamily="34" charset="-120"/>
-              </a:rPr>
-              <a:t>When ESS &lt; 50% of N, carefully evaluate whether trials are too heterogeneous to pool</a:t>
-            </a:r>
-            <a:endParaRPr lang="en-US" sz="1500" dirty="0"/>
-          </a:p>
-        </p:txBody>
-      </p:sp>
-    </p:spTree>
-  </p:cSld>
-  <p:clrMapOvr>
-    <a:masterClrMapping/>
-  </p:clrMapOvr>
-</p:sld>
-</file>
-
-<file path=ppt/slides/slide17.xml><?xml version="1.0" encoding="utf-8"?>
-<p:sld xmlns:a="http://schemas.openxmlformats.org/drawingml/2006/main" xmlns:r="http://schemas.openxmlformats.org/officeDocument/2006/relationships" xmlns:p="http://schemas.openxmlformats.org/presentationml/2006/main">
-  <p:cSld name="Slide 9">
-    <p:bg>
-      <p:bgPr>
-        <a:solidFill>
-          <a:srgbClr val="FFFFFF"/>
-        </a:solidFill>
-        <a:effectLst/>
-      </p:bgPr>
-    </p:bg>
-    <p:spTree>
-      <p:nvGrpSpPr>
-        <p:cNvPr id="1" name=""/>
-        <p:cNvGrpSpPr/>
-        <p:nvPr/>
-      </p:nvGrpSpPr>
-      <p:grpSpPr>
-        <a:xfrm>
-          <a:off x="0" y="0"/>
-          <a:ext cx="0" cy="0"/>
-          <a:chOff x="0" y="0"/>
-          <a:chExt cx="0" cy="0"/>
-        </a:xfrm>
-      </p:grpSpPr>
-      <p:sp>
-        <p:nvSpPr>
-          <p:cNvPr id="2" name="Shape 0"/>
-          <p:cNvSpPr/>
-          <p:nvPr/>
-        </p:nvSpPr>
-        <p:spPr>
-          <a:xfrm>
-            <a:off x="504825" y="428625"/>
-            <a:ext cx="0" cy="400050"/>
-          </a:xfrm>
-          <a:prstGeom prst="line">
-            <a:avLst/>
-          </a:prstGeom>
-          <a:noFill/>
-          <a:ln w="57150">
-            <a:solidFill>
-              <a:srgbClr val="1C3F6F"/>
-            </a:solidFill>
-            <a:prstDash val="solid"/>
-          </a:ln>
-        </p:spPr>
-        <p:txBody>
-          <a:bodyPr/>
-          <a:lstStyle/>
-          <a:p>
-            <a:endParaRPr lang="en-US"/>
-          </a:p>
-        </p:txBody>
-      </p:sp>
-      <p:sp>
-        <p:nvSpPr>
-          <p:cNvPr id="3" name="Text 1"/>
-          <p:cNvSpPr/>
-          <p:nvPr/>
-        </p:nvSpPr>
-        <p:spPr>
-          <a:xfrm>
-            <a:off x="723900" y="428625"/>
-            <a:ext cx="4061079" cy="400050"/>
-          </a:xfrm>
-          <a:prstGeom prst="rect">
-            <a:avLst/>
-          </a:prstGeom>
-          <a:noFill/>
-          <a:ln/>
-        </p:spPr>
-        <p:txBody>
-          <a:bodyPr wrap="square" lIns="0" tIns="0" rIns="0" bIns="0" rtlCol="0" anchor="t"/>
-          <a:lstStyle/>
-          <a:p>
-            <a:pPr marL="0" indent="0" algn="l">
-              <a:lnSpc>
-                <a:spcPts val="3150"/>
-              </a:lnSpc>
-              <a:buNone/>
-            </a:pPr>
-            <a:r>
-              <a:rPr lang="en-US" sz="3150" b="1" dirty="0">
-                <a:solidFill>
-                  <a:srgbClr val="1C3F6F"/>
-                </a:solidFill>
-                <a:latin typeface="Arial" pitchFamily="34" charset="0"/>
-                <a:ea typeface="Arial" pitchFamily="34" charset="-122"/>
-                <a:cs typeface="Arial" pitchFamily="34" charset="-120"/>
-              </a:rPr>
-              <a:t>Conclusions</a:t>
-            </a:r>
-            <a:endParaRPr lang="en-US" sz="3150" dirty="0"/>
           </a:p>
         </p:txBody>
       </p:sp>
       <p:pic>
         <p:nvPicPr>
-          <p:cNvPr id="4" name="Image 0" descr="/tmp/rasterized-gradient-1e5e8cbf.png"/>
+          <p:cNvPr id="20" name="Picture 19" descr="A blue and white logo&#10;&#10;AI-generated content may be incorrect.">
+            <a:extLst>
+              <a:ext uri="{FF2B5EF4-FFF2-40B4-BE49-F238E27FC236}">
+                <a16:creationId xmlns:a16="http://schemas.microsoft.com/office/drawing/2014/main" id="{4E4651EB-A2E0-90AA-D004-17FDD059475C}"/>
+              </a:ext>
+            </a:extLst>
+          </p:cNvPr>
           <p:cNvPicPr>
             <a:picLocks noChangeAspect="1"/>
           </p:cNvPicPr>
@@ -5353,513 +5949,14 @@
         </p:blipFill>
         <p:spPr>
           <a:xfrm>
-            <a:off x="476250" y="1019175"/>
-            <a:ext cx="8191500" cy="2466975"/>
+            <a:off x="7218094" y="145993"/>
+            <a:ext cx="1812615" cy="405353"/>
           </a:xfrm>
           <a:prstGeom prst="rect">
             <a:avLst/>
           </a:prstGeom>
         </p:spPr>
       </p:pic>
-      <p:sp>
-        <p:nvSpPr>
-          <p:cNvPr id="5" name="Text 2"/>
-          <p:cNvSpPr/>
-          <p:nvPr/>
-        </p:nvSpPr>
-        <p:spPr>
-          <a:xfrm>
-            <a:off x="723900" y="1209675"/>
-            <a:ext cx="7908417" cy="600075"/>
-          </a:xfrm>
-          <a:prstGeom prst="rect">
-            <a:avLst/>
-          </a:prstGeom>
-          <a:noFill/>
-          <a:ln/>
-        </p:spPr>
-        <p:txBody>
-          <a:bodyPr wrap="square" lIns="0" tIns="0" rIns="0" bIns="0" rtlCol="0" anchor="t"/>
-          <a:lstStyle/>
-          <a:p>
-            <a:pPr marL="0" indent="0" algn="l">
-              <a:lnSpc>
-                <a:spcPts val="2363"/>
-              </a:lnSpc>
-              <a:spcAft>
-                <a:spcPts val="1125"/>
-              </a:spcAft>
-              <a:buNone/>
-            </a:pPr>
-            <a:r>
-              <a:rPr lang="en-US" sz="1575" dirty="0">
-                <a:solidFill>
-                  <a:srgbClr val="2C3E50"/>
-                </a:solidFill>
-                <a:latin typeface="Arial" pitchFamily="34" charset="0"/>
-                <a:ea typeface="Arial" pitchFamily="34" charset="-122"/>
-                <a:cs typeface="Arial" pitchFamily="34" charset="-120"/>
-              </a:rPr>
-              <a:t>IPTW adapted for trial membership effectively balances baseline characteristics across heterogeneous trial populations in IPD meta-analysis.</a:t>
-            </a:r>
-            <a:endParaRPr lang="en-US" sz="1575" dirty="0"/>
-          </a:p>
-        </p:txBody>
-      </p:sp>
-      <p:sp>
-        <p:nvSpPr>
-          <p:cNvPr id="6" name="Text 3"/>
-          <p:cNvSpPr/>
-          <p:nvPr/>
-        </p:nvSpPr>
-        <p:spPr>
-          <a:xfrm>
-            <a:off x="723900" y="1952625"/>
-            <a:ext cx="7908417" cy="600075"/>
-          </a:xfrm>
-          <a:prstGeom prst="rect">
-            <a:avLst/>
-          </a:prstGeom>
-          <a:noFill/>
-          <a:ln/>
-        </p:spPr>
-        <p:txBody>
-          <a:bodyPr wrap="square" lIns="0" tIns="0" rIns="0" bIns="0" rtlCol="0" anchor="t"/>
-          <a:lstStyle/>
-          <a:p>
-            <a:pPr marL="0" indent="0" algn="l">
-              <a:lnSpc>
-                <a:spcPts val="2363"/>
-              </a:lnSpc>
-              <a:spcAft>
-                <a:spcPts val="1125"/>
-              </a:spcAft>
-              <a:buNone/>
-            </a:pPr>
-            <a:r>
-              <a:rPr lang="en-US" sz="1575" dirty="0">
-                <a:solidFill>
-                  <a:srgbClr val="2C3E50"/>
-                </a:solidFill>
-                <a:latin typeface="Arial" pitchFamily="34" charset="0"/>
-                <a:ea typeface="Arial" pitchFamily="34" charset="-122"/>
-                <a:cs typeface="Arial" pitchFamily="34" charset="-120"/>
-              </a:rPr>
-              <a:t>The method provides a principled approach to creating comparable control groups when trials enroll systematically different patient populations.</a:t>
-            </a:r>
-            <a:endParaRPr lang="en-US" sz="1575" dirty="0"/>
-          </a:p>
-        </p:txBody>
-      </p:sp>
-      <p:sp>
-        <p:nvSpPr>
-          <p:cNvPr id="7" name="Text 4"/>
-          <p:cNvSpPr/>
-          <p:nvPr/>
-        </p:nvSpPr>
-        <p:spPr>
-          <a:xfrm>
-            <a:off x="723900" y="2695575"/>
-            <a:ext cx="7908417" cy="600075"/>
-          </a:xfrm>
-          <a:prstGeom prst="rect">
-            <a:avLst/>
-          </a:prstGeom>
-          <a:noFill/>
-          <a:ln/>
-        </p:spPr>
-        <p:txBody>
-          <a:bodyPr wrap="square" lIns="0" tIns="0" rIns="0" bIns="0" rtlCol="0" anchor="t"/>
-          <a:lstStyle/>
-          <a:p>
-            <a:pPr marL="0" indent="0" algn="l">
-              <a:lnSpc>
-                <a:spcPts val="2363"/>
-              </a:lnSpc>
-              <a:buNone/>
-            </a:pPr>
-            <a:r>
-              <a:rPr lang="en-US" sz="1575" dirty="0">
-                <a:solidFill>
-                  <a:srgbClr val="2C3E50"/>
-                </a:solidFill>
-                <a:latin typeface="Arial" pitchFamily="34" charset="0"/>
-                <a:ea typeface="Arial" pitchFamily="34" charset="-122"/>
-                <a:cs typeface="Arial" pitchFamily="34" charset="-120"/>
-              </a:rPr>
-              <a:t>Careful monitoring of effective sample size and weight diagnostics is essential for practical implementation.</a:t>
-            </a:r>
-            <a:endParaRPr lang="en-US" sz="1575" dirty="0"/>
-          </a:p>
-        </p:txBody>
-      </p:sp>
-      <p:sp>
-        <p:nvSpPr>
-          <p:cNvPr id="8" name="Text 5"/>
-          <p:cNvSpPr/>
-          <p:nvPr/>
-        </p:nvSpPr>
-        <p:spPr>
-          <a:xfrm>
-            <a:off x="476250" y="3676650"/>
-            <a:ext cx="8191500" cy="950416"/>
-          </a:xfrm>
-          <a:prstGeom prst="roundRect">
-            <a:avLst>
-              <a:gd name="adj" fmla="val 8018"/>
-            </a:avLst>
-          </a:prstGeom>
-          <a:solidFill>
-            <a:srgbClr val="1C3F6F"/>
-          </a:solidFill>
-          <a:ln/>
-        </p:spPr>
-        <p:txBody>
-          <a:bodyPr wrap="square" rtlCol="0" anchor="ctr"/>
-          <a:lstStyle/>
-          <a:p>
-            <a:pPr marL="0" indent="0">
-              <a:buNone/>
-            </a:pPr>
-            <a:endParaRPr lang="en-US" dirty="0"/>
-          </a:p>
-        </p:txBody>
-      </p:sp>
-      <p:sp>
-        <p:nvSpPr>
-          <p:cNvPr id="9" name="Text 6"/>
-          <p:cNvSpPr/>
-          <p:nvPr/>
-        </p:nvSpPr>
-        <p:spPr>
-          <a:xfrm>
-            <a:off x="588645" y="3867150"/>
-            <a:ext cx="7966710" cy="569416"/>
-          </a:xfrm>
-          <a:prstGeom prst="rect">
-            <a:avLst/>
-          </a:prstGeom>
-          <a:noFill/>
-          <a:ln/>
-        </p:spPr>
-        <p:txBody>
-          <a:bodyPr wrap="square" lIns="0" tIns="0" rIns="0" bIns="0" rtlCol="0" anchor="t"/>
-          <a:lstStyle/>
-          <a:p>
-            <a:pPr marL="0" indent="0" algn="ctr">
-              <a:lnSpc>
-                <a:spcPts val="2242"/>
-              </a:lnSpc>
-              <a:buNone/>
-            </a:pPr>
-            <a:r>
-              <a:rPr lang="en-US" sz="1725" b="1" dirty="0">
-                <a:solidFill>
-                  <a:srgbClr val="FFFFFF"/>
-                </a:solidFill>
-                <a:latin typeface="Arial" pitchFamily="34" charset="0"/>
-                <a:ea typeface="Arial" pitchFamily="34" charset="-122"/>
-                <a:cs typeface="Arial" pitchFamily="34" charset="-120"/>
-              </a:rPr>
-              <a:t>A valuable tool for IPD meta-analysts facing baseline heterogeneity across trials</a:t>
-            </a:r>
-            <a:endParaRPr lang="en-US" sz="1725" dirty="0"/>
-          </a:p>
-        </p:txBody>
-      </p:sp>
-    </p:spTree>
-  </p:cSld>
-  <p:clrMapOvr>
-    <a:masterClrMapping/>
-  </p:clrMapOvr>
-</p:sld>
-</file>
-
-<file path=ppt/slides/slide18.xml><?xml version="1.0" encoding="utf-8"?>
-<p:sld xmlns:a="http://schemas.openxmlformats.org/drawingml/2006/main" xmlns:r="http://schemas.openxmlformats.org/officeDocument/2006/relationships" xmlns:p="http://schemas.openxmlformats.org/presentationml/2006/main">
-  <p:cSld name="Slide 10">
-    <p:bg>
-      <p:bgPr>
-        <a:blipFill dpi="0" rotWithShape="1">
-          <a:blip r:embed="rId3">
-            <a:lum/>
-          </a:blip>
-          <a:srcRect/>
-          <a:stretch>
-            <a:fillRect/>
-          </a:stretch>
-        </a:blipFill>
-        <a:effectLst/>
-      </p:bgPr>
-    </p:bg>
-    <p:spTree>
-      <p:nvGrpSpPr>
-        <p:cNvPr id="1" name=""/>
-        <p:cNvGrpSpPr/>
-        <p:nvPr/>
-      </p:nvGrpSpPr>
-      <p:grpSpPr>
-        <a:xfrm>
-          <a:off x="0" y="0"/>
-          <a:ext cx="0" cy="0"/>
-          <a:chOff x="0" y="0"/>
-          <a:chExt cx="0" cy="0"/>
-        </a:xfrm>
-      </p:grpSpPr>
-      <p:sp>
-        <p:nvSpPr>
-          <p:cNvPr id="2" name="Text 0"/>
-          <p:cNvSpPr/>
-          <p:nvPr/>
-        </p:nvSpPr>
-        <p:spPr>
-          <a:xfrm>
-            <a:off x="3201966" y="1458367"/>
-            <a:ext cx="2739771" cy="533400"/>
-          </a:xfrm>
-          <a:prstGeom prst="rect">
-            <a:avLst/>
-          </a:prstGeom>
-          <a:noFill/>
-          <a:ln/>
-        </p:spPr>
-        <p:txBody>
-          <a:bodyPr wrap="square" lIns="0" tIns="0" rIns="0" bIns="0" rtlCol="0" anchor="t"/>
-          <a:lstStyle/>
-          <a:p>
-            <a:pPr marL="0" indent="0" algn="ctr">
-              <a:lnSpc>
-                <a:spcPts val="4200"/>
-              </a:lnSpc>
-              <a:spcAft>
-                <a:spcPts val="3000"/>
-              </a:spcAft>
-              <a:buNone/>
-            </a:pPr>
-            <a:r>
-              <a:rPr lang="en-US" sz="4200" b="1" dirty="0">
-                <a:solidFill>
-                  <a:srgbClr val="FFFFFF"/>
-                </a:solidFill>
-                <a:latin typeface="Arial" pitchFamily="34" charset="0"/>
-                <a:ea typeface="Arial" pitchFamily="34" charset="-122"/>
-                <a:cs typeface="Arial" pitchFamily="34" charset="-120"/>
-              </a:rPr>
-              <a:t>Thank You</a:t>
-            </a:r>
-            <a:endParaRPr lang="en-US" sz="4200" dirty="0"/>
-          </a:p>
-        </p:txBody>
-      </p:sp>
-      <p:sp>
-        <p:nvSpPr>
-          <p:cNvPr id="3" name="Text 1"/>
-          <p:cNvSpPr/>
-          <p:nvPr/>
-        </p:nvSpPr>
-        <p:spPr>
-          <a:xfrm>
-            <a:off x="2079520" y="2372767"/>
-            <a:ext cx="4984811" cy="346621"/>
-          </a:xfrm>
-          <a:prstGeom prst="rect">
-            <a:avLst/>
-          </a:prstGeom>
-          <a:noFill/>
-          <a:ln/>
-        </p:spPr>
-        <p:txBody>
-          <a:bodyPr wrap="square" lIns="0" tIns="0" rIns="0" bIns="0" rtlCol="0" anchor="t"/>
-          <a:lstStyle/>
-          <a:p>
-            <a:pPr marL="0" indent="0" algn="ctr">
-              <a:lnSpc>
-                <a:spcPts val="2730"/>
-              </a:lnSpc>
-              <a:spcBef>
-                <a:spcPts val="1125"/>
-              </a:spcBef>
-              <a:spcAft>
-                <a:spcPts val="1125"/>
-              </a:spcAft>
-              <a:buNone/>
-            </a:pPr>
-            <a:r>
-              <a:rPr lang="en-US" sz="1950" dirty="0">
-                <a:solidFill>
-                  <a:srgbClr val="FFFFFF"/>
-                </a:solidFill>
-                <a:latin typeface="Arial" pitchFamily="34" charset="0"/>
-                <a:ea typeface="Arial" pitchFamily="34" charset="-122"/>
-                <a:cs typeface="Arial" pitchFamily="34" charset="-120"/>
-              </a:rPr>
-              <a:t>Questions?</a:t>
-            </a:r>
-            <a:endParaRPr lang="en-US" sz="1950" dirty="0"/>
-          </a:p>
-        </p:txBody>
-      </p:sp>
-      <p:sp>
-        <p:nvSpPr>
-          <p:cNvPr id="4" name="Text 2"/>
-          <p:cNvSpPr/>
-          <p:nvPr/>
-        </p:nvSpPr>
-        <p:spPr>
-          <a:xfrm>
-            <a:off x="2079520" y="3195638"/>
-            <a:ext cx="4984811" cy="346621"/>
-          </a:xfrm>
-          <a:prstGeom prst="rect">
-            <a:avLst/>
-          </a:prstGeom>
-          <a:noFill/>
-          <a:ln/>
-        </p:spPr>
-        <p:txBody>
-          <a:bodyPr wrap="square" lIns="0" tIns="0" rIns="0" bIns="0" rtlCol="0" anchor="t"/>
-          <a:lstStyle/>
-          <a:p>
-            <a:pPr marL="0" indent="0" algn="ctr">
-              <a:lnSpc>
-                <a:spcPts val="2730"/>
-              </a:lnSpc>
-              <a:spcBef>
-                <a:spcPts val="1125"/>
-              </a:spcBef>
-              <a:spcAft>
-                <a:spcPts val="1125"/>
-              </a:spcAft>
-              <a:buNone/>
-            </a:pPr>
-            <a:r>
-              <a:rPr lang="en-US" sz="1950" dirty="0">
-                <a:solidFill>
-                  <a:srgbClr val="FFFFFF"/>
-                </a:solidFill>
-                <a:latin typeface="Arial" pitchFamily="34" charset="0"/>
-                <a:ea typeface="Arial" pitchFamily="34" charset="-122"/>
-                <a:cs typeface="Arial" pitchFamily="34" charset="-120"/>
-              </a:rPr>
-              <a:t>Code and supplementary materials available </a:t>
-            </a:r>
-          </a:p>
-          <a:p>
-            <a:pPr algn="ctr">
-              <a:lnSpc>
-                <a:spcPts val="2730"/>
-              </a:lnSpc>
-              <a:spcBef>
-                <a:spcPts val="1125"/>
-              </a:spcBef>
-              <a:spcAft>
-                <a:spcPts val="1125"/>
-              </a:spcAft>
-            </a:pPr>
-            <a:r>
-              <a:rPr lang="en-US" sz="1950" dirty="0">
-                <a:solidFill>
-                  <a:srgbClr val="FFFFFF"/>
-                </a:solidFill>
-                <a:latin typeface="Arial" pitchFamily="34" charset="0"/>
-                <a:cs typeface="Arial" pitchFamily="34" charset="-120"/>
-              </a:rPr>
-              <a:t>https://</a:t>
-            </a:r>
-            <a:r>
-              <a:rPr lang="en-US" sz="1950" dirty="0" err="1">
-                <a:solidFill>
-                  <a:srgbClr val="FFFFFF"/>
-                </a:solidFill>
-                <a:latin typeface="Arial" pitchFamily="34" charset="0"/>
-                <a:cs typeface="Arial" pitchFamily="34" charset="-120"/>
-              </a:rPr>
-              <a:t>github.com</a:t>
-            </a:r>
-            <a:r>
-              <a:rPr lang="en-US" sz="1950" dirty="0">
-                <a:solidFill>
-                  <a:srgbClr val="FFFFFF"/>
-                </a:solidFill>
-                <a:latin typeface="Arial" pitchFamily="34" charset="0"/>
-                <a:cs typeface="Arial" pitchFamily="34" charset="-120"/>
-              </a:rPr>
-              <a:t>/</a:t>
-            </a:r>
-            <a:r>
-              <a:rPr lang="en-US" sz="1950" dirty="0" err="1">
-                <a:solidFill>
-                  <a:srgbClr val="FFFFFF"/>
-                </a:solidFill>
-                <a:latin typeface="Arial" pitchFamily="34" charset="0"/>
-                <a:cs typeface="Arial" pitchFamily="34" charset="-120"/>
-              </a:rPr>
-              <a:t>dkarletsos</a:t>
-            </a:r>
-            <a:r>
-              <a:rPr lang="en-US" sz="1950" dirty="0">
-                <a:solidFill>
-                  <a:srgbClr val="FFFFFF"/>
-                </a:solidFill>
-                <a:latin typeface="Arial" pitchFamily="34" charset="0"/>
-                <a:cs typeface="Arial" pitchFamily="34" charset="-120"/>
-              </a:rPr>
-              <a:t>/</a:t>
-            </a:r>
-            <a:r>
-              <a:rPr lang="en-US" sz="1950" dirty="0" err="1">
-                <a:solidFill>
-                  <a:srgbClr val="FFFFFF"/>
-                </a:solidFill>
-                <a:latin typeface="Arial" pitchFamily="34" charset="0"/>
-                <a:cs typeface="Arial" pitchFamily="34" charset="-120"/>
-              </a:rPr>
-              <a:t>multigroup_iptw</a:t>
-            </a:r>
-            <a:endParaRPr lang="en-US" sz="1950" dirty="0">
-              <a:solidFill>
-                <a:srgbClr val="FFFFFF"/>
-              </a:solidFill>
-              <a:latin typeface="Arial" pitchFamily="34" charset="0"/>
-              <a:cs typeface="Arial" pitchFamily="34" charset="-120"/>
-            </a:endParaRPr>
-          </a:p>
-          <a:p>
-            <a:pPr algn="ctr">
-              <a:lnSpc>
-                <a:spcPts val="2730"/>
-              </a:lnSpc>
-              <a:spcBef>
-                <a:spcPts val="1125"/>
-              </a:spcBef>
-              <a:spcAft>
-                <a:spcPts val="1125"/>
-              </a:spcAft>
-            </a:pPr>
-            <a:r>
-              <a:rPr lang="en-US" sz="1950" dirty="0">
-                <a:solidFill>
-                  <a:srgbClr val="FFFFFF"/>
-                </a:solidFill>
-                <a:latin typeface="Arial" pitchFamily="34" charset="0"/>
-                <a:cs typeface="Arial" pitchFamily="34" charset="-120"/>
-              </a:rPr>
-              <a:t> </a:t>
-            </a:r>
-            <a:r>
-              <a:rPr lang="en-US" sz="1950" dirty="0" err="1">
-                <a:solidFill>
-                  <a:srgbClr val="FFFFFF"/>
-                </a:solidFill>
-                <a:latin typeface="Arial" pitchFamily="34" charset="0"/>
-                <a:cs typeface="Arial" pitchFamily="34" charset="-120"/>
-              </a:rPr>
-              <a:t>dimitris.karletsos@gmail.com</a:t>
-            </a:r>
-            <a:endParaRPr lang="en-US" sz="1950" dirty="0"/>
-          </a:p>
-        </p:txBody>
-      </p:sp>
     </p:spTree>
   </p:cSld>
   <p:clrMapOvr>
@@ -5901,7 +5998,7 @@
         </p:nvSpPr>
         <p:spPr>
           <a:xfrm>
-            <a:off x="504825" y="476250"/>
+            <a:off x="640080" y="676275"/>
             <a:ext cx="0" cy="400050"/>
           </a:xfrm>
           <a:prstGeom prst="line">
@@ -5931,7 +6028,7 @@
         </p:nvSpPr>
         <p:spPr>
           <a:xfrm>
-            <a:off x="723900" y="476250"/>
+            <a:off x="723900" y="704849"/>
             <a:ext cx="4061079" cy="400050"/>
           </a:xfrm>
           <a:prstGeom prst="rect">
@@ -5959,9 +6056,23 @@
                 <a:ea typeface="Arial" pitchFamily="34" charset="-122"/>
                 <a:cs typeface="Arial" pitchFamily="34" charset="-120"/>
               </a:rPr>
-              <a:t>The Challenge</a:t>
-            </a:r>
-            <a:endParaRPr lang="en-US" sz="3150" dirty="0"/>
+              <a:t>The </a:t>
+            </a:r>
+            <a:r>
+              <a:rPr lang="en-US" sz="3600" b="1" dirty="0">
+                <a:solidFill>
+                  <a:srgbClr val="1C3F6F"/>
+                </a:solidFill>
+                <a:latin typeface="Calibri" panose="020F0502020204030204" pitchFamily="34" charset="0"/>
+                <a:ea typeface="Arial" pitchFamily="34" charset="-122"/>
+                <a:cs typeface="Calibri" panose="020F0502020204030204" pitchFamily="34" charset="0"/>
+              </a:rPr>
+              <a:t>Challenge</a:t>
+            </a:r>
+            <a:endParaRPr lang="en-US" sz="3600" dirty="0">
+              <a:latin typeface="Calibri" panose="020F0502020204030204" pitchFamily="34" charset="0"/>
+              <a:cs typeface="Calibri" panose="020F0502020204030204" pitchFamily="34" charset="0"/>
+            </a:endParaRPr>
           </a:p>
         </p:txBody>
       </p:sp>
@@ -5973,7 +6084,7 @@
         </p:nvSpPr>
         <p:spPr>
           <a:xfrm>
-            <a:off x="723900" y="1162050"/>
+            <a:off x="723900" y="1635578"/>
             <a:ext cx="4061079" cy="296317"/>
           </a:xfrm>
           <a:prstGeom prst="rect">
@@ -5996,7 +6107,299 @@
               <a:buNone/>
             </a:pPr>
             <a:r>
-              <a:rPr lang="en-US" sz="2100" b="1" dirty="0">
+              <a:rPr lang="en-US" sz="2700" b="1" dirty="0">
+                <a:solidFill>
+                  <a:srgbClr val="1C3F6F"/>
+                </a:solidFill>
+                <a:latin typeface="Calibri" panose="020F0502020204030204" pitchFamily="34" charset="0"/>
+                <a:ea typeface="Arial" pitchFamily="34" charset="-122"/>
+                <a:cs typeface="Calibri" panose="020F0502020204030204" pitchFamily="34" charset="0"/>
+              </a:rPr>
+              <a:t>Heterogeneity Across Trials</a:t>
+            </a:r>
+            <a:endParaRPr lang="en-US" sz="2700" dirty="0">
+              <a:latin typeface="Calibri" panose="020F0502020204030204" pitchFamily="34" charset="0"/>
+              <a:cs typeface="Calibri" panose="020F0502020204030204" pitchFamily="34" charset="0"/>
+            </a:endParaRPr>
+          </a:p>
+        </p:txBody>
+      </p:sp>
+      <p:sp>
+        <p:nvSpPr>
+          <p:cNvPr id="5" name="Text 3"/>
+          <p:cNvSpPr/>
+          <p:nvPr/>
+        </p:nvSpPr>
+        <p:spPr>
+          <a:xfrm>
+            <a:off x="723900" y="2074770"/>
+            <a:ext cx="7943850" cy="1219200"/>
+          </a:xfrm>
+          <a:prstGeom prst="rect">
+            <a:avLst/>
+          </a:prstGeom>
+          <a:noFill/>
+          <a:ln/>
+        </p:spPr>
+        <p:txBody>
+          <a:bodyPr wrap="square" lIns="119063" tIns="0" rIns="0" bIns="0" rtlCol="0" anchor="t"/>
+          <a:lstStyle/>
+          <a:p>
+            <a:pPr marL="119063" indent="-119063" algn="l">
+              <a:lnSpc>
+                <a:spcPts val="2100"/>
+              </a:lnSpc>
+              <a:spcAft>
+                <a:spcPts val="900"/>
+              </a:spcAft>
+              <a:buSzPct val="100000"/>
+              <a:buChar char="•"/>
+            </a:pPr>
+            <a:r>
+              <a:rPr lang="en-US" dirty="0">
+                <a:solidFill>
+                  <a:srgbClr val="2C3E50"/>
+                </a:solidFill>
+                <a:latin typeface="Calibri" panose="020F0502020204030204" pitchFamily="34" charset="0"/>
+                <a:ea typeface="Arial" pitchFamily="34" charset="-122"/>
+                <a:cs typeface="Calibri" panose="020F0502020204030204" pitchFamily="34" charset="0"/>
+              </a:rPr>
+              <a:t>Different trials enroll systematically different populations</a:t>
+            </a:r>
+            <a:endParaRPr lang="en-US" dirty="0">
+              <a:latin typeface="Calibri" panose="020F0502020204030204" pitchFamily="34" charset="0"/>
+              <a:cs typeface="Calibri" panose="020F0502020204030204" pitchFamily="34" charset="0"/>
+            </a:endParaRPr>
+          </a:p>
+          <a:p>
+            <a:pPr marL="119063" indent="-119063" algn="l">
+              <a:lnSpc>
+                <a:spcPts val="2100"/>
+              </a:lnSpc>
+              <a:spcAft>
+                <a:spcPts val="900"/>
+              </a:spcAft>
+              <a:buSzPct val="100000"/>
+              <a:buChar char="•"/>
+            </a:pPr>
+            <a:r>
+              <a:rPr lang="en-US" dirty="0">
+                <a:solidFill>
+                  <a:srgbClr val="2C3E50"/>
+                </a:solidFill>
+                <a:latin typeface="Calibri" panose="020F0502020204030204" pitchFamily="34" charset="0"/>
+                <a:ea typeface="Arial" pitchFamily="34" charset="-122"/>
+                <a:cs typeface="Calibri" panose="020F0502020204030204" pitchFamily="34" charset="0"/>
+              </a:rPr>
+              <a:t>Varying inclusion criteria, geographic regions, recruitment periods</a:t>
+            </a:r>
+            <a:endParaRPr lang="en-US" dirty="0">
+              <a:latin typeface="Calibri" panose="020F0502020204030204" pitchFamily="34" charset="0"/>
+              <a:cs typeface="Calibri" panose="020F0502020204030204" pitchFamily="34" charset="0"/>
+            </a:endParaRPr>
+          </a:p>
+          <a:p>
+            <a:pPr marL="119063" indent="-119063" algn="l">
+              <a:lnSpc>
+                <a:spcPts val="2100"/>
+              </a:lnSpc>
+              <a:spcAft>
+                <a:spcPts val="900"/>
+              </a:spcAft>
+              <a:buSzPct val="100000"/>
+              <a:buChar char="•"/>
+            </a:pPr>
+            <a:r>
+              <a:rPr lang="en-US" dirty="0">
+                <a:solidFill>
+                  <a:srgbClr val="2C3E50"/>
+                </a:solidFill>
+                <a:latin typeface="Calibri" panose="020F0502020204030204" pitchFamily="34" charset="0"/>
+                <a:ea typeface="Arial" pitchFamily="34" charset="-122"/>
+                <a:cs typeface="Calibri" panose="020F0502020204030204" pitchFamily="34" charset="0"/>
+              </a:rPr>
+              <a:t>Pooling placebo arms creates imbalanced comparison groups</a:t>
+            </a:r>
+            <a:endParaRPr lang="en-US" dirty="0">
+              <a:latin typeface="Calibri" panose="020F0502020204030204" pitchFamily="34" charset="0"/>
+              <a:cs typeface="Calibri" panose="020F0502020204030204" pitchFamily="34" charset="0"/>
+            </a:endParaRPr>
+          </a:p>
+        </p:txBody>
+      </p:sp>
+      <p:sp>
+        <p:nvSpPr>
+          <p:cNvPr id="6" name="Text 4"/>
+          <p:cNvSpPr/>
+          <p:nvPr/>
+        </p:nvSpPr>
+        <p:spPr>
+          <a:xfrm>
+            <a:off x="644461" y="3839298"/>
+            <a:ext cx="8102727" cy="342900"/>
+          </a:xfrm>
+          <a:prstGeom prst="rect">
+            <a:avLst/>
+          </a:prstGeom>
+          <a:noFill/>
+          <a:ln/>
+        </p:spPr>
+        <p:txBody>
+          <a:bodyPr wrap="square" lIns="0" tIns="0" rIns="0" bIns="0" rtlCol="0" anchor="t"/>
+          <a:lstStyle/>
+          <a:p>
+            <a:pPr marL="0" indent="0" algn="l">
+              <a:lnSpc>
+                <a:spcPts val="2700"/>
+              </a:lnSpc>
+              <a:spcBef>
+                <a:spcPts val="2250"/>
+              </a:spcBef>
+              <a:spcAft>
+                <a:spcPts val="1500"/>
+              </a:spcAft>
+              <a:buNone/>
+            </a:pPr>
+            <a:r>
+              <a:rPr lang="en-US" b="1" dirty="0">
+                <a:solidFill>
+                  <a:srgbClr val="1C3F6F"/>
+                </a:solidFill>
+                <a:latin typeface="Calibri" panose="020F0502020204030204" pitchFamily="34" charset="0"/>
+                <a:ea typeface="Arial" pitchFamily="34" charset="-122"/>
+                <a:cs typeface="Calibri" panose="020F0502020204030204" pitchFamily="34" charset="0"/>
+              </a:rPr>
+              <a:t>How do we balance baseline characteristics across several pooled trials?</a:t>
+            </a:r>
+            <a:endParaRPr lang="en-US" dirty="0">
+              <a:latin typeface="Calibri" panose="020F0502020204030204" pitchFamily="34" charset="0"/>
+              <a:cs typeface="Calibri" panose="020F0502020204030204" pitchFamily="34" charset="0"/>
+            </a:endParaRPr>
+          </a:p>
+        </p:txBody>
+      </p:sp>
+      <p:pic>
+        <p:nvPicPr>
+          <p:cNvPr id="7" name="Picture 6" descr="A blue and white logo&#10;&#10;AI-generated content may be incorrect.">
+            <a:extLst>
+              <a:ext uri="{FF2B5EF4-FFF2-40B4-BE49-F238E27FC236}">
+                <a16:creationId xmlns:a16="http://schemas.microsoft.com/office/drawing/2014/main" id="{B3F48E60-F299-0345-9FC5-CE8EA013C8CA}"/>
+              </a:ext>
+            </a:extLst>
+          </p:cNvPr>
+          <p:cNvPicPr>
+            <a:picLocks noChangeAspect="1"/>
+          </p:cNvPicPr>
+          <p:nvPr/>
+        </p:nvPicPr>
+        <p:blipFill>
+          <a:blip r:embed="rId3"/>
+          <a:stretch>
+            <a:fillRect/>
+          </a:stretch>
+        </p:blipFill>
+        <p:spPr>
+          <a:xfrm>
+            <a:off x="7218094" y="145993"/>
+            <a:ext cx="1812615" cy="405353"/>
+          </a:xfrm>
+          <a:prstGeom prst="rect">
+            <a:avLst/>
+          </a:prstGeom>
+        </p:spPr>
+      </p:pic>
+    </p:spTree>
+  </p:cSld>
+  <p:clrMapOvr>
+    <a:masterClrMapping/>
+  </p:clrMapOvr>
+</p:sld>
+</file>
+
+<file path=ppt/slides/slide20.xml><?xml version="1.0" encoding="utf-8"?>
+<p:sld xmlns:a="http://schemas.openxmlformats.org/drawingml/2006/main" xmlns:r="http://schemas.openxmlformats.org/officeDocument/2006/relationships" xmlns:p="http://schemas.openxmlformats.org/presentationml/2006/main">
+  <p:cSld name="Slide 9">
+    <p:bg>
+      <p:bgPr>
+        <a:solidFill>
+          <a:srgbClr val="FFFFFF"/>
+        </a:solidFill>
+        <a:effectLst/>
+      </p:bgPr>
+    </p:bg>
+    <p:spTree>
+      <p:nvGrpSpPr>
+        <p:cNvPr id="1" name=""/>
+        <p:cNvGrpSpPr/>
+        <p:nvPr/>
+      </p:nvGrpSpPr>
+      <p:grpSpPr>
+        <a:xfrm>
+          <a:off x="0" y="0"/>
+          <a:ext cx="0" cy="0"/>
+          <a:chOff x="0" y="0"/>
+          <a:chExt cx="0" cy="0"/>
+        </a:xfrm>
+      </p:grpSpPr>
+      <p:sp>
+        <p:nvSpPr>
+          <p:cNvPr id="2" name="Shape 0"/>
+          <p:cNvSpPr/>
+          <p:nvPr/>
+        </p:nvSpPr>
+        <p:spPr>
+          <a:xfrm>
+            <a:off x="638176" y="711881"/>
+            <a:ext cx="0" cy="400050"/>
+          </a:xfrm>
+          <a:prstGeom prst="line">
+            <a:avLst/>
+          </a:prstGeom>
+          <a:noFill/>
+          <a:ln w="57150">
+            <a:solidFill>
+              <a:srgbClr val="1C3F6F"/>
+            </a:solidFill>
+            <a:prstDash val="solid"/>
+          </a:ln>
+        </p:spPr>
+        <p:txBody>
+          <a:bodyPr/>
+          <a:lstStyle/>
+          <a:p>
+            <a:endParaRPr lang="en-US"/>
+          </a:p>
+        </p:txBody>
+      </p:sp>
+      <p:sp>
+        <p:nvSpPr>
+          <p:cNvPr id="3" name="Text 1"/>
+          <p:cNvSpPr/>
+          <p:nvPr/>
+        </p:nvSpPr>
+        <p:spPr>
+          <a:xfrm>
+            <a:off x="743767" y="747714"/>
+            <a:ext cx="4061079" cy="400050"/>
+          </a:xfrm>
+          <a:prstGeom prst="rect">
+            <a:avLst/>
+          </a:prstGeom>
+          <a:noFill/>
+          <a:ln/>
+        </p:spPr>
+        <p:txBody>
+          <a:bodyPr wrap="square" lIns="0" tIns="0" rIns="0" bIns="0" rtlCol="0" anchor="t"/>
+          <a:lstStyle/>
+          <a:p>
+            <a:pPr marL="0" indent="0" algn="l">
+              <a:lnSpc>
+                <a:spcPts val="3150"/>
+              </a:lnSpc>
+              <a:buNone/>
+            </a:pPr>
+            <a:r>
+              <a:rPr lang="en-US" sz="3150" b="1" dirty="0">
                 <a:solidFill>
                   <a:srgbClr val="1C3F6F"/>
                 </a:solidFill>
@@ -6004,22 +6407,46 @@
                 <a:ea typeface="Arial" pitchFamily="34" charset="-122"/>
                 <a:cs typeface="Arial" pitchFamily="34" charset="-120"/>
               </a:rPr>
-              <a:t>Heterogeneity Across Trials</a:t>
-            </a:r>
-            <a:endParaRPr lang="en-US" sz="2100" dirty="0"/>
-          </a:p>
-        </p:txBody>
-      </p:sp>
-      <p:sp>
-        <p:nvSpPr>
-          <p:cNvPr id="5" name="Text 3"/>
+              <a:t>Conclusions</a:t>
+            </a:r>
+            <a:endParaRPr lang="en-US" sz="3150" dirty="0"/>
+          </a:p>
+        </p:txBody>
+      </p:sp>
+      <p:pic>
+        <p:nvPicPr>
+          <p:cNvPr id="4" name="Image 0" descr="/tmp/rasterized-gradient-1e5e8cbf.png"/>
+          <p:cNvPicPr>
+            <a:picLocks noChangeAspect="1"/>
+          </p:cNvPicPr>
+          <p:nvPr/>
+        </p:nvPicPr>
+        <p:blipFill>
+          <a:blip r:embed="rId3"/>
+          <a:stretch>
+            <a:fillRect/>
+          </a:stretch>
+        </p:blipFill>
+        <p:spPr>
+          <a:xfrm>
+            <a:off x="631372" y="1353911"/>
+            <a:ext cx="8191500" cy="2466975"/>
+          </a:xfrm>
+          <a:prstGeom prst="rect">
+            <a:avLst/>
+          </a:prstGeom>
+        </p:spPr>
+      </p:pic>
+      <p:sp>
+        <p:nvSpPr>
+          <p:cNvPr id="5" name="Text 2"/>
           <p:cNvSpPr/>
           <p:nvPr/>
         </p:nvSpPr>
         <p:spPr>
           <a:xfrm>
-            <a:off x="723900" y="1601242"/>
-            <a:ext cx="7943850" cy="1219200"/>
+            <a:off x="879022" y="1544411"/>
+            <a:ext cx="7908417" cy="600075"/>
           </a:xfrm>
           <a:prstGeom prst="rect">
             <a:avLst/>
@@ -6028,21 +6455,20 @@
           <a:ln/>
         </p:spPr>
         <p:txBody>
-          <a:bodyPr wrap="square" lIns="119063" tIns="0" rIns="0" bIns="0" rtlCol="0" anchor="t"/>
-          <a:lstStyle/>
-          <a:p>
-            <a:pPr marL="119063" indent="-119063" algn="l">
+          <a:bodyPr wrap="square" lIns="0" tIns="0" rIns="0" bIns="0" rtlCol="0" anchor="t"/>
+          <a:lstStyle/>
+          <a:p>
+            <a:pPr marL="0" indent="0" algn="l">
               <a:lnSpc>
-                <a:spcPts val="2100"/>
+                <a:spcPts val="2363"/>
               </a:lnSpc>
               <a:spcAft>
-                <a:spcPts val="900"/>
-              </a:spcAft>
-              <a:buSzPct val="100000"/>
-              <a:buChar char="•"/>
-            </a:pPr>
-            <a:r>
-              <a:rPr lang="en-US" sz="1350" dirty="0">
+                <a:spcPts val="1125"/>
+              </a:spcAft>
+              <a:buNone/>
+            </a:pPr>
+            <a:r>
+              <a:rPr lang="en-US" sz="1575" dirty="0">
                 <a:solidFill>
                   <a:srgbClr val="2C3E50"/>
                 </a:solidFill>
@@ -6050,23 +6476,44 @@
                 <a:ea typeface="Arial" pitchFamily="34" charset="-122"/>
                 <a:cs typeface="Arial" pitchFamily="34" charset="-120"/>
               </a:rPr>
-              <a:t>Different trials enroll systematically different populations</a:t>
-            </a:r>
-            <a:endParaRPr lang="en-US" sz="1350" dirty="0"/>
-          </a:p>
-          <a:p>
-            <a:pPr marL="119063" indent="-119063" algn="l">
+              <a:t>IPTW adapted for trial membership effectively balances baseline characteristics across heterogeneous trial populations in IPD meta-analysis.</a:t>
+            </a:r>
+            <a:endParaRPr lang="en-US" sz="1575" dirty="0"/>
+          </a:p>
+        </p:txBody>
+      </p:sp>
+      <p:sp>
+        <p:nvSpPr>
+          <p:cNvPr id="6" name="Text 3"/>
+          <p:cNvSpPr/>
+          <p:nvPr/>
+        </p:nvSpPr>
+        <p:spPr>
+          <a:xfrm>
+            <a:off x="879022" y="2287361"/>
+            <a:ext cx="7908417" cy="600075"/>
+          </a:xfrm>
+          <a:prstGeom prst="rect">
+            <a:avLst/>
+          </a:prstGeom>
+          <a:noFill/>
+          <a:ln/>
+        </p:spPr>
+        <p:txBody>
+          <a:bodyPr wrap="square" lIns="0" tIns="0" rIns="0" bIns="0" rtlCol="0" anchor="t"/>
+          <a:lstStyle/>
+          <a:p>
+            <a:pPr marL="0" indent="0" algn="l">
               <a:lnSpc>
-                <a:spcPts val="2100"/>
+                <a:spcPts val="2363"/>
               </a:lnSpc>
               <a:spcAft>
-                <a:spcPts val="900"/>
-              </a:spcAft>
-              <a:buSzPct val="100000"/>
-              <a:buChar char="•"/>
-            </a:pPr>
-            <a:r>
-              <a:rPr lang="en-US" sz="1350" dirty="0">
+                <a:spcPts val="1125"/>
+              </a:spcAft>
+              <a:buNone/>
+            </a:pPr>
+            <a:r>
+              <a:rPr lang="en-US" sz="1575" dirty="0">
                 <a:solidFill>
                   <a:srgbClr val="2C3E50"/>
                 </a:solidFill>
@@ -6074,23 +6521,41 @@
                 <a:ea typeface="Arial" pitchFamily="34" charset="-122"/>
                 <a:cs typeface="Arial" pitchFamily="34" charset="-120"/>
               </a:rPr>
-              <a:t>Varying inclusion criteria, geographic regions, recruitment periods</a:t>
-            </a:r>
-            <a:endParaRPr lang="en-US" sz="1350" dirty="0"/>
-          </a:p>
-          <a:p>
-            <a:pPr marL="119063" indent="-119063" algn="l">
+              <a:t>The method provides a principled approach to creating comparable control groups when trials enroll systematically different patient populations.</a:t>
+            </a:r>
+            <a:endParaRPr lang="en-US" sz="1575" dirty="0"/>
+          </a:p>
+        </p:txBody>
+      </p:sp>
+      <p:sp>
+        <p:nvSpPr>
+          <p:cNvPr id="7" name="Text 4"/>
+          <p:cNvSpPr/>
+          <p:nvPr/>
+        </p:nvSpPr>
+        <p:spPr>
+          <a:xfrm>
+            <a:off x="879022" y="3030311"/>
+            <a:ext cx="7908417" cy="600075"/>
+          </a:xfrm>
+          <a:prstGeom prst="rect">
+            <a:avLst/>
+          </a:prstGeom>
+          <a:noFill/>
+          <a:ln/>
+        </p:spPr>
+        <p:txBody>
+          <a:bodyPr wrap="square" lIns="0" tIns="0" rIns="0" bIns="0" rtlCol="0" anchor="t"/>
+          <a:lstStyle/>
+          <a:p>
+            <a:pPr marL="0" indent="0" algn="l">
               <a:lnSpc>
-                <a:spcPts val="2100"/>
+                <a:spcPts val="2363"/>
               </a:lnSpc>
-              <a:spcAft>
-                <a:spcPts val="900"/>
-              </a:spcAft>
-              <a:buSzPct val="100000"/>
-              <a:buChar char="•"/>
-            </a:pPr>
-            <a:r>
-              <a:rPr lang="en-US" sz="1350" dirty="0">
+              <a:buNone/>
+            </a:pPr>
+            <a:r>
+              <a:rPr lang="en-US" sz="1575" dirty="0">
                 <a:solidFill>
                   <a:srgbClr val="2C3E50"/>
                 </a:solidFill>
@@ -6098,22 +6563,54 @@
                 <a:ea typeface="Arial" pitchFamily="34" charset="-122"/>
                 <a:cs typeface="Arial" pitchFamily="34" charset="-120"/>
               </a:rPr>
-              <a:t>Pooling placebo arms creates imbalanced comparison groups</a:t>
-            </a:r>
-            <a:endParaRPr lang="en-US" sz="1350" dirty="0"/>
-          </a:p>
-        </p:txBody>
-      </p:sp>
-      <p:sp>
-        <p:nvSpPr>
-          <p:cNvPr id="6" name="Text 4"/>
+              <a:t>Careful monitoring of effective sample size and weight diagnostics is essential for practical implementation.</a:t>
+            </a:r>
+            <a:endParaRPr lang="en-US" sz="1575" dirty="0"/>
+          </a:p>
+        </p:txBody>
+      </p:sp>
+      <p:sp>
+        <p:nvSpPr>
+          <p:cNvPr id="8" name="Text 5"/>
           <p:cNvSpPr/>
           <p:nvPr/>
         </p:nvSpPr>
         <p:spPr>
           <a:xfrm>
-            <a:off x="723900" y="3106192"/>
-            <a:ext cx="8102727" cy="342900"/>
+            <a:off x="631372" y="4011386"/>
+            <a:ext cx="8191500" cy="950416"/>
+          </a:xfrm>
+          <a:prstGeom prst="roundRect">
+            <a:avLst>
+              <a:gd name="adj" fmla="val 8018"/>
+            </a:avLst>
+          </a:prstGeom>
+          <a:solidFill>
+            <a:srgbClr val="1C3F6F"/>
+          </a:solidFill>
+          <a:ln/>
+        </p:spPr>
+        <p:txBody>
+          <a:bodyPr wrap="square" rtlCol="0" anchor="ctr"/>
+          <a:lstStyle/>
+          <a:p>
+            <a:pPr marL="0" indent="0">
+              <a:buNone/>
+            </a:pPr>
+            <a:endParaRPr lang="en-US" dirty="0"/>
+          </a:p>
+        </p:txBody>
+      </p:sp>
+      <p:sp>
+        <p:nvSpPr>
+          <p:cNvPr id="9" name="Text 6"/>
+          <p:cNvSpPr/>
+          <p:nvPr/>
+        </p:nvSpPr>
+        <p:spPr>
+          <a:xfrm>
+            <a:off x="743767" y="4201886"/>
+            <a:ext cx="7966710" cy="569416"/>
           </a:xfrm>
           <a:prstGeom prst="rect">
             <a:avLst/>
@@ -6125,30 +6622,512 @@
           <a:bodyPr wrap="square" lIns="0" tIns="0" rIns="0" bIns="0" rtlCol="0" anchor="t"/>
           <a:lstStyle/>
           <a:p>
-            <a:pPr marL="0" indent="0" algn="l">
+            <a:pPr marL="0" indent="0" algn="ctr">
               <a:lnSpc>
-                <a:spcPts val="2700"/>
+                <a:spcPts val="2242"/>
               </a:lnSpc>
-              <a:spcBef>
-                <a:spcPts val="2250"/>
-              </a:spcBef>
-              <a:spcAft>
-                <a:spcPts val="1500"/>
-              </a:spcAft>
               <a:buNone/>
             </a:pPr>
             <a:r>
-              <a:rPr lang="en-US" sz="1800" b="1" dirty="0">
+              <a:rPr lang="en-US" sz="1725" b="1" dirty="0">
                 <a:solidFill>
-                  <a:srgbClr val="1C3F6F"/>
+                  <a:srgbClr val="FFFFFF"/>
                 </a:solidFill>
                 <a:latin typeface="Arial" pitchFamily="34" charset="0"/>
                 <a:ea typeface="Arial" pitchFamily="34" charset="-122"/>
                 <a:cs typeface="Arial" pitchFamily="34" charset="-120"/>
               </a:rPr>
-              <a:t>How do we balance baseline characteristics across trial arms?</a:t>
-            </a:r>
-            <a:endParaRPr lang="en-US" sz="1800" dirty="0"/>
+              <a:t>A valuable tool for IPD meta-analyses                                                               with baseline heterogeneity across trials</a:t>
+            </a:r>
+            <a:endParaRPr lang="en-US" sz="1725" dirty="0"/>
+          </a:p>
+        </p:txBody>
+      </p:sp>
+      <p:pic>
+        <p:nvPicPr>
+          <p:cNvPr id="10" name="Picture 9" descr="A blue and white logo&#10;&#10;AI-generated content may be incorrect.">
+            <a:extLst>
+              <a:ext uri="{FF2B5EF4-FFF2-40B4-BE49-F238E27FC236}">
+                <a16:creationId xmlns:a16="http://schemas.microsoft.com/office/drawing/2014/main" id="{8C618976-F566-6D36-D59D-1A441CBA04F7}"/>
+              </a:ext>
+            </a:extLst>
+          </p:cNvPr>
+          <p:cNvPicPr>
+            <a:picLocks noChangeAspect="1"/>
+          </p:cNvPicPr>
+          <p:nvPr/>
+        </p:nvPicPr>
+        <p:blipFill>
+          <a:blip r:embed="rId4"/>
+          <a:stretch>
+            <a:fillRect/>
+          </a:stretch>
+        </p:blipFill>
+        <p:spPr>
+          <a:xfrm>
+            <a:off x="7218094" y="145993"/>
+            <a:ext cx="1812615" cy="405353"/>
+          </a:xfrm>
+          <a:prstGeom prst="rect">
+            <a:avLst/>
+          </a:prstGeom>
+        </p:spPr>
+      </p:pic>
+    </p:spTree>
+  </p:cSld>
+  <p:clrMapOvr>
+    <a:masterClrMapping/>
+  </p:clrMapOvr>
+</p:sld>
+</file>
+
+<file path=ppt/slides/slide21.xml><?xml version="1.0" encoding="utf-8"?>
+<p:sld xmlns:a="http://schemas.openxmlformats.org/drawingml/2006/main" xmlns:r="http://schemas.openxmlformats.org/officeDocument/2006/relationships" xmlns:p="http://schemas.openxmlformats.org/presentationml/2006/main">
+  <p:cSld name="Slide 10">
+    <p:bg>
+      <p:bgPr>
+        <a:blipFill dpi="0" rotWithShape="1">
+          <a:blip r:embed="rId3">
+            <a:lum/>
+          </a:blip>
+          <a:srcRect/>
+          <a:stretch>
+            <a:fillRect/>
+          </a:stretch>
+        </a:blipFill>
+        <a:effectLst/>
+      </p:bgPr>
+    </p:bg>
+    <p:spTree>
+      <p:nvGrpSpPr>
+        <p:cNvPr id="1" name=""/>
+        <p:cNvGrpSpPr/>
+        <p:nvPr/>
+      </p:nvGrpSpPr>
+      <p:grpSpPr>
+        <a:xfrm>
+          <a:off x="0" y="0"/>
+          <a:ext cx="0" cy="0"/>
+          <a:chOff x="0" y="0"/>
+          <a:chExt cx="0" cy="0"/>
+        </a:xfrm>
+      </p:grpSpPr>
+      <p:sp>
+        <p:nvSpPr>
+          <p:cNvPr id="2" name="Text 0"/>
+          <p:cNvSpPr/>
+          <p:nvPr/>
+        </p:nvSpPr>
+        <p:spPr>
+          <a:xfrm>
+            <a:off x="3201965" y="468795"/>
+            <a:ext cx="2931797" cy="533400"/>
+          </a:xfrm>
+          <a:prstGeom prst="rect">
+            <a:avLst/>
+          </a:prstGeom>
+          <a:noFill/>
+          <a:ln/>
+        </p:spPr>
+        <p:txBody>
+          <a:bodyPr wrap="square" lIns="0" tIns="0" rIns="0" bIns="0" rtlCol="0" anchor="t"/>
+          <a:lstStyle/>
+          <a:p>
+            <a:pPr marL="0" indent="0" algn="ctr">
+              <a:lnSpc>
+                <a:spcPts val="4200"/>
+              </a:lnSpc>
+              <a:spcAft>
+                <a:spcPts val="3000"/>
+              </a:spcAft>
+              <a:buNone/>
+            </a:pPr>
+            <a:r>
+              <a:rPr lang="en-US" sz="4200" b="1" dirty="0">
+                <a:solidFill>
+                  <a:srgbClr val="FFFFFF"/>
+                </a:solidFill>
+                <a:latin typeface="Arial" pitchFamily="34" charset="0"/>
+                <a:ea typeface="Arial" pitchFamily="34" charset="-122"/>
+                <a:cs typeface="Arial" pitchFamily="34" charset="-120"/>
+              </a:rPr>
+              <a:t>Thank You!</a:t>
+            </a:r>
+            <a:endParaRPr lang="en-US" sz="4200" dirty="0"/>
+          </a:p>
+        </p:txBody>
+      </p:sp>
+      <p:sp>
+        <p:nvSpPr>
+          <p:cNvPr id="3" name="Text 1"/>
+          <p:cNvSpPr/>
+          <p:nvPr/>
+        </p:nvSpPr>
+        <p:spPr>
+          <a:xfrm>
+            <a:off x="2079520" y="1383195"/>
+            <a:ext cx="4984811" cy="346621"/>
+          </a:xfrm>
+          <a:prstGeom prst="rect">
+            <a:avLst/>
+          </a:prstGeom>
+          <a:noFill/>
+          <a:ln/>
+        </p:spPr>
+        <p:txBody>
+          <a:bodyPr wrap="square" lIns="0" tIns="0" rIns="0" bIns="0" rtlCol="0" anchor="t"/>
+          <a:lstStyle/>
+          <a:p>
+            <a:pPr marL="0" indent="0" algn="ctr">
+              <a:lnSpc>
+                <a:spcPts val="2730"/>
+              </a:lnSpc>
+              <a:spcBef>
+                <a:spcPts val="1125"/>
+              </a:spcBef>
+              <a:spcAft>
+                <a:spcPts val="1125"/>
+              </a:spcAft>
+              <a:buNone/>
+            </a:pPr>
+            <a:endParaRPr lang="en-US" sz="1950" dirty="0"/>
+          </a:p>
+        </p:txBody>
+      </p:sp>
+      <p:sp>
+        <p:nvSpPr>
+          <p:cNvPr id="4" name="Text 2"/>
+          <p:cNvSpPr/>
+          <p:nvPr/>
+        </p:nvSpPr>
+        <p:spPr>
+          <a:xfrm>
+            <a:off x="0" y="1483690"/>
+            <a:ext cx="9144000" cy="346621"/>
+          </a:xfrm>
+          <a:prstGeom prst="rect">
+            <a:avLst/>
+          </a:prstGeom>
+          <a:noFill/>
+          <a:ln/>
+        </p:spPr>
+        <p:txBody>
+          <a:bodyPr wrap="square" lIns="0" tIns="0" rIns="0" bIns="0" rtlCol="0" anchor="t"/>
+          <a:lstStyle/>
+          <a:p>
+            <a:pPr marL="0" indent="0" algn="ctr">
+              <a:lnSpc>
+                <a:spcPts val="2730"/>
+              </a:lnSpc>
+              <a:spcBef>
+                <a:spcPts val="1125"/>
+              </a:spcBef>
+              <a:spcAft>
+                <a:spcPts val="1125"/>
+              </a:spcAft>
+              <a:buNone/>
+            </a:pPr>
+            <a:r>
+              <a:rPr lang="en-US" sz="2500" dirty="0">
+                <a:solidFill>
+                  <a:srgbClr val="FFFFFF"/>
+                </a:solidFill>
+                <a:latin typeface="Arial" pitchFamily="34" charset="0"/>
+                <a:ea typeface="Arial" pitchFamily="34" charset="-122"/>
+                <a:cs typeface="Arial" pitchFamily="34" charset="-120"/>
+              </a:rPr>
+              <a:t>Code and supplementary materials available </a:t>
+            </a:r>
+          </a:p>
+          <a:p>
+            <a:pPr algn="ctr">
+              <a:lnSpc>
+                <a:spcPts val="2730"/>
+              </a:lnSpc>
+              <a:spcBef>
+                <a:spcPts val="1125"/>
+              </a:spcBef>
+              <a:spcAft>
+                <a:spcPts val="1125"/>
+              </a:spcAft>
+            </a:pPr>
+            <a:r>
+              <a:rPr lang="en-US" sz="2500" dirty="0">
+                <a:solidFill>
+                  <a:srgbClr val="FFFFFF"/>
+                </a:solidFill>
+                <a:latin typeface="Arial" pitchFamily="34" charset="0"/>
+                <a:cs typeface="Arial" pitchFamily="34" charset="-120"/>
+              </a:rPr>
+              <a:t>https://</a:t>
+            </a:r>
+            <a:r>
+              <a:rPr lang="en-US" sz="2500" dirty="0" err="1">
+                <a:solidFill>
+                  <a:srgbClr val="FFFFFF"/>
+                </a:solidFill>
+                <a:latin typeface="Arial" pitchFamily="34" charset="0"/>
+                <a:cs typeface="Arial" pitchFamily="34" charset="-120"/>
+              </a:rPr>
+              <a:t>github.com</a:t>
+            </a:r>
+            <a:r>
+              <a:rPr lang="en-US" sz="2500" dirty="0">
+                <a:solidFill>
+                  <a:srgbClr val="FFFFFF"/>
+                </a:solidFill>
+                <a:latin typeface="Arial" pitchFamily="34" charset="0"/>
+                <a:cs typeface="Arial" pitchFamily="34" charset="-120"/>
+              </a:rPr>
+              <a:t>/</a:t>
+            </a:r>
+            <a:r>
+              <a:rPr lang="en-US" sz="2500" dirty="0" err="1">
+                <a:solidFill>
+                  <a:srgbClr val="FFFFFF"/>
+                </a:solidFill>
+                <a:latin typeface="Arial" pitchFamily="34" charset="0"/>
+                <a:cs typeface="Arial" pitchFamily="34" charset="-120"/>
+              </a:rPr>
+              <a:t>dkarletsos</a:t>
+            </a:r>
+            <a:r>
+              <a:rPr lang="en-US" sz="2500" dirty="0">
+                <a:solidFill>
+                  <a:srgbClr val="FFFFFF"/>
+                </a:solidFill>
+                <a:latin typeface="Arial" pitchFamily="34" charset="0"/>
+                <a:cs typeface="Arial" pitchFamily="34" charset="-120"/>
+              </a:rPr>
+              <a:t>/</a:t>
+            </a:r>
+            <a:r>
+              <a:rPr lang="en-US" sz="2500" dirty="0" err="1">
+                <a:solidFill>
+                  <a:srgbClr val="FFFFFF"/>
+                </a:solidFill>
+                <a:latin typeface="Arial" pitchFamily="34" charset="0"/>
+                <a:cs typeface="Arial" pitchFamily="34" charset="-120"/>
+              </a:rPr>
+              <a:t>multigroup_iptw</a:t>
+            </a:r>
+            <a:endParaRPr lang="en-US" sz="500" dirty="0">
+              <a:solidFill>
+                <a:srgbClr val="FFFFFF"/>
+              </a:solidFill>
+              <a:latin typeface="Arial" pitchFamily="34" charset="0"/>
+              <a:cs typeface="Arial" pitchFamily="34" charset="-120"/>
+            </a:endParaRPr>
+          </a:p>
+          <a:p>
+            <a:pPr>
+              <a:lnSpc>
+                <a:spcPts val="2730"/>
+              </a:lnSpc>
+              <a:spcBef>
+                <a:spcPts val="1125"/>
+              </a:spcBef>
+              <a:spcAft>
+                <a:spcPts val="1125"/>
+              </a:spcAft>
+            </a:pPr>
+            <a:r>
+              <a:rPr lang="en-US" sz="2500" dirty="0">
+                <a:solidFill>
+                  <a:srgbClr val="FFFFFF"/>
+                </a:solidFill>
+                <a:latin typeface="Arial" pitchFamily="34" charset="0"/>
+                <a:cs typeface="Arial" pitchFamily="34" charset="-120"/>
+              </a:rPr>
+              <a:t>      </a:t>
+            </a:r>
+          </a:p>
+          <a:p>
+            <a:pPr>
+              <a:lnSpc>
+                <a:spcPts val="2730"/>
+              </a:lnSpc>
+              <a:spcBef>
+                <a:spcPts val="1125"/>
+              </a:spcBef>
+              <a:spcAft>
+                <a:spcPts val="1125"/>
+              </a:spcAft>
+            </a:pPr>
+            <a:endParaRPr lang="en-US" sz="1950" dirty="0">
+              <a:solidFill>
+                <a:srgbClr val="FFFFFF"/>
+              </a:solidFill>
+              <a:latin typeface="Arial" pitchFamily="34" charset="0"/>
+              <a:cs typeface="Arial" pitchFamily="34" charset="-120"/>
+            </a:endParaRPr>
+          </a:p>
+          <a:p>
+            <a:pPr>
+              <a:lnSpc>
+                <a:spcPts val="2730"/>
+              </a:lnSpc>
+              <a:spcBef>
+                <a:spcPts val="1125"/>
+              </a:spcBef>
+              <a:spcAft>
+                <a:spcPts val="1125"/>
+              </a:spcAft>
+            </a:pPr>
+            <a:endParaRPr lang="en-US" sz="1950" dirty="0">
+              <a:solidFill>
+                <a:srgbClr val="FFFFFF"/>
+              </a:solidFill>
+              <a:latin typeface="Arial" pitchFamily="34" charset="0"/>
+              <a:cs typeface="Arial" pitchFamily="34" charset="-120"/>
+            </a:endParaRPr>
+          </a:p>
+          <a:p>
+            <a:pPr algn="ctr">
+              <a:lnSpc>
+                <a:spcPts val="2730"/>
+              </a:lnSpc>
+              <a:spcBef>
+                <a:spcPts val="1125"/>
+              </a:spcBef>
+              <a:spcAft>
+                <a:spcPts val="1125"/>
+              </a:spcAft>
+            </a:pPr>
+            <a:endParaRPr lang="en-US" sz="1950" dirty="0"/>
+          </a:p>
+        </p:txBody>
+      </p:sp>
+      <p:sp>
+        <p:nvSpPr>
+          <p:cNvPr id="9" name="TextBox 8">
+            <a:extLst>
+              <a:ext uri="{FF2B5EF4-FFF2-40B4-BE49-F238E27FC236}">
+                <a16:creationId xmlns:a16="http://schemas.microsoft.com/office/drawing/2014/main" id="{841AA4EF-E91C-8D0F-F66B-8EC4E6ACA9D5}"/>
+              </a:ext>
+            </a:extLst>
+          </p:cNvPr>
+          <p:cNvSpPr txBox="1"/>
+          <p:nvPr/>
+        </p:nvSpPr>
+        <p:spPr>
+          <a:xfrm>
+            <a:off x="0" y="2954846"/>
+            <a:ext cx="9144000" cy="1900520"/>
+          </a:xfrm>
+          <a:prstGeom prst="rect">
+            <a:avLst/>
+          </a:prstGeom>
+          <a:noFill/>
+        </p:spPr>
+        <p:txBody>
+          <a:bodyPr wrap="square">
+            <a:spAutoFit/>
+          </a:bodyPr>
+          <a:lstStyle/>
+          <a:p>
+            <a:pPr>
+              <a:lnSpc>
+                <a:spcPts val="2730"/>
+              </a:lnSpc>
+              <a:spcBef>
+                <a:spcPts val="1125"/>
+              </a:spcBef>
+              <a:spcAft>
+                <a:spcPts val="1125"/>
+              </a:spcAft>
+            </a:pPr>
+            <a:r>
+              <a:rPr lang="en-US" sz="2500" dirty="0">
+                <a:solidFill>
+                  <a:srgbClr val="FFFFFF"/>
+                </a:solidFill>
+                <a:latin typeface="Arial" pitchFamily="34" charset="0"/>
+                <a:cs typeface="Arial" pitchFamily="34" charset="-120"/>
+              </a:rPr>
+              <a:t>Let’s stay connected: </a:t>
+            </a:r>
+          </a:p>
+          <a:p>
+            <a:pPr>
+              <a:lnSpc>
+                <a:spcPts val="2730"/>
+              </a:lnSpc>
+              <a:spcBef>
+                <a:spcPts val="1125"/>
+              </a:spcBef>
+            </a:pPr>
+            <a:r>
+              <a:rPr lang="en-US" sz="2500" dirty="0">
+                <a:solidFill>
+                  <a:srgbClr val="FFFFFF"/>
+                </a:solidFill>
+                <a:latin typeface="Arial" pitchFamily="34" charset="0"/>
+                <a:cs typeface="Arial" pitchFamily="34" charset="-120"/>
+              </a:rPr>
+              <a:t>	@LinkedIn: Dimitris Karletsos 	</a:t>
+            </a:r>
+          </a:p>
+          <a:p>
+            <a:pPr>
+              <a:lnSpc>
+                <a:spcPts val="2730"/>
+              </a:lnSpc>
+              <a:spcBef>
+                <a:spcPts val="1125"/>
+              </a:spcBef>
+            </a:pPr>
+            <a:r>
+              <a:rPr lang="en-US" sz="2500" dirty="0">
+                <a:solidFill>
+                  <a:srgbClr val="FFFFFF"/>
+                </a:solidFill>
+                <a:latin typeface="Arial" pitchFamily="34" charset="0"/>
+                <a:cs typeface="Arial" pitchFamily="34" charset="-120"/>
+              </a:rPr>
+              <a:t>	@email: </a:t>
+            </a:r>
+            <a:r>
+              <a:rPr lang="en-US" sz="2500" dirty="0" err="1">
+                <a:solidFill>
+                  <a:srgbClr val="FFFFFF"/>
+                </a:solidFill>
+                <a:latin typeface="Arial" pitchFamily="34" charset="0"/>
+                <a:cs typeface="Arial" pitchFamily="34" charset="-120"/>
+              </a:rPr>
+              <a:t>dimitris.karletsos@ext.elderbrooksolutions.com</a:t>
+            </a:r>
+            <a:r>
+              <a:rPr lang="en-US" sz="2500" dirty="0">
+                <a:solidFill>
+                  <a:srgbClr val="FFFFFF"/>
+                </a:solidFill>
+                <a:latin typeface="Arial" pitchFamily="34" charset="0"/>
+                <a:cs typeface="Arial" pitchFamily="34" charset="-120"/>
+              </a:rPr>
+              <a:t> 	@web: </a:t>
+            </a:r>
+            <a:r>
+              <a:rPr lang="en-US" sz="2500" dirty="0" err="1">
+                <a:solidFill>
+                  <a:srgbClr val="FFFFFF"/>
+                </a:solidFill>
+                <a:latin typeface="Arial" pitchFamily="34" charset="0"/>
+                <a:cs typeface="Arial" pitchFamily="34" charset="-120"/>
+              </a:rPr>
+              <a:t>www.elderbrook.de</a:t>
+            </a:r>
+            <a:r>
+              <a:rPr lang="en-US" sz="2500" dirty="0">
+                <a:solidFill>
+                  <a:srgbClr val="FFFFFF"/>
+                </a:solidFill>
+                <a:latin typeface="Arial" pitchFamily="34" charset="0"/>
+                <a:cs typeface="Arial" pitchFamily="34" charset="-120"/>
+              </a:rPr>
+              <a:t>	</a:t>
+            </a:r>
+            <a:endParaRPr lang="en-US" sz="2500" dirty="0"/>
           </a:p>
         </p:txBody>
       </p:sp>
@@ -6186,7 +7165,7 @@
         <p:spPr>
           <a:xfrm>
             <a:off x="640080" y="594360"/>
-            <a:ext cx="7589520" cy="731520"/>
+            <a:ext cx="4618572" cy="646331"/>
           </a:xfrm>
           <a:prstGeom prst="rect">
             <a:avLst/>
@@ -6207,20 +7186,133 @@
               </a:defRPr>
             </a:pPr>
             <a:r>
-              <a:t>Traditional Approaches vs. Our Method</a:t>
-            </a:r>
-          </a:p>
-        </p:txBody>
-      </p:sp>
-      <p:sp>
-        <p:nvSpPr>
-          <p:cNvPr id="3" name="Rectangle 2"/>
+              <a:rPr dirty="0"/>
+              <a:t>Traditional Approaches</a:t>
+            </a:r>
+          </a:p>
+        </p:txBody>
+      </p:sp>
+      <p:sp>
+        <p:nvSpPr>
+          <p:cNvPr id="4" name="TextBox 3"/>
+          <p:cNvSpPr txBox="1"/>
+          <p:nvPr/>
+        </p:nvSpPr>
+        <p:spPr>
+          <a:xfrm>
+            <a:off x="640080" y="1640651"/>
+            <a:ext cx="7589520" cy="1384995"/>
+          </a:xfrm>
+          <a:prstGeom prst="rect">
+            <a:avLst/>
+          </a:prstGeom>
+          <a:noFill/>
+        </p:spPr>
+        <p:txBody>
+          <a:bodyPr wrap="square">
+            <a:spAutoFit/>
+          </a:bodyPr>
+          <a:lstStyle/>
+          <a:p>
+            <a:pPr>
+              <a:spcBef>
+                <a:spcPts val="600"/>
+              </a:spcBef>
+              <a:spcAft>
+                <a:spcPts val="1200"/>
+              </a:spcAft>
+              <a:defRPr sz="1800"/>
+            </a:pPr>
+            <a:r>
+              <a:rPr dirty="0"/>
+              <a:t>Traditional IPTW: Models treatment propensity (P(</a:t>
+            </a:r>
+            <a:r>
+              <a:rPr dirty="0" err="1"/>
+              <a:t>Treatment|X</a:t>
+            </a:r>
+            <a:r>
+              <a:rPr dirty="0"/>
+              <a:t>))</a:t>
+            </a:r>
+          </a:p>
+          <a:p>
+            <a:pPr>
+              <a:spcBef>
+                <a:spcPts val="600"/>
+              </a:spcBef>
+              <a:spcAft>
+                <a:spcPts val="1200"/>
+              </a:spcAft>
+              <a:defRPr sz="1800"/>
+            </a:pPr>
+            <a:r>
+              <a:rPr dirty="0"/>
+              <a:t>  • ATE: Average Treatment Effect across entire population</a:t>
+            </a:r>
+          </a:p>
+          <a:p>
+            <a:pPr>
+              <a:spcBef>
+                <a:spcPts val="600"/>
+              </a:spcBef>
+              <a:spcAft>
+                <a:spcPts val="1200"/>
+              </a:spcAft>
+              <a:defRPr sz="1800"/>
+            </a:pPr>
+            <a:r>
+              <a:rPr dirty="0"/>
+              <a:t>  • ATT: Average Treatment effect on the Treated</a:t>
+            </a:r>
+          </a:p>
+        </p:txBody>
+      </p:sp>
+      <p:pic>
+        <p:nvPicPr>
+          <p:cNvPr id="5" name="Picture 4" descr="A blue and white logo&#10;&#10;AI-generated content may be incorrect.">
+            <a:extLst>
+              <a:ext uri="{FF2B5EF4-FFF2-40B4-BE49-F238E27FC236}">
+                <a16:creationId xmlns:a16="http://schemas.microsoft.com/office/drawing/2014/main" id="{B8158DDF-B771-82CB-955A-84DCE4F2FEE6}"/>
+              </a:ext>
+            </a:extLst>
+          </p:cNvPr>
+          <p:cNvPicPr>
+            <a:picLocks noChangeAspect="1"/>
+          </p:cNvPicPr>
+          <p:nvPr/>
+        </p:nvPicPr>
+        <p:blipFill>
+          <a:blip r:embed="rId2"/>
+          <a:stretch>
+            <a:fillRect/>
+          </a:stretch>
+        </p:blipFill>
+        <p:spPr>
+          <a:xfrm>
+            <a:off x="7218094" y="145993"/>
+            <a:ext cx="1812615" cy="405353"/>
+          </a:xfrm>
+          <a:prstGeom prst="rect">
+            <a:avLst/>
+          </a:prstGeom>
+        </p:spPr>
+      </p:pic>
+      <p:sp>
+        <p:nvSpPr>
+          <p:cNvPr id="6" name="Rectangle 5">
+            <a:extLst>
+              <a:ext uri="{FF2B5EF4-FFF2-40B4-BE49-F238E27FC236}">
+                <a16:creationId xmlns:a16="http://schemas.microsoft.com/office/drawing/2014/main" id="{5D9F7138-E98F-E94F-8496-E1B59B26881A}"/>
+              </a:ext>
+            </a:extLst>
+          </p:cNvPr>
           <p:cNvSpPr/>
           <p:nvPr/>
         </p:nvSpPr>
         <p:spPr>
           <a:xfrm>
-            <a:off x="640080" y="1371600"/>
+            <a:off x="640080" y="718458"/>
             <a:ext cx="0" cy="457200"/>
           </a:xfrm>
           <a:prstGeom prst="rect">
@@ -6252,135 +7344,6 @@
           <a:p>
             <a:pPr algn="ctr"/>
             <a:endParaRPr/>
-          </a:p>
-        </p:txBody>
-      </p:sp>
-      <p:sp>
-        <p:nvSpPr>
-          <p:cNvPr id="4" name="TextBox 3"/>
-          <p:cNvSpPr txBox="1"/>
-          <p:nvPr/>
-        </p:nvSpPr>
-        <p:spPr>
-          <a:xfrm>
-            <a:off x="640080" y="2011680"/>
-            <a:ext cx="7589520" cy="2908489"/>
-          </a:xfrm>
-          <a:prstGeom prst="rect">
-            <a:avLst/>
-          </a:prstGeom>
-          <a:noFill/>
-        </p:spPr>
-        <p:txBody>
-          <a:bodyPr wrap="square">
-            <a:spAutoFit/>
-          </a:bodyPr>
-          <a:lstStyle/>
-          <a:p>
-            <a:pPr>
-              <a:spcBef>
-                <a:spcPts val="600"/>
-              </a:spcBef>
-              <a:spcAft>
-                <a:spcPts val="1200"/>
-              </a:spcAft>
-              <a:defRPr sz="1800"/>
-            </a:pPr>
-            <a:r>
-              <a:rPr dirty="0"/>
-              <a:t>Traditional IPTW: Models treatment propensity (P(</a:t>
-            </a:r>
-            <a:r>
-              <a:rPr dirty="0" err="1"/>
-              <a:t>Treatment|X</a:t>
-            </a:r>
-            <a:r>
-              <a:rPr dirty="0"/>
-              <a:t>))</a:t>
-            </a:r>
-          </a:p>
-          <a:p>
-            <a:pPr>
-              <a:spcBef>
-                <a:spcPts val="600"/>
-              </a:spcBef>
-              <a:spcAft>
-                <a:spcPts val="1200"/>
-              </a:spcAft>
-              <a:defRPr sz="1800"/>
-            </a:pPr>
-            <a:r>
-              <a:rPr dirty="0"/>
-              <a:t>  • ATE: Average Treatment Effect across entire population</a:t>
-            </a:r>
-          </a:p>
-          <a:p>
-            <a:pPr>
-              <a:spcBef>
-                <a:spcPts val="600"/>
-              </a:spcBef>
-              <a:spcAft>
-                <a:spcPts val="1200"/>
-              </a:spcAft>
-              <a:defRPr sz="1800"/>
-            </a:pPr>
-            <a:r>
-              <a:rPr dirty="0"/>
-              <a:t>  • ATT: Average Treatment effect on the Treated</a:t>
-            </a:r>
-          </a:p>
-          <a:p>
-            <a:pPr>
-              <a:spcBef>
-                <a:spcPts val="600"/>
-              </a:spcBef>
-              <a:spcAft>
-                <a:spcPts val="1200"/>
-              </a:spcAft>
-              <a:defRPr sz="1800"/>
-            </a:pPr>
-            <a:r>
-              <a:rPr dirty="0"/>
-              <a:t>Our Adaptation: Models trial membership propensity (P(</a:t>
-            </a:r>
-            <a:r>
-              <a:rPr dirty="0" err="1"/>
-              <a:t>Trial|X</a:t>
-            </a:r>
-            <a:r>
-              <a:rPr dirty="0"/>
-              <a:t>))</a:t>
-            </a:r>
-          </a:p>
-          <a:p>
-            <a:pPr>
-              <a:spcBef>
-                <a:spcPts val="600"/>
-              </a:spcBef>
-              <a:spcAft>
-                <a:spcPts val="1200"/>
-              </a:spcAft>
-              <a:defRPr sz="1800"/>
-            </a:pPr>
-            <a:r>
-              <a:rPr dirty="0"/>
-              <a:t>  • Goal: Balance baseline characteristics across trial placebo arms</a:t>
-            </a:r>
-          </a:p>
-          <a:p>
-            <a:pPr>
-              <a:spcBef>
-                <a:spcPts val="600"/>
-              </a:spcBef>
-              <a:spcAft>
-                <a:spcPts val="1200"/>
-              </a:spcAft>
-              <a:defRPr sz="1800"/>
-            </a:pPr>
-            <a:r>
-              <a:rPr dirty="0"/>
-              <a:t>  • Creates comparable control groups when pooling heterogeneous trials</a:t>
-            </a:r>
           </a:p>
         </p:txBody>
       </p:sp>
@@ -6452,7 +7415,7 @@
         </p:nvSpPr>
         <p:spPr>
           <a:xfrm>
-            <a:off x="640080" y="1371600"/>
+            <a:off x="640080" y="718458"/>
             <a:ext cx="0" cy="457200"/>
           </a:xfrm>
           <a:prstGeom prst="rect">
@@ -6545,7 +7508,15 @@
             </a:pPr>
             <a:r>
               <a:rPr dirty="0"/>
-              <a:t>    Weight for treated (T=1):     w₁ = 1 / e(X)</a:t>
+              <a:t>    Weight for </a:t>
+            </a:r>
+            <a:r>
+              <a:rPr lang="en-GB" dirty="0"/>
+              <a:t>reference</a:t>
+            </a:r>
+            <a:r>
+              <a:rPr dirty="0"/>
+              <a:t> (T=1):     w₁ = 1 / e(X)</a:t>
             </a:r>
           </a:p>
           <a:p>
@@ -6557,7 +7528,15 @@
             </a:pPr>
             <a:r>
               <a:rPr dirty="0"/>
-              <a:t>    Weight for control (T=0):     w₀ = 1 / (1 - e(X))</a:t>
+              <a:t>    Weight for </a:t>
+            </a:r>
+            <a:r>
+              <a:rPr lang="en-GB" dirty="0"/>
+              <a:t>comparator</a:t>
+            </a:r>
+            <a:r>
+              <a:rPr dirty="0"/>
+              <a:t> (T=0):     w₀ = 1 / (1 - e(X))</a:t>
             </a:r>
           </a:p>
           <a:p>
@@ -6570,11 +7549,57 @@
             </a:pPr>
             <a:r>
               <a:rPr dirty="0"/>
-              <a:t>where T = 1 indicates treatment, T = 0 indicates control, and X represents baseline covariates</a:t>
-            </a:r>
-          </a:p>
-        </p:txBody>
-      </p:sp>
+              <a:t>where T = 1 indicates </a:t>
+            </a:r>
+            <a:r>
+              <a:rPr lang="en-GB" dirty="0"/>
+              <a:t>reference trial</a:t>
+            </a:r>
+            <a:r>
+              <a:rPr dirty="0"/>
+              <a:t>, T = 0 indicates </a:t>
+            </a:r>
+            <a:r>
+              <a:rPr lang="en-GB" dirty="0"/>
+              <a:t>comparator</a:t>
+            </a:r>
+            <a:r>
+              <a:rPr dirty="0"/>
+              <a:t>, and X represents baseline covariates</a:t>
+            </a:r>
+          </a:p>
+        </p:txBody>
+      </p:sp>
+      <p:pic>
+        <p:nvPicPr>
+          <p:cNvPr id="5" name="Picture 4" descr="A blue and white logo&#10;&#10;AI-generated content may be incorrect.">
+            <a:extLst>
+              <a:ext uri="{FF2B5EF4-FFF2-40B4-BE49-F238E27FC236}">
+                <a16:creationId xmlns:a16="http://schemas.microsoft.com/office/drawing/2014/main" id="{9DA71E1F-4397-DAA5-855A-D72C10A309BF}"/>
+              </a:ext>
+            </a:extLst>
+          </p:cNvPr>
+          <p:cNvPicPr>
+            <a:picLocks noChangeAspect="1"/>
+          </p:cNvPicPr>
+          <p:nvPr/>
+        </p:nvPicPr>
+        <p:blipFill>
+          <a:blip r:embed="rId2"/>
+          <a:stretch>
+            <a:fillRect/>
+          </a:stretch>
+        </p:blipFill>
+        <p:spPr>
+          <a:xfrm>
+            <a:off x="7218094" y="145993"/>
+            <a:ext cx="1812615" cy="405353"/>
+          </a:xfrm>
+          <a:prstGeom prst="rect">
+            <a:avLst/>
+          </a:prstGeom>
+        </p:spPr>
+      </p:pic>
     </p:spTree>
   </p:cSld>
   <p:clrMapOvr>
@@ -6649,10 +7674,166 @@
       </p:sp>
       <p:sp>
         <p:nvSpPr>
-          <p:cNvPr id="3" name="Rectangle 2">
+          <p:cNvPr id="4" name="TextBox 3">
             <a:extLst>
               <a:ext uri="{FF2B5EF4-FFF2-40B4-BE49-F238E27FC236}">
-                <a16:creationId xmlns:a16="http://schemas.microsoft.com/office/drawing/2014/main" id="{C44D8283-7AEE-DE85-4C19-4E9C617DC4A8}"/>
+                <a16:creationId xmlns:a16="http://schemas.microsoft.com/office/drawing/2014/main" id="{0A2B76CD-2A64-9BA7-F3CD-ACE814C4AC27}"/>
+              </a:ext>
+            </a:extLst>
+          </p:cNvPr>
+          <p:cNvSpPr txBox="1"/>
+          <p:nvPr/>
+        </p:nvSpPr>
+        <p:spPr>
+          <a:xfrm>
+            <a:off x="640080" y="2011680"/>
+            <a:ext cx="7589520" cy="2405787"/>
+          </a:xfrm>
+          <a:prstGeom prst="rect">
+            <a:avLst/>
+          </a:prstGeom>
+          <a:noFill/>
+        </p:spPr>
+        <p:txBody>
+          <a:bodyPr wrap="square">
+            <a:spAutoFit/>
+          </a:bodyPr>
+          <a:lstStyle/>
+          <a:p>
+            <a:pPr>
+              <a:spcAft>
+                <a:spcPts val="2000"/>
+              </a:spcAft>
+              <a:defRPr sz="2000" b="1"/>
+            </a:pPr>
+            <a:r>
+              <a:rPr dirty="0"/>
+              <a:t>Propensity Score: e(X) = P(T = 1 | X)</a:t>
+            </a:r>
+          </a:p>
+          <a:p>
+            <a:pPr>
+              <a:spcAft>
+                <a:spcPts val="1500"/>
+              </a:spcAft>
+              <a:defRPr sz="2200" b="1">
+                <a:solidFill>
+                  <a:srgbClr val="C0392B"/>
+                </a:solidFill>
+              </a:defRPr>
+            </a:pPr>
+            <a:r>
+              <a:rPr dirty="0"/>
+              <a:t>Average Treatment Effect on the Treated (ATT):</a:t>
+            </a:r>
+          </a:p>
+          <a:p>
+            <a:pPr>
+              <a:spcAft>
+                <a:spcPts val="1000"/>
+              </a:spcAft>
+              <a:defRPr sz="1800"/>
+            </a:pPr>
+            <a:r>
+              <a:rPr dirty="0"/>
+              <a:t>    Weight for </a:t>
+            </a:r>
+            <a:r>
+              <a:rPr lang="en-GB" dirty="0"/>
+              <a:t>reference</a:t>
+            </a:r>
+            <a:r>
+              <a:rPr dirty="0"/>
+              <a:t> (T=1):     w₁ = 1</a:t>
+            </a:r>
+          </a:p>
+          <a:p>
+            <a:pPr>
+              <a:spcAft>
+                <a:spcPts val="2500"/>
+              </a:spcAft>
+              <a:defRPr sz="1800"/>
+            </a:pPr>
+            <a:r>
+              <a:rPr dirty="0"/>
+              <a:t>    Weight for </a:t>
+            </a:r>
+            <a:r>
+              <a:rPr lang="en-GB" dirty="0"/>
+              <a:t>comparator</a:t>
+            </a:r>
+            <a:r>
+              <a:rPr dirty="0"/>
+              <a:t> (T=0):     w₀ = e(X) / (1 - e(X))</a:t>
+            </a:r>
+          </a:p>
+          <a:p>
+            <a:pPr>
+              <a:defRPr sz="1400" i="1">
+                <a:solidFill>
+                  <a:srgbClr val="646464"/>
+                </a:solidFill>
+              </a:defRPr>
+            </a:pPr>
+            <a:r>
+              <a:rPr dirty="0"/>
+              <a:t>where T = 1 indicates </a:t>
+            </a:r>
+            <a:r>
+              <a:rPr lang="en-GB" dirty="0"/>
+              <a:t>reference trial</a:t>
+            </a:r>
+            <a:r>
+              <a:rPr dirty="0"/>
+              <a:t>, T = 0 indicates </a:t>
+            </a:r>
+            <a:r>
+              <a:rPr lang="en-GB" dirty="0"/>
+              <a:t>comparator</a:t>
+            </a:r>
+            <a:r>
+              <a:rPr dirty="0"/>
+              <a:t>, and X represents baseline covariates</a:t>
+            </a:r>
+          </a:p>
+        </p:txBody>
+      </p:sp>
+      <p:pic>
+        <p:nvPicPr>
+          <p:cNvPr id="5" name="Picture 4" descr="A blue and white logo&#10;&#10;AI-generated content may be incorrect.">
+            <a:extLst>
+              <a:ext uri="{FF2B5EF4-FFF2-40B4-BE49-F238E27FC236}">
+                <a16:creationId xmlns:a16="http://schemas.microsoft.com/office/drawing/2014/main" id="{B7716223-ADEA-8D86-45AB-779889A86689}"/>
+              </a:ext>
+            </a:extLst>
+          </p:cNvPr>
+          <p:cNvPicPr>
+            <a:picLocks noChangeAspect="1"/>
+          </p:cNvPicPr>
+          <p:nvPr/>
+        </p:nvPicPr>
+        <p:blipFill>
+          <a:blip r:embed="rId2"/>
+          <a:stretch>
+            <a:fillRect/>
+          </a:stretch>
+        </p:blipFill>
+        <p:spPr>
+          <a:xfrm>
+            <a:off x="7218094" y="145993"/>
+            <a:ext cx="1812615" cy="405353"/>
+          </a:xfrm>
+          <a:prstGeom prst="rect">
+            <a:avLst/>
+          </a:prstGeom>
+        </p:spPr>
+      </p:pic>
+      <p:sp>
+        <p:nvSpPr>
+          <p:cNvPr id="6" name="Rectangle 5">
+            <a:extLst>
+              <a:ext uri="{FF2B5EF4-FFF2-40B4-BE49-F238E27FC236}">
+                <a16:creationId xmlns:a16="http://schemas.microsoft.com/office/drawing/2014/main" id="{C67C3F91-D3F1-9528-03E5-A3BEB9B8B702}"/>
               </a:ext>
             </a:extLst>
           </p:cNvPr>
@@ -6661,7 +7842,7 @@
         </p:nvSpPr>
         <p:spPr>
           <a:xfrm>
-            <a:off x="640080" y="1371600"/>
+            <a:off x="640080" y="718458"/>
             <a:ext cx="0" cy="457200"/>
           </a:xfrm>
           <a:prstGeom prst="rect">
@@ -6693,100 +7874,6 @@
           <a:p>
             <a:pPr algn="ctr"/>
             <a:endParaRPr/>
-          </a:p>
-        </p:txBody>
-      </p:sp>
-      <p:sp>
-        <p:nvSpPr>
-          <p:cNvPr id="4" name="TextBox 3">
-            <a:extLst>
-              <a:ext uri="{FF2B5EF4-FFF2-40B4-BE49-F238E27FC236}">
-                <a16:creationId xmlns:a16="http://schemas.microsoft.com/office/drawing/2014/main" id="{0A2B76CD-2A64-9BA7-F3CD-ACE814C4AC27}"/>
-              </a:ext>
-            </a:extLst>
-          </p:cNvPr>
-          <p:cNvSpPr txBox="1"/>
-          <p:nvPr/>
-        </p:nvSpPr>
-        <p:spPr>
-          <a:xfrm>
-            <a:off x="640080" y="2011680"/>
-            <a:ext cx="7589520" cy="2405787"/>
-          </a:xfrm>
-          <a:prstGeom prst="rect">
-            <a:avLst/>
-          </a:prstGeom>
-          <a:noFill/>
-        </p:spPr>
-        <p:txBody>
-          <a:bodyPr wrap="square">
-            <a:spAutoFit/>
-          </a:bodyPr>
-          <a:lstStyle/>
-          <a:p>
-            <a:pPr>
-              <a:spcAft>
-                <a:spcPts val="2000"/>
-              </a:spcAft>
-              <a:defRPr sz="2000" b="1"/>
-            </a:pPr>
-            <a:r>
-              <a:rPr dirty="0"/>
-              <a:t>Propensity Score: e(X) = P(T = 1 | X)</a:t>
-            </a:r>
-          </a:p>
-          <a:p>
-            <a:pPr>
-              <a:spcAft>
-                <a:spcPts val="1500"/>
-              </a:spcAft>
-              <a:defRPr sz="2200" b="1">
-                <a:solidFill>
-                  <a:srgbClr val="C0392B"/>
-                </a:solidFill>
-              </a:defRPr>
-            </a:pPr>
-            <a:r>
-              <a:rPr dirty="0"/>
-              <a:t>Average Treatment Effect on the Treated (ATT):</a:t>
-            </a:r>
-          </a:p>
-          <a:p>
-            <a:pPr>
-              <a:spcAft>
-                <a:spcPts val="1000"/>
-              </a:spcAft>
-              <a:defRPr sz="1800"/>
-            </a:pPr>
-            <a:r>
-              <a:rPr dirty="0"/>
-              <a:t>    Weight for treated (T=1):     w₁ = 1</a:t>
-            </a:r>
-          </a:p>
-          <a:p>
-            <a:pPr>
-              <a:spcAft>
-                <a:spcPts val="2500"/>
-              </a:spcAft>
-              <a:defRPr sz="1800"/>
-            </a:pPr>
-            <a:r>
-              <a:rPr dirty="0"/>
-              <a:t>    Weight for control (T=0):     w₀ = e(X) / (1 - e(X))</a:t>
-            </a:r>
-          </a:p>
-          <a:p>
-            <a:pPr>
-              <a:defRPr sz="1400" i="1">
-                <a:solidFill>
-                  <a:srgbClr val="646464"/>
-                </a:solidFill>
-              </a:defRPr>
-            </a:pPr>
-            <a:r>
-              <a:rPr dirty="0"/>
-              <a:t>where T = 1 indicates treatment, T = 0 indicates control, and X represents baseline covariates</a:t>
-            </a:r>
           </a:p>
         </p:txBody>
       </p:sp>
@@ -6830,44 +7917,14 @@
       </p:grpSpPr>
       <p:sp>
         <p:nvSpPr>
-          <p:cNvPr id="2" name="Shape 0"/>
-          <p:cNvSpPr/>
-          <p:nvPr/>
-        </p:nvSpPr>
-        <p:spPr>
-          <a:xfrm>
-            <a:off x="504825" y="476250"/>
-            <a:ext cx="0" cy="400050"/>
-          </a:xfrm>
-          <a:prstGeom prst="line">
-            <a:avLst/>
-          </a:prstGeom>
-          <a:noFill/>
-          <a:ln w="57150">
-            <a:solidFill>
-              <a:srgbClr val="E74C3C"/>
-            </a:solidFill>
-            <a:prstDash val="solid"/>
-          </a:ln>
-        </p:spPr>
-        <p:txBody>
-          <a:bodyPr/>
-          <a:lstStyle/>
-          <a:p>
-            <a:endParaRPr lang="en-US"/>
-          </a:p>
-        </p:txBody>
-      </p:sp>
-      <p:sp>
-        <p:nvSpPr>
           <p:cNvPr id="3" name="Text 1"/>
           <p:cNvSpPr/>
           <p:nvPr/>
         </p:nvSpPr>
         <p:spPr>
           <a:xfrm>
-            <a:off x="723900" y="476250"/>
-            <a:ext cx="4061079" cy="400050"/>
+            <a:off x="752474" y="751114"/>
+            <a:ext cx="5354401" cy="400050"/>
           </a:xfrm>
           <a:prstGeom prst="rect">
             <a:avLst/>
@@ -6894,7 +7951,7 @@
                 <a:ea typeface="Arial" pitchFamily="34" charset="-122"/>
                 <a:cs typeface="Arial" pitchFamily="34" charset="-120"/>
               </a:rPr>
-              <a:t>Our Approach</a:t>
+              <a:t>Multiple Trials Adaptation</a:t>
             </a:r>
             <a:endParaRPr lang="en-US" sz="3150" dirty="0"/>
           </a:p>
@@ -6916,7 +7973,7 @@
         </p:blipFill>
         <p:spPr>
           <a:xfrm>
-            <a:off x="476250" y="1162050"/>
+            <a:off x="615043" y="1635576"/>
             <a:ext cx="8191500" cy="1169491"/>
           </a:xfrm>
           <a:prstGeom prst="rect">
@@ -6932,8 +7989,8 @@
         </p:nvSpPr>
         <p:spPr>
           <a:xfrm>
-            <a:off x="752475" y="1400175"/>
-            <a:ext cx="7830693" cy="693241"/>
+            <a:off x="891268" y="1873701"/>
+            <a:ext cx="7126061" cy="693241"/>
           </a:xfrm>
           <a:prstGeom prst="rect">
             <a:avLst/>
@@ -6982,184 +8039,139 @@
                 <a:ea typeface="Arial" pitchFamily="34" charset="-122"/>
                 <a:cs typeface="Arial" pitchFamily="34" charset="-120"/>
               </a:rPr>
-              <a:t> propensity instead of treatment propensity</a:t>
+              <a:t> propensity in the presence of multiple pooled trials</a:t>
             </a:r>
             <a:endParaRPr lang="en-US" sz="1950" dirty="0"/>
           </a:p>
         </p:txBody>
       </p:sp>
-      <p:sp>
-        <p:nvSpPr>
-          <p:cNvPr id="6" name="Text 3"/>
-          <p:cNvSpPr/>
-          <p:nvPr/>
-        </p:nvSpPr>
-        <p:spPr>
-          <a:xfrm>
-            <a:off x="476250" y="2617291"/>
-            <a:ext cx="8191500" cy="1219200"/>
+      <p:pic>
+        <p:nvPicPr>
+          <p:cNvPr id="7" name="Picture 6" descr="A blue and white logo&#10;&#10;AI-generated content may be incorrect.">
+            <a:extLst>
+              <a:ext uri="{FF2B5EF4-FFF2-40B4-BE49-F238E27FC236}">
+                <a16:creationId xmlns:a16="http://schemas.microsoft.com/office/drawing/2014/main" id="{D7836DFD-76E0-F198-3AC8-DCD605723643}"/>
+              </a:ext>
+            </a:extLst>
+          </p:cNvPr>
+          <p:cNvPicPr>
+            <a:picLocks noChangeAspect="1"/>
+          </p:cNvPicPr>
+          <p:nvPr/>
+        </p:nvPicPr>
+        <p:blipFill>
+          <a:blip r:embed="rId4"/>
+          <a:stretch>
+            <a:fillRect/>
+          </a:stretch>
+        </p:blipFill>
+        <p:spPr>
+          <a:xfrm>
+            <a:off x="7218094" y="145993"/>
+            <a:ext cx="1812615" cy="405353"/>
+          </a:xfrm>
+          <a:prstGeom prst="rect">
+            <a:avLst/>
+          </a:prstGeom>
+        </p:spPr>
+      </p:pic>
+      <p:sp>
+        <p:nvSpPr>
+          <p:cNvPr id="9" name="TextBox 8">
+            <a:extLst>
+              <a:ext uri="{FF2B5EF4-FFF2-40B4-BE49-F238E27FC236}">
+                <a16:creationId xmlns:a16="http://schemas.microsoft.com/office/drawing/2014/main" id="{AFA33815-A622-1B35-E868-FB13E7506F52}"/>
+              </a:ext>
+            </a:extLst>
+          </p:cNvPr>
+          <p:cNvSpPr txBox="1"/>
+          <p:nvPr/>
+        </p:nvSpPr>
+        <p:spPr>
+          <a:xfrm>
+            <a:off x="476250" y="2976518"/>
+            <a:ext cx="8006443" cy="1384995"/>
           </a:xfrm>
           <a:prstGeom prst="rect">
             <a:avLst/>
           </a:prstGeom>
           <a:noFill/>
-          <a:ln/>
-        </p:spPr>
-        <p:txBody>
-          <a:bodyPr wrap="square" lIns="119063" tIns="0" rIns="0" bIns="0" rtlCol="0" anchor="t"/>
-          <a:lstStyle/>
-          <a:p>
-            <a:pPr marL="119063" indent="-119063" algn="l">
-              <a:lnSpc>
-                <a:spcPts val="2100"/>
-              </a:lnSpc>
-              <a:spcAft>
-                <a:spcPts val="900"/>
-              </a:spcAft>
-              <a:buSzPct val="100000"/>
-              <a:buChar char="•"/>
-            </a:pPr>
-            <a:r>
-              <a:rPr lang="en-US" dirty="0">
-                <a:solidFill>
-                  <a:srgbClr val="2C3E50"/>
-                </a:solidFill>
-                <a:latin typeface="Calibri" panose="020F0502020204030204" pitchFamily="34" charset="0"/>
-                <a:ea typeface="Arial" pitchFamily="34" charset="-122"/>
-                <a:cs typeface="Calibri" panose="020F0502020204030204" pitchFamily="34" charset="0"/>
-              </a:rPr>
-              <a:t>Use multinomial logistic regression to estimate probability of trial membership</a:t>
-            </a:r>
-            <a:endParaRPr lang="en-US" dirty="0">
-              <a:latin typeface="Calibri" panose="020F0502020204030204" pitchFamily="34" charset="0"/>
-              <a:cs typeface="Calibri" panose="020F0502020204030204" pitchFamily="34" charset="0"/>
-            </a:endParaRPr>
-          </a:p>
-          <a:p>
-            <a:pPr marL="119063" indent="-119063" algn="l">
-              <a:lnSpc>
-                <a:spcPts val="2100"/>
-              </a:lnSpc>
-              <a:spcAft>
-                <a:spcPts val="900"/>
-              </a:spcAft>
-              <a:buSzPct val="100000"/>
-              <a:buChar char="•"/>
-            </a:pPr>
-            <a:r>
-              <a:rPr lang="en-US" dirty="0">
-                <a:solidFill>
-                  <a:srgbClr val="2C3E50"/>
-                </a:solidFill>
-                <a:latin typeface="Calibri" panose="020F0502020204030204" pitchFamily="34" charset="0"/>
-                <a:ea typeface="Arial" pitchFamily="34" charset="-122"/>
-                <a:cs typeface="Calibri" panose="020F0502020204030204" pitchFamily="34" charset="0"/>
-              </a:rPr>
-              <a:t>Weight each participant by inverse of their trial membership probability</a:t>
-            </a:r>
-            <a:endParaRPr lang="en-US" dirty="0">
-              <a:latin typeface="Calibri" panose="020F0502020204030204" pitchFamily="34" charset="0"/>
-              <a:cs typeface="Calibri" panose="020F0502020204030204" pitchFamily="34" charset="0"/>
-            </a:endParaRPr>
-          </a:p>
-          <a:p>
-            <a:pPr marL="119063" indent="-119063" algn="l">
-              <a:lnSpc>
-                <a:spcPts val="2100"/>
-              </a:lnSpc>
-              <a:spcAft>
-                <a:spcPts val="900"/>
-              </a:spcAft>
-              <a:buSzPct val="100000"/>
-              <a:buChar char="•"/>
-            </a:pPr>
-            <a:r>
-              <a:rPr lang="en-US" dirty="0">
-                <a:solidFill>
-                  <a:srgbClr val="2C3E50"/>
-                </a:solidFill>
-                <a:latin typeface="Calibri" panose="020F0502020204030204" pitchFamily="34" charset="0"/>
-                <a:ea typeface="Arial" pitchFamily="34" charset="-122"/>
-                <a:cs typeface="Calibri" panose="020F0502020204030204" pitchFamily="34" charset="0"/>
-              </a:rPr>
-              <a:t>Create pseudo-population where trial membership is independent of covariates</a:t>
-            </a:r>
-            <a:endParaRPr lang="en-US" dirty="0">
-              <a:latin typeface="Calibri" panose="020F0502020204030204" pitchFamily="34" charset="0"/>
-              <a:cs typeface="Calibri" panose="020F0502020204030204" pitchFamily="34" charset="0"/>
-            </a:endParaRPr>
-          </a:p>
-        </p:txBody>
-      </p:sp>
-    </p:spTree>
-  </p:cSld>
-  <p:clrMapOvr>
-    <a:masterClrMapping/>
-  </p:clrMapOvr>
-</p:sld>
-</file>
-
-<file path=ppt/slides/slide7.xml><?xml version="1.0" encoding="utf-8"?>
-<p:sld xmlns:a="http://schemas.openxmlformats.org/drawingml/2006/main" xmlns:r="http://schemas.openxmlformats.org/officeDocument/2006/relationships" xmlns:p="http://schemas.openxmlformats.org/presentationml/2006/main">
-  <p:cSld>
-    <p:spTree>
-      <p:nvGrpSpPr>
-        <p:cNvPr id="1" name=""/>
-        <p:cNvGrpSpPr/>
-        <p:nvPr/>
-      </p:nvGrpSpPr>
-      <p:grpSpPr>
-        <a:xfrm>
-          <a:off x="0" y="0"/>
-          <a:ext cx="0" cy="0"/>
-          <a:chOff x="0" y="0"/>
-          <a:chExt cx="0" cy="0"/>
-        </a:xfrm>
-      </p:grpSpPr>
-      <p:sp>
-        <p:nvSpPr>
-          <p:cNvPr id="2" name="TextBox 1"/>
-          <p:cNvSpPr txBox="1"/>
-          <p:nvPr/>
-        </p:nvSpPr>
-        <p:spPr>
-          <a:xfrm>
-            <a:off x="640080" y="594360"/>
-            <a:ext cx="7589520" cy="731520"/>
-          </a:xfrm>
-          <a:prstGeom prst="rect">
-            <a:avLst/>
-          </a:prstGeom>
-          <a:noFill/>
-        </p:spPr>
-        <p:txBody>
-          <a:bodyPr wrap="none">
+        </p:spPr>
+        <p:txBody>
+          <a:bodyPr wrap="square">
             <a:spAutoFit/>
           </a:bodyPr>
           <a:lstStyle/>
           <a:p>
             <a:pPr>
-              <a:defRPr sz="3600" b="1">
-                <a:solidFill>
-                  <a:srgbClr val="000000"/>
-                </a:solidFill>
-              </a:defRPr>
-            </a:pPr>
-            <a:r>
-              <a:t>Step 1: Fit Multinomial Logistic Regression</a:t>
-            </a:r>
-          </a:p>
-        </p:txBody>
-      </p:sp>
-      <p:sp>
-        <p:nvSpPr>
-          <p:cNvPr id="3" name="Rectangle 2"/>
+              <a:spcBef>
+                <a:spcPts val="600"/>
+              </a:spcBef>
+              <a:spcAft>
+                <a:spcPts val="1200"/>
+              </a:spcAft>
+              <a:defRPr sz="1800"/>
+            </a:pPr>
+            <a:r>
+              <a:rPr lang="en-GB" dirty="0"/>
+              <a:t>Multi-group Adaptation: Models trial membership propensity (P(</a:t>
+            </a:r>
+            <a:r>
+              <a:rPr lang="en-GB" dirty="0" err="1"/>
+              <a:t>Trial|X</a:t>
+            </a:r>
+            <a:r>
+              <a:rPr lang="en-GB" dirty="0"/>
+              <a:t>))</a:t>
+            </a:r>
+          </a:p>
+          <a:p>
+            <a:pPr>
+              <a:spcBef>
+                <a:spcPts val="600"/>
+              </a:spcBef>
+              <a:spcAft>
+                <a:spcPts val="1200"/>
+              </a:spcAft>
+              <a:defRPr sz="1800"/>
+            </a:pPr>
+            <a:r>
+              <a:rPr lang="en-GB" dirty="0"/>
+              <a:t>  • Goal: Balance baseline characteristics across several pooled trials</a:t>
+            </a:r>
+          </a:p>
+          <a:p>
+            <a:pPr>
+              <a:spcBef>
+                <a:spcPts val="600"/>
+              </a:spcBef>
+              <a:spcAft>
+                <a:spcPts val="1200"/>
+              </a:spcAft>
+              <a:defRPr sz="1800"/>
+            </a:pPr>
+            <a:r>
+              <a:rPr lang="en-GB" dirty="0"/>
+              <a:t>  • Creates comparable control groups when pooling heterogeneous trials</a:t>
+            </a:r>
+          </a:p>
+        </p:txBody>
+      </p:sp>
+      <p:sp>
+        <p:nvSpPr>
+          <p:cNvPr id="10" name="Rectangle 9">
+            <a:extLst>
+              <a:ext uri="{FF2B5EF4-FFF2-40B4-BE49-F238E27FC236}">
+                <a16:creationId xmlns:a16="http://schemas.microsoft.com/office/drawing/2014/main" id="{E5ECE99A-BE96-2BC3-7542-89B8D94FC815}"/>
+              </a:ext>
+            </a:extLst>
+          </p:cNvPr>
           <p:cNvSpPr/>
           <p:nvPr/>
         </p:nvSpPr>
         <p:spPr>
           <a:xfrm>
-            <a:off x="640080" y="1371600"/>
+            <a:off x="640080" y="718458"/>
             <a:ext cx="0" cy="457200"/>
           </a:xfrm>
           <a:prstGeom prst="rect">
@@ -7194,120 +8206,391 @@
           </a:p>
         </p:txBody>
       </p:sp>
-      <p:sp>
-        <p:nvSpPr>
-          <p:cNvPr id="4" name="TextBox 3"/>
-          <p:cNvSpPr txBox="1"/>
-          <p:nvPr/>
-        </p:nvSpPr>
-        <p:spPr>
-          <a:xfrm>
-            <a:off x="640080" y="2011680"/>
-            <a:ext cx="7589520" cy="2985433"/>
+    </p:spTree>
+  </p:cSld>
+  <p:clrMapOvr>
+    <a:masterClrMapping/>
+  </p:clrMapOvr>
+</p:sld>
+</file>
+
+<file path=ppt/slides/slide7.xml><?xml version="1.0" encoding="utf-8"?>
+<p:sld xmlns:a="http://schemas.openxmlformats.org/drawingml/2006/main" xmlns:r="http://schemas.openxmlformats.org/officeDocument/2006/relationships" xmlns:p="http://schemas.openxmlformats.org/presentationml/2006/main">
+  <p:cSld>
+    <p:spTree>
+      <p:nvGrpSpPr>
+        <p:cNvPr id="1" name="">
+          <a:extLst>
+            <a:ext uri="{FF2B5EF4-FFF2-40B4-BE49-F238E27FC236}">
+              <a16:creationId xmlns:a16="http://schemas.microsoft.com/office/drawing/2014/main" id="{9DFCA849-D58C-E83B-BC4C-4A2DB469A605}"/>
+            </a:ext>
+          </a:extLst>
+        </p:cNvPr>
+        <p:cNvGrpSpPr/>
+        <p:nvPr/>
+      </p:nvGrpSpPr>
+      <p:grpSpPr>
+        <a:xfrm>
+          <a:off x="0" y="0"/>
+          <a:ext cx="0" cy="0"/>
+          <a:chOff x="0" y="0"/>
+          <a:chExt cx="0" cy="0"/>
+        </a:xfrm>
+      </p:grpSpPr>
+      <p:sp>
+        <p:nvSpPr>
+          <p:cNvPr id="6" name="Text 3">
+            <a:extLst>
+              <a:ext uri="{FF2B5EF4-FFF2-40B4-BE49-F238E27FC236}">
+                <a16:creationId xmlns:a16="http://schemas.microsoft.com/office/drawing/2014/main" id="{487A398E-96A3-201E-233F-BA4F2A53CC8A}"/>
+              </a:ext>
+            </a:extLst>
+          </p:cNvPr>
+          <p:cNvSpPr/>
+          <p:nvPr/>
+        </p:nvSpPr>
+        <p:spPr>
+          <a:xfrm>
+            <a:off x="504825" y="3293652"/>
+            <a:ext cx="8191500" cy="1219200"/>
           </a:xfrm>
           <a:prstGeom prst="rect">
             <a:avLst/>
           </a:prstGeom>
           <a:noFill/>
-        </p:spPr>
-        <p:txBody>
-          <a:bodyPr wrap="square">
-            <a:spAutoFit/>
-          </a:bodyPr>
-          <a:lstStyle/>
-          <a:p>
-            <a:pPr>
-              <a:spcBef>
-                <a:spcPts val="1200"/>
-              </a:spcBef>
-              <a:spcAft>
-                <a:spcPts val="1200"/>
-              </a:spcAft>
-              <a:defRPr sz="1800"/>
-            </a:pPr>
-            <a:r>
-              <a:rPr dirty="0"/>
-              <a:t>Model trial membership as a function of baseline covariates:</a:t>
-            </a:r>
-          </a:p>
-          <a:p>
-            <a:pPr>
-              <a:spcBef>
-                <a:spcPts val="1200"/>
-              </a:spcBef>
-              <a:spcAft>
-                <a:spcPts val="1200"/>
-              </a:spcAft>
-              <a:defRPr sz="1800"/>
-            </a:pPr>
-            <a:r>
-              <a:rPr dirty="0"/>
-              <a:t>  log(P(Trial = k | X) / P(Trial = ref | X)) = β₀ₖ + β₁ₖX₁ + ... + βₚₖXₚ</a:t>
-            </a:r>
-          </a:p>
-          <a:p>
-            <a:pPr>
-              <a:spcBef>
-                <a:spcPts val="600"/>
-              </a:spcBef>
-              <a:spcAft>
-                <a:spcPts val="1200"/>
-              </a:spcAft>
-              <a:defRPr sz="1800"/>
-            </a:pPr>
-            <a:r>
-              <a:rPr dirty="0"/>
-              <a:t>For K trials:</a:t>
-            </a:r>
-          </a:p>
-          <a:p>
-            <a:pPr>
-              <a:spcBef>
-                <a:spcPts val="600"/>
-              </a:spcBef>
-              <a:spcAft>
-                <a:spcPts val="1200"/>
-              </a:spcAft>
-              <a:defRPr sz="1800"/>
-            </a:pPr>
-            <a:r>
-              <a:rPr dirty="0"/>
-              <a:t>  • Creates K-1 equations (one trial used as reference)</a:t>
-            </a:r>
-          </a:p>
-          <a:p>
-            <a:pPr>
-              <a:spcBef>
-                <a:spcPts val="600"/>
-              </a:spcBef>
-              <a:spcAft>
-                <a:spcPts val="1200"/>
-              </a:spcAft>
-              <a:defRPr sz="1800"/>
-            </a:pPr>
-            <a:r>
-              <a:rPr dirty="0"/>
-              <a:t>  • Naturally handles multiple groups without pairwise comparisons</a:t>
-            </a:r>
-          </a:p>
-          <a:p>
-            <a:pPr>
-              <a:spcBef>
-                <a:spcPts val="600"/>
-              </a:spcBef>
-              <a:spcAft>
-                <a:spcPts val="1200"/>
-              </a:spcAft>
-              <a:defRPr sz="1800"/>
-            </a:pPr>
-            <a:r>
-              <a:rPr dirty="0"/>
-              <a:t>  • Probabilities sum to 1 across all trials for each participant</a:t>
-            </a:r>
+          <a:ln/>
+        </p:spPr>
+        <p:txBody>
+          <a:bodyPr wrap="square" lIns="119063" tIns="0" rIns="0" bIns="0" rtlCol="0" anchor="t"/>
+          <a:lstStyle/>
+          <a:p>
+            <a:pPr marL="119063" indent="-119063" algn="l">
+              <a:lnSpc>
+                <a:spcPts val="2100"/>
+              </a:lnSpc>
+              <a:spcAft>
+                <a:spcPts val="900"/>
+              </a:spcAft>
+              <a:buSzPct val="100000"/>
+              <a:buChar char="•"/>
+            </a:pPr>
+            <a:r>
+              <a:rPr lang="en-US" dirty="0">
+                <a:solidFill>
+                  <a:srgbClr val="2C3E50"/>
+                </a:solidFill>
+                <a:latin typeface="Calibri" panose="020F0502020204030204" pitchFamily="34" charset="0"/>
+                <a:ea typeface="Arial" pitchFamily="34" charset="-122"/>
+                <a:cs typeface="Calibri" panose="020F0502020204030204" pitchFamily="34" charset="0"/>
+              </a:rPr>
+              <a:t>Use multinomial logistic regression to estimate probability of trial membership</a:t>
+            </a:r>
+            <a:endParaRPr lang="en-US" dirty="0">
+              <a:latin typeface="Calibri" panose="020F0502020204030204" pitchFamily="34" charset="0"/>
+              <a:cs typeface="Calibri" panose="020F0502020204030204" pitchFamily="34" charset="0"/>
+            </a:endParaRPr>
+          </a:p>
+          <a:p>
+            <a:pPr marL="119063" indent="-119063" algn="l">
+              <a:lnSpc>
+                <a:spcPts val="2100"/>
+              </a:lnSpc>
+              <a:spcAft>
+                <a:spcPts val="900"/>
+              </a:spcAft>
+              <a:buSzPct val="100000"/>
+              <a:buChar char="•"/>
+            </a:pPr>
+            <a:r>
+              <a:rPr lang="en-US" dirty="0">
+                <a:solidFill>
+                  <a:srgbClr val="2C3E50"/>
+                </a:solidFill>
+                <a:latin typeface="Calibri" panose="020F0502020204030204" pitchFamily="34" charset="0"/>
+                <a:ea typeface="Arial" pitchFamily="34" charset="-122"/>
+                <a:cs typeface="Calibri" panose="020F0502020204030204" pitchFamily="34" charset="0"/>
+              </a:rPr>
+              <a:t>Weight each participant by inverse of their trial membership probability</a:t>
+            </a:r>
+            <a:endParaRPr lang="en-US" dirty="0">
+              <a:latin typeface="Calibri" panose="020F0502020204030204" pitchFamily="34" charset="0"/>
+              <a:cs typeface="Calibri" panose="020F0502020204030204" pitchFamily="34" charset="0"/>
+            </a:endParaRPr>
+          </a:p>
+          <a:p>
+            <a:pPr marL="119063" indent="-119063" algn="l">
+              <a:lnSpc>
+                <a:spcPts val="2100"/>
+              </a:lnSpc>
+              <a:spcAft>
+                <a:spcPts val="900"/>
+              </a:spcAft>
+              <a:buSzPct val="100000"/>
+              <a:buChar char="•"/>
+            </a:pPr>
+            <a:r>
+              <a:rPr lang="en-US" dirty="0">
+                <a:solidFill>
+                  <a:srgbClr val="2C3E50"/>
+                </a:solidFill>
+                <a:latin typeface="Calibri" panose="020F0502020204030204" pitchFamily="34" charset="0"/>
+                <a:ea typeface="Arial" pitchFamily="34" charset="-122"/>
+                <a:cs typeface="Calibri" panose="020F0502020204030204" pitchFamily="34" charset="0"/>
+              </a:rPr>
+              <a:t>Create pseudo-population where trial membership is independent of covariates</a:t>
+            </a:r>
+          </a:p>
+          <a:p>
+            <a:pPr marL="119063" indent="-119063" algn="l">
+              <a:lnSpc>
+                <a:spcPts val="2100"/>
+              </a:lnSpc>
+              <a:spcAft>
+                <a:spcPts val="900"/>
+              </a:spcAft>
+              <a:buSzPct val="100000"/>
+              <a:buChar char="•"/>
+            </a:pPr>
+            <a:endParaRPr lang="en-US" dirty="0">
+              <a:latin typeface="Calibri" panose="020F0502020204030204" pitchFamily="34" charset="0"/>
+              <a:cs typeface="Calibri" panose="020F0502020204030204" pitchFamily="34" charset="0"/>
+            </a:endParaRPr>
+          </a:p>
+        </p:txBody>
+      </p:sp>
+      <p:pic>
+        <p:nvPicPr>
+          <p:cNvPr id="7" name="Picture 6" descr="A blue and white logo&#10;&#10;AI-generated content may be incorrect.">
+            <a:extLst>
+              <a:ext uri="{FF2B5EF4-FFF2-40B4-BE49-F238E27FC236}">
+                <a16:creationId xmlns:a16="http://schemas.microsoft.com/office/drawing/2014/main" id="{3D8B5061-D388-E9B7-74D1-CC14EB72B781}"/>
+              </a:ext>
+            </a:extLst>
+          </p:cNvPr>
+          <p:cNvPicPr>
+            <a:picLocks noChangeAspect="1"/>
+          </p:cNvPicPr>
+          <p:nvPr/>
+        </p:nvPicPr>
+        <p:blipFill>
+          <a:blip r:embed="rId3"/>
+          <a:stretch>
+            <a:fillRect/>
+          </a:stretch>
+        </p:blipFill>
+        <p:spPr>
+          <a:xfrm>
+            <a:off x="7218094" y="145993"/>
+            <a:ext cx="1812615" cy="405353"/>
+          </a:xfrm>
+          <a:prstGeom prst="rect">
+            <a:avLst/>
+          </a:prstGeom>
+        </p:spPr>
+      </p:pic>
+      <p:sp>
+        <p:nvSpPr>
+          <p:cNvPr id="8" name="Text 1">
+            <a:extLst>
+              <a:ext uri="{FF2B5EF4-FFF2-40B4-BE49-F238E27FC236}">
+                <a16:creationId xmlns:a16="http://schemas.microsoft.com/office/drawing/2014/main" id="{811804F5-D670-FE92-A75A-18082E3B297C}"/>
+              </a:ext>
+            </a:extLst>
+          </p:cNvPr>
+          <p:cNvSpPr/>
+          <p:nvPr/>
+        </p:nvSpPr>
+        <p:spPr>
+          <a:xfrm>
+            <a:off x="752474" y="751114"/>
+            <a:ext cx="5354401" cy="400050"/>
+          </a:xfrm>
+          <a:prstGeom prst="rect">
+            <a:avLst/>
+          </a:prstGeom>
+          <a:noFill/>
+          <a:ln/>
+        </p:spPr>
+        <p:txBody>
+          <a:bodyPr wrap="square" lIns="0" tIns="0" rIns="0" bIns="0" rtlCol="0" anchor="t"/>
+          <a:lstStyle/>
+          <a:p>
+            <a:pPr marL="0" indent="0" algn="l">
+              <a:lnSpc>
+                <a:spcPts val="3150"/>
+              </a:lnSpc>
+              <a:buNone/>
+            </a:pPr>
+            <a:r>
+              <a:rPr lang="en-US" sz="3150" b="1" dirty="0">
+                <a:solidFill>
+                  <a:srgbClr val="E74C3C"/>
+                </a:solidFill>
+                <a:latin typeface="Arial" pitchFamily="34" charset="0"/>
+                <a:ea typeface="Arial" pitchFamily="34" charset="-122"/>
+                <a:cs typeface="Arial" pitchFamily="34" charset="-120"/>
+              </a:rPr>
+              <a:t>Multiple Trials Adaptation</a:t>
+            </a:r>
+            <a:endParaRPr lang="en-US" sz="3150" dirty="0"/>
+          </a:p>
+        </p:txBody>
+      </p:sp>
+      <p:sp>
+        <p:nvSpPr>
+          <p:cNvPr id="12" name="Rectangle 11">
+            <a:extLst>
+              <a:ext uri="{FF2B5EF4-FFF2-40B4-BE49-F238E27FC236}">
+                <a16:creationId xmlns:a16="http://schemas.microsoft.com/office/drawing/2014/main" id="{4FE0DB09-E9DD-2AA7-DADE-2A93059F87A9}"/>
+              </a:ext>
+            </a:extLst>
+          </p:cNvPr>
+          <p:cNvSpPr/>
+          <p:nvPr/>
+        </p:nvSpPr>
+        <p:spPr>
+          <a:xfrm>
+            <a:off x="640080" y="718458"/>
+            <a:ext cx="0" cy="457200"/>
+          </a:xfrm>
+          <a:prstGeom prst="rect">
+            <a:avLst/>
+          </a:prstGeom>
+          <a:ln w="50800">
+            <a:solidFill>
+              <a:srgbClr val="E74C3C"/>
+            </a:solidFill>
+          </a:ln>
+        </p:spPr>
+        <p:style>
+          <a:lnRef idx="1">
+            <a:schemeClr val="accent1"/>
+          </a:lnRef>
+          <a:fillRef idx="3">
+            <a:schemeClr val="accent1"/>
+          </a:fillRef>
+          <a:effectRef idx="2">
+            <a:schemeClr val="accent1"/>
+          </a:effectRef>
+          <a:fontRef idx="minor">
+            <a:schemeClr val="lt1"/>
+          </a:fontRef>
+        </p:style>
+        <p:txBody>
+          <a:bodyPr rtlCol="0" anchor="ctr"/>
+          <a:lstStyle/>
+          <a:p>
+            <a:pPr algn="ctr"/>
+            <a:endParaRPr/>
+          </a:p>
+        </p:txBody>
+      </p:sp>
+      <p:pic>
+        <p:nvPicPr>
+          <p:cNvPr id="15" name="Image 0" descr="/tmp/rasterized-gradient-b9b0037a.png">
+            <a:extLst>
+              <a:ext uri="{FF2B5EF4-FFF2-40B4-BE49-F238E27FC236}">
+                <a16:creationId xmlns:a16="http://schemas.microsoft.com/office/drawing/2014/main" id="{B5BAA5C1-412B-24AA-D79F-AF19DD481658}"/>
+              </a:ext>
+            </a:extLst>
+          </p:cNvPr>
+          <p:cNvPicPr>
+            <a:picLocks noChangeAspect="1"/>
+          </p:cNvPicPr>
+          <p:nvPr/>
+        </p:nvPicPr>
+        <p:blipFill>
+          <a:blip r:embed="rId4"/>
+          <a:stretch>
+            <a:fillRect/>
+          </a:stretch>
+        </p:blipFill>
+        <p:spPr>
+          <a:xfrm>
+            <a:off x="615043" y="1635576"/>
+            <a:ext cx="8191500" cy="1169491"/>
+          </a:xfrm>
+          <a:prstGeom prst="rect">
+            <a:avLst/>
+          </a:prstGeom>
+        </p:spPr>
+      </p:pic>
+      <p:sp>
+        <p:nvSpPr>
+          <p:cNvPr id="16" name="Text 2">
+            <a:extLst>
+              <a:ext uri="{FF2B5EF4-FFF2-40B4-BE49-F238E27FC236}">
+                <a16:creationId xmlns:a16="http://schemas.microsoft.com/office/drawing/2014/main" id="{966CA3FC-4B0F-2873-D99E-19719A723206}"/>
+              </a:ext>
+            </a:extLst>
+          </p:cNvPr>
+          <p:cNvSpPr/>
+          <p:nvPr/>
+        </p:nvSpPr>
+        <p:spPr>
+          <a:xfrm>
+            <a:off x="891268" y="1873701"/>
+            <a:ext cx="7126061" cy="693241"/>
+          </a:xfrm>
+          <a:prstGeom prst="rect">
+            <a:avLst/>
+          </a:prstGeom>
+          <a:noFill/>
+          <a:ln/>
+        </p:spPr>
+        <p:txBody>
+          <a:bodyPr wrap="square" lIns="0" tIns="0" rIns="0" bIns="0" rtlCol="0" anchor="t"/>
+          <a:lstStyle/>
+          <a:p>
+            <a:pPr marL="0" indent="0" algn="l">
+              <a:lnSpc>
+                <a:spcPts val="2730"/>
+              </a:lnSpc>
+              <a:buNone/>
+            </a:pPr>
+            <a:r>
+              <a:rPr lang="en-US" sz="1950" dirty="0">
+                <a:solidFill>
+                  <a:srgbClr val="1C3F6F"/>
+                </a:solidFill>
+                <a:latin typeface="Arial" pitchFamily="34" charset="0"/>
+                <a:ea typeface="Arial" pitchFamily="34" charset="-122"/>
+                <a:cs typeface="Arial" pitchFamily="34" charset="-120"/>
+              </a:rPr>
+              <a:t>Adapt IPTW to model </a:t>
+            </a:r>
+            <a:r>
+              <a:rPr lang="en-US" sz="1950" b="1" dirty="0">
+                <a:solidFill>
+                  <a:srgbClr val="E74C3C"/>
+                </a:solidFill>
+                <a:latin typeface="Arial" pitchFamily="34" charset="0"/>
+                <a:ea typeface="Arial" pitchFamily="34" charset="-122"/>
+                <a:cs typeface="Arial" pitchFamily="34" charset="-120"/>
+              </a:rPr>
+              <a:t>trial membership</a:t>
+            </a:r>
+            <a:r>
+              <a:rPr lang="en-US" sz="1950" dirty="0">
+                <a:solidFill>
+                  <a:srgbClr val="1C3F6F"/>
+                </a:solidFill>
+                <a:latin typeface="Arial" pitchFamily="34" charset="0"/>
+                <a:ea typeface="Arial" pitchFamily="34" charset="-122"/>
+                <a:cs typeface="Arial" pitchFamily="34" charset="-120"/>
+              </a:rPr>
+              <a:t> propensity in the presence of multiple pooled trials</a:t>
+            </a:r>
+            <a:endParaRPr lang="en-US" sz="1950" dirty="0"/>
           </a:p>
         </p:txBody>
       </p:sp>
     </p:spTree>
+    <p:extLst>
+      <p:ext uri="{BB962C8B-B14F-4D97-AF65-F5344CB8AC3E}">
+        <p14:creationId xmlns:p14="http://schemas.microsoft.com/office/powerpoint/2010/main" val="2396477063"/>
+      </p:ext>
+    </p:extLst>
   </p:cSld>
   <p:clrMapOvr>
     <a:masterClrMapping/>
@@ -7362,20 +8645,170 @@
               </a:defRPr>
             </a:pPr>
             <a:r>
-              <a:t>Step 2: Calculate Propensity Scores</a:t>
-            </a:r>
-          </a:p>
-        </p:txBody>
-      </p:sp>
-      <p:sp>
-        <p:nvSpPr>
-          <p:cNvPr id="3" name="Rectangle 2"/>
+              <a:rPr dirty="0"/>
+              <a:t>Step 1: Fit Multinomial Logistic Regression</a:t>
+            </a:r>
+          </a:p>
+        </p:txBody>
+      </p:sp>
+      <p:sp>
+        <p:nvSpPr>
+          <p:cNvPr id="4" name="TextBox 3"/>
+          <p:cNvSpPr txBox="1"/>
+          <p:nvPr/>
+        </p:nvSpPr>
+        <p:spPr>
+          <a:xfrm>
+            <a:off x="640080" y="1644288"/>
+            <a:ext cx="7589520" cy="2985433"/>
+          </a:xfrm>
+          <a:prstGeom prst="rect">
+            <a:avLst/>
+          </a:prstGeom>
+          <a:noFill/>
+        </p:spPr>
+        <p:txBody>
+          <a:bodyPr wrap="square">
+            <a:spAutoFit/>
+          </a:bodyPr>
+          <a:lstStyle/>
+          <a:p>
+            <a:pPr>
+              <a:spcBef>
+                <a:spcPts val="1200"/>
+              </a:spcBef>
+              <a:spcAft>
+                <a:spcPts val="1200"/>
+              </a:spcAft>
+              <a:defRPr sz="1800"/>
+            </a:pPr>
+            <a:r>
+              <a:rPr dirty="0"/>
+              <a:t>Model trial membership as a function of baseline covariates:</a:t>
+            </a:r>
+          </a:p>
+          <a:p>
+            <a:pPr>
+              <a:spcBef>
+                <a:spcPts val="1200"/>
+              </a:spcBef>
+              <a:spcAft>
+                <a:spcPts val="1200"/>
+              </a:spcAft>
+              <a:defRPr sz="1800"/>
+            </a:pPr>
+            <a:r>
+              <a:rPr dirty="0"/>
+              <a:t>  log(P(Trial = k | X) / P(Trial = ref | X)) = β₀ₖ + β₁ₖX₁ + ... + βₚₖXₚ</a:t>
+            </a:r>
+          </a:p>
+          <a:p>
+            <a:pPr>
+              <a:spcBef>
+                <a:spcPts val="600"/>
+              </a:spcBef>
+              <a:spcAft>
+                <a:spcPts val="1200"/>
+              </a:spcAft>
+              <a:defRPr sz="1800"/>
+            </a:pPr>
+            <a:r>
+              <a:rPr dirty="0"/>
+              <a:t>For K trials:</a:t>
+            </a:r>
+          </a:p>
+          <a:p>
+            <a:pPr>
+              <a:spcBef>
+                <a:spcPts val="600"/>
+              </a:spcBef>
+              <a:spcAft>
+                <a:spcPts val="1200"/>
+              </a:spcAft>
+              <a:defRPr sz="1800"/>
+            </a:pPr>
+            <a:r>
+              <a:rPr dirty="0"/>
+              <a:t>  • Creates K-1 equations (one trial used as reference)</a:t>
+            </a:r>
+          </a:p>
+          <a:p>
+            <a:pPr>
+              <a:spcBef>
+                <a:spcPts val="600"/>
+              </a:spcBef>
+              <a:spcAft>
+                <a:spcPts val="1200"/>
+              </a:spcAft>
+              <a:defRPr sz="1800"/>
+            </a:pPr>
+            <a:r>
+              <a:rPr dirty="0"/>
+              <a:t>  • Naturally handles multiple groups without pairwise comparisons</a:t>
+            </a:r>
+          </a:p>
+          <a:p>
+            <a:pPr>
+              <a:spcBef>
+                <a:spcPts val="600"/>
+              </a:spcBef>
+              <a:spcAft>
+                <a:spcPts val="1200"/>
+              </a:spcAft>
+              <a:defRPr sz="1800"/>
+            </a:pPr>
+            <a:r>
+              <a:rPr dirty="0"/>
+              <a:t>  • Probabilities sum to 1 across all trials for each participant</a:t>
+            </a:r>
+          </a:p>
+        </p:txBody>
+      </p:sp>
+      <p:pic>
+        <p:nvPicPr>
+          <p:cNvPr id="5" name="Picture 4" descr="A blue and white logo&#10;&#10;AI-generated content may be incorrect.">
+            <a:extLst>
+              <a:ext uri="{FF2B5EF4-FFF2-40B4-BE49-F238E27FC236}">
+                <a16:creationId xmlns:a16="http://schemas.microsoft.com/office/drawing/2014/main" id="{2F711D39-A8A3-BCC9-3A05-F84A1C346E0C}"/>
+              </a:ext>
+            </a:extLst>
+          </p:cNvPr>
+          <p:cNvPicPr>
+            <a:picLocks noChangeAspect="1"/>
+          </p:cNvPicPr>
+          <p:nvPr/>
+        </p:nvPicPr>
+        <p:blipFill>
+          <a:blip r:embed="rId2"/>
+          <a:stretch>
+            <a:fillRect/>
+          </a:stretch>
+        </p:blipFill>
+        <p:spPr>
+          <a:xfrm>
+            <a:off x="7218094" y="145993"/>
+            <a:ext cx="1812615" cy="405353"/>
+          </a:xfrm>
+          <a:prstGeom prst="rect">
+            <a:avLst/>
+          </a:prstGeom>
+        </p:spPr>
+      </p:pic>
+      <p:sp>
+        <p:nvSpPr>
+          <p:cNvPr id="6" name="Rectangle 5">
+            <a:extLst>
+              <a:ext uri="{FF2B5EF4-FFF2-40B4-BE49-F238E27FC236}">
+                <a16:creationId xmlns:a16="http://schemas.microsoft.com/office/drawing/2014/main" id="{C519266A-E9C1-4F44-EE67-765054352DCD}"/>
+              </a:ext>
+            </a:extLst>
+          </p:cNvPr>
           <p:cNvSpPr/>
           <p:nvPr/>
         </p:nvSpPr>
         <p:spPr>
           <a:xfrm>
-            <a:off x="640080" y="1371600"/>
+            <a:off x="640080" y="685802"/>
             <a:ext cx="0" cy="457200"/>
           </a:xfrm>
           <a:prstGeom prst="rect">
@@ -7407,143 +8840,6 @@
           <a:p>
             <a:pPr algn="ctr"/>
             <a:endParaRPr/>
-          </a:p>
-        </p:txBody>
-      </p:sp>
-      <p:sp>
-        <p:nvSpPr>
-          <p:cNvPr id="4" name="TextBox 3"/>
-          <p:cNvSpPr txBox="1"/>
-          <p:nvPr/>
-        </p:nvSpPr>
-        <p:spPr>
-          <a:xfrm>
-            <a:off x="640080" y="2011680"/>
-            <a:ext cx="7589520" cy="2985433"/>
-          </a:xfrm>
-          <a:prstGeom prst="rect">
-            <a:avLst/>
-          </a:prstGeom>
-          <a:noFill/>
-        </p:spPr>
-        <p:txBody>
-          <a:bodyPr wrap="square">
-            <a:spAutoFit/>
-          </a:bodyPr>
-          <a:lstStyle/>
-          <a:p>
-            <a:pPr>
-              <a:spcBef>
-                <a:spcPts val="1200"/>
-              </a:spcBef>
-              <a:spcAft>
-                <a:spcPts val="1200"/>
-              </a:spcAft>
-              <a:defRPr sz="1800"/>
-            </a:pPr>
-            <a:r>
-              <a:rPr dirty="0"/>
-              <a:t>Extract predicted probability for each participant's observed trial:</a:t>
-            </a:r>
-          </a:p>
-          <a:p>
-            <a:pPr>
-              <a:spcBef>
-                <a:spcPts val="1200"/>
-              </a:spcBef>
-              <a:spcAft>
-                <a:spcPts val="1200"/>
-              </a:spcAft>
-              <a:defRPr sz="1800"/>
-            </a:pPr>
-            <a:r>
-              <a:rPr dirty="0"/>
-              <a:t>  </a:t>
-            </a:r>
-            <a:r>
-              <a:rPr dirty="0" err="1"/>
-              <a:t>PS_i</a:t>
-            </a:r>
-            <a:r>
-              <a:rPr dirty="0"/>
-              <a:t> = P̂(Trial = j | </a:t>
-            </a:r>
-            <a:r>
-              <a:rPr dirty="0" err="1"/>
-              <a:t>X_i</a:t>
-            </a:r>
-            <a:r>
-              <a:rPr dirty="0"/>
-              <a:t>)</a:t>
-            </a:r>
-          </a:p>
-          <a:p>
-            <a:pPr algn="just">
-              <a:spcBef>
-                <a:spcPts val="600"/>
-              </a:spcBef>
-              <a:spcAft>
-                <a:spcPts val="1200"/>
-              </a:spcAft>
-              <a:defRPr sz="1800"/>
-            </a:pPr>
-            <a:r>
-              <a:rPr dirty="0"/>
-              <a:t>where j is the trial that participant </a:t>
-            </a:r>
-            <a:r>
-              <a:rPr dirty="0" err="1"/>
-              <a:t>i</a:t>
-            </a:r>
-            <a:r>
-              <a:rPr dirty="0"/>
-              <a:t> actually belongs to</a:t>
-            </a:r>
-          </a:p>
-          <a:p>
-            <a:pPr algn="just">
-              <a:spcBef>
-                <a:spcPts val="600"/>
-              </a:spcBef>
-              <a:spcAft>
-                <a:spcPts val="1200"/>
-              </a:spcAft>
-              <a:defRPr sz="1800"/>
-            </a:pPr>
-            <a:r>
-              <a:rPr dirty="0"/>
-              <a:t>Propensity score range in our simulation: 0.18 to 0.92</a:t>
-            </a:r>
-          </a:p>
-          <a:p>
-            <a:pPr algn="just">
-              <a:spcBef>
-                <a:spcPts val="600"/>
-              </a:spcBef>
-              <a:spcAft>
-                <a:spcPts val="1200"/>
-              </a:spcAft>
-              <a:defRPr sz="1800"/>
-            </a:pPr>
-            <a:r>
-              <a:rPr dirty="0"/>
-              <a:t>  • Median: 0.45</a:t>
-            </a:r>
-          </a:p>
-          <a:p>
-            <a:pPr algn="just">
-              <a:spcBef>
-                <a:spcPts val="600"/>
-              </a:spcBef>
-              <a:spcAft>
-                <a:spcPts val="1200"/>
-              </a:spcAft>
-              <a:defRPr sz="1800"/>
-            </a:pPr>
-            <a:r>
-              <a:rPr dirty="0"/>
-              <a:t>  • Indicates moderate separability with no extreme probabilities</a:t>
-            </a:r>
           </a:p>
         </p:txBody>
       </p:sp>
@@ -7602,20 +8898,148 @@
               </a:defRPr>
             </a:pPr>
             <a:r>
-              <a:t>Step 3: Compute Stabilized IPTW Weights</a:t>
-            </a:r>
-          </a:p>
-        </p:txBody>
-      </p:sp>
-      <p:sp>
-        <p:nvSpPr>
-          <p:cNvPr id="3" name="Rectangle 2"/>
+              <a:t>Step 2: Calculate Propensity Scores</a:t>
+            </a:r>
+          </a:p>
+        </p:txBody>
+      </p:sp>
+      <p:sp>
+        <p:nvSpPr>
+          <p:cNvPr id="4" name="TextBox 3"/>
+          <p:cNvSpPr txBox="1"/>
+          <p:nvPr/>
+        </p:nvSpPr>
+        <p:spPr>
+          <a:xfrm>
+            <a:off x="640080" y="1840780"/>
+            <a:ext cx="7589520" cy="1461939"/>
+          </a:xfrm>
+          <a:prstGeom prst="rect">
+            <a:avLst/>
+          </a:prstGeom>
+          <a:noFill/>
+        </p:spPr>
+        <p:txBody>
+          <a:bodyPr wrap="square">
+            <a:spAutoFit/>
+          </a:bodyPr>
+          <a:lstStyle/>
+          <a:p>
+            <a:pPr>
+              <a:spcBef>
+                <a:spcPts val="1200"/>
+              </a:spcBef>
+              <a:spcAft>
+                <a:spcPts val="1200"/>
+              </a:spcAft>
+              <a:defRPr sz="1800"/>
+            </a:pPr>
+            <a:r>
+              <a:rPr dirty="0"/>
+              <a:t>Extract predicted probability for each participant's observed trial:</a:t>
+            </a:r>
+          </a:p>
+          <a:p>
+            <a:pPr>
+              <a:spcBef>
+                <a:spcPts val="1200"/>
+              </a:spcBef>
+              <a:spcAft>
+                <a:spcPts val="1200"/>
+              </a:spcAft>
+              <a:defRPr sz="1800"/>
+            </a:pPr>
+            <a:r>
+              <a:rPr dirty="0"/>
+              <a:t>  </a:t>
+            </a:r>
+            <a:r>
+              <a:rPr dirty="0" err="1"/>
+              <a:t>PS_i</a:t>
+            </a:r>
+            <a:r>
+              <a:rPr dirty="0"/>
+              <a:t> = P̂(Trial = j | </a:t>
+            </a:r>
+            <a:r>
+              <a:rPr dirty="0" err="1"/>
+              <a:t>X_i</a:t>
+            </a:r>
+            <a:r>
+              <a:rPr dirty="0"/>
+              <a:t>)</a:t>
+            </a:r>
+          </a:p>
+          <a:p>
+            <a:pPr algn="just">
+              <a:spcBef>
+                <a:spcPts val="600"/>
+              </a:spcBef>
+              <a:spcAft>
+                <a:spcPts val="1200"/>
+              </a:spcAft>
+              <a:defRPr sz="1800"/>
+            </a:pPr>
+            <a:r>
+              <a:rPr dirty="0"/>
+              <a:t>where j is the trial that participant </a:t>
+            </a:r>
+            <a:r>
+              <a:rPr dirty="0" err="1"/>
+              <a:t>i</a:t>
+            </a:r>
+            <a:r>
+              <a:rPr dirty="0"/>
+              <a:t> actually belongs to</a:t>
+            </a:r>
+          </a:p>
+        </p:txBody>
+      </p:sp>
+      <p:pic>
+        <p:nvPicPr>
+          <p:cNvPr id="5" name="Picture 4" descr="A blue and white logo&#10;&#10;AI-generated content may be incorrect.">
+            <a:extLst>
+              <a:ext uri="{FF2B5EF4-FFF2-40B4-BE49-F238E27FC236}">
+                <a16:creationId xmlns:a16="http://schemas.microsoft.com/office/drawing/2014/main" id="{7A4F225B-10D5-866B-DD1C-FAAF0DD3F921}"/>
+              </a:ext>
+            </a:extLst>
+          </p:cNvPr>
+          <p:cNvPicPr>
+            <a:picLocks noChangeAspect="1"/>
+          </p:cNvPicPr>
+          <p:nvPr/>
+        </p:nvPicPr>
+        <p:blipFill>
+          <a:blip r:embed="rId2"/>
+          <a:stretch>
+            <a:fillRect/>
+          </a:stretch>
+        </p:blipFill>
+        <p:spPr>
+          <a:xfrm>
+            <a:off x="7218094" y="145993"/>
+            <a:ext cx="1812615" cy="405353"/>
+          </a:xfrm>
+          <a:prstGeom prst="rect">
+            <a:avLst/>
+          </a:prstGeom>
+        </p:spPr>
+      </p:pic>
+      <p:sp>
+        <p:nvSpPr>
+          <p:cNvPr id="6" name="Rectangle 5">
+            <a:extLst>
+              <a:ext uri="{FF2B5EF4-FFF2-40B4-BE49-F238E27FC236}">
+                <a16:creationId xmlns:a16="http://schemas.microsoft.com/office/drawing/2014/main" id="{ED7B64B3-43B9-5E15-0DEA-BE015CB66B1D}"/>
+              </a:ext>
+            </a:extLst>
+          </p:cNvPr>
           <p:cNvSpPr/>
           <p:nvPr/>
         </p:nvSpPr>
         <p:spPr>
           <a:xfrm>
-            <a:off x="640080" y="1371600"/>
+            <a:off x="640080" y="685802"/>
             <a:ext cx="0" cy="457200"/>
           </a:xfrm>
           <a:prstGeom prst="rect">
@@ -7650,167 +9074,6 @@
           </a:p>
         </p:txBody>
       </p:sp>
-      <p:sp>
-        <p:nvSpPr>
-          <p:cNvPr id="4" name="TextBox 3"/>
-          <p:cNvSpPr txBox="1"/>
-          <p:nvPr/>
-        </p:nvSpPr>
-        <p:spPr>
-          <a:xfrm>
-            <a:off x="640080" y="2011680"/>
-            <a:ext cx="3840480" cy="3190617"/>
-          </a:xfrm>
-          <a:prstGeom prst="rect">
-            <a:avLst/>
-          </a:prstGeom>
-          <a:noFill/>
-        </p:spPr>
-        <p:txBody>
-          <a:bodyPr wrap="square">
-            <a:spAutoFit/>
-          </a:bodyPr>
-          <a:lstStyle/>
-          <a:p>
-            <a:pPr>
-              <a:spcBef>
-                <a:spcPts val="1000"/>
-              </a:spcBef>
-              <a:spcAft>
-                <a:spcPts val="1000"/>
-              </a:spcAft>
-              <a:defRPr sz="1600"/>
-            </a:pPr>
-            <a:r>
-              <a:rPr dirty="0"/>
-              <a:t>Calculate stabilized weights for each participant:</a:t>
-            </a:r>
-          </a:p>
-          <a:p>
-            <a:pPr>
-              <a:spcBef>
-                <a:spcPts val="1000"/>
-              </a:spcBef>
-              <a:spcAft>
-                <a:spcPts val="1000"/>
-              </a:spcAft>
-              <a:defRPr sz="1600"/>
-            </a:pPr>
-            <a:r>
-              <a:rPr dirty="0"/>
-              <a:t>  </a:t>
-            </a:r>
-            <a:r>
-              <a:rPr dirty="0" err="1"/>
-              <a:t>SW_i</a:t>
-            </a:r>
-            <a:r>
-              <a:rPr dirty="0"/>
-              <a:t> = P(Trial = j) / P̂(Trial = j | </a:t>
-            </a:r>
-            <a:r>
-              <a:rPr dirty="0" err="1"/>
-              <a:t>X_i</a:t>
-            </a:r>
-            <a:r>
-              <a:rPr dirty="0"/>
-              <a:t>)</a:t>
-            </a:r>
-          </a:p>
-          <a:p>
-            <a:pPr>
-              <a:spcBef>
-                <a:spcPts val="1000"/>
-              </a:spcBef>
-              <a:spcAft>
-                <a:spcPts val="1000"/>
-              </a:spcAft>
-              <a:defRPr sz="1600"/>
-            </a:pPr>
-            <a:r>
-              <a:rPr dirty="0"/>
-              <a:t>where P(Trial = j) is the marginal probability (proportion in trial j)</a:t>
-            </a:r>
-          </a:p>
-          <a:p>
-            <a:pPr>
-              <a:spcBef>
-                <a:spcPts val="600"/>
-              </a:spcBef>
-              <a:spcAft>
-                <a:spcPts val="1000"/>
-              </a:spcAft>
-              <a:defRPr sz="1600"/>
-            </a:pPr>
-            <a:r>
-              <a:rPr dirty="0"/>
-              <a:t>• Mean ≈ 1 by construction</a:t>
-            </a:r>
-          </a:p>
-          <a:p>
-            <a:pPr>
-              <a:spcBef>
-                <a:spcPts val="600"/>
-              </a:spcBef>
-              <a:spcAft>
-                <a:spcPts val="1000"/>
-              </a:spcAft>
-              <a:defRPr sz="1600"/>
-            </a:pPr>
-            <a:r>
-              <a:rPr dirty="0"/>
-              <a:t>• Lower variance than </a:t>
-            </a:r>
-            <a:r>
-              <a:rPr dirty="0" err="1"/>
-              <a:t>unstabilized</a:t>
-            </a:r>
-            <a:r>
-              <a:rPr dirty="0"/>
-              <a:t> weights</a:t>
-            </a:r>
-          </a:p>
-          <a:p>
-            <a:pPr>
-              <a:spcBef>
-                <a:spcPts val="600"/>
-              </a:spcBef>
-              <a:spcAft>
-                <a:spcPts val="1000"/>
-              </a:spcAft>
-              <a:defRPr sz="1600"/>
-            </a:pPr>
-            <a:r>
-              <a:rPr dirty="0"/>
-              <a:t>• More stable statistical estimates</a:t>
-            </a:r>
-          </a:p>
-        </p:txBody>
-      </p:sp>
-      <p:pic>
-        <p:nvPicPr>
-          <p:cNvPr id="5" name="Picture 4" descr="weight_distribution_converted.png"/>
-          <p:cNvPicPr>
-            <a:picLocks noChangeAspect="1"/>
-          </p:cNvPicPr>
-          <p:nvPr/>
-        </p:nvPicPr>
-        <p:blipFill>
-          <a:blip r:embed="rId2"/>
-          <a:stretch>
-            <a:fillRect/>
-          </a:stretch>
-        </p:blipFill>
-        <p:spPr>
-          <a:xfrm>
-            <a:off x="4754880" y="2011680"/>
-            <a:ext cx="3474720" cy="2606040"/>
-          </a:xfrm>
-          <a:prstGeom prst="rect">
-            <a:avLst/>
-          </a:prstGeom>
-        </p:spPr>
-      </p:pic>
     </p:spTree>
   </p:cSld>
   <p:clrMapOvr>
@@ -8427,4 +9690,10 @@
     </a:ext>
   </a:extLst>
 </a:theme>
+</file>
+
+<file path=docMetadata/LabelInfo.xml><?xml version="1.0" encoding="utf-8"?>
+<clbl:labelList xmlns:clbl="http://schemas.microsoft.com/office/2020/mipLabelMetadata">
+  <clbl:label id="{0df3522f-8c42-44b0-bea3-7f162a60ea50}" enabled="1" method="Standard" siteId="{63982aff-fb6c-4c22-973b-70e4acfb63e6}" contentBits="0" removed="0"/>
+</clbl:labelList>
 </file>